--- a/content/feature-presentation/AMW_Features.pptx
+++ b/content/feature-presentation/AMW_Features.pptx
@@ -319,7 +319,7 @@
             <a:fld id="{7DE900A2-000E-4383-8E23-D8A2C4467820}" type="datetimeFigureOut">
               <a:rPr lang="de-CH" sz="1000" smtClean="0"/>
               <a:pPr/>
-              <a:t>28.09.2016</a:t>
+              <a:t>21.12.2016</a:t>
             </a:fld>
             <a:endParaRPr lang="de-CH" sz="1000"/>
           </a:p>
@@ -455,7 +455,7 @@
             <a:fld id="{062BFB36-BFD1-4F42-867B-0B14C7589D54}" type="datetimeFigureOut">
               <a:rPr lang="de-CH" smtClean="0"/>
               <a:pPr/>
-              <a:t>28.09.2016</a:t>
+              <a:t>21.12.2016</a:t>
             </a:fld>
             <a:endParaRPr lang="de-CH"/>
           </a:p>
@@ -1950,7 +1950,7 @@
           <a:p>
             <a:fld id="{0E106A65-AA2A-4638-8A93-2EADC4C99059}" type="datetimeFigureOut">
               <a:rPr lang="de-CH" smtClean="0"/>
-              <a:t>28.09.2016</a:t>
+              <a:t>21.12.2016</a:t>
             </a:fld>
             <a:endParaRPr lang="de-CH"/>
           </a:p>
@@ -2514,7 +2514,7 @@
           <a:p>
             <a:fld id="{0E106A65-AA2A-4638-8A93-2EADC4C99059}" type="datetimeFigureOut">
               <a:rPr lang="de-CH" smtClean="0"/>
-              <a:t>28.09.2016</a:t>
+              <a:t>21.12.2016</a:t>
             </a:fld>
             <a:endParaRPr lang="de-CH"/>
           </a:p>
@@ -10176,7 +10176,15 @@
             </a:pPr>
             <a:r>
               <a:rPr lang="de-CH" dirty="0" smtClean="0"/>
-              <a:t>Im AMW GUI als eine Element sichtbar</a:t>
+              <a:t>Im AMW GUI als </a:t>
+            </a:r>
+            <a:r>
+              <a:rPr lang="de-CH" dirty="0" smtClean="0"/>
+              <a:t>ein </a:t>
+            </a:r>
+            <a:r>
+              <a:rPr lang="de-CH" dirty="0" smtClean="0"/>
+              <a:t>Element sichtbar</a:t>
             </a:r>
           </a:p>
           <a:p>
@@ -10242,7 +10250,11 @@
             </a:pPr>
             <a:r>
               <a:rPr lang="de-CH" dirty="0" smtClean="0"/>
-              <a:t>Entspricht in etwa einer </a:t>
+              <a:t>Entspricht in etwa </a:t>
+            </a:r>
+            <a:r>
+              <a:rPr lang="de-CH" dirty="0" smtClean="0"/>
+              <a:t>einem </a:t>
             </a:r>
             <a:r>
               <a:rPr lang="de-CH" dirty="0" err="1" smtClean="0"/>
@@ -11313,8 +11325,12 @@
               <a:t>Unterstützt </a:t>
             </a:r>
             <a:r>
+              <a:rPr lang="de-CH" dirty="0" err="1"/>
+              <a:t>M</a:t>
+            </a:r>
+            <a:r>
               <a:rPr lang="de-CH" dirty="0" err="1" smtClean="0"/>
-              <a:t>merging</a:t>
+              <a:t>erging</a:t>
             </a:r>
             <a:endParaRPr lang="de-CH" dirty="0" smtClean="0"/>
           </a:p>
@@ -13302,14 +13318,21 @@
         <p:spPr/>
         <p:txBody>
           <a:bodyPr>
-            <a:normAutofit fontScale="92500" lnSpcReduction="10000"/>
+            <a:normAutofit/>
           </a:bodyPr>
           <a:lstStyle/>
           <a:p>
             <a:r>
               <a:rPr lang="de-CH" dirty="0" smtClean="0"/>
-              <a:t>Testet die Ressourcen, die der Applikation angehängt sind</a:t>
-            </a:r>
+              <a:t>Testet die Ressourcen, die der Applikation angehängt </a:t>
+            </a:r>
+            <a:r>
+              <a:rPr lang="de-CH" dirty="0" smtClean="0"/>
+              <a:t>sind</a:t>
+            </a:r>
+          </a:p>
+          <a:p>
+            <a:endParaRPr lang="de-CH" dirty="0" smtClean="0"/>
           </a:p>
           <a:p>
             <a:r>
@@ -13373,25 +13396,7 @@
               <a:rPr lang="de-CH" dirty="0" smtClean="0"/>
               <a:t>DB2</a:t>
             </a:r>
-          </a:p>
-          <a:p>
             <a:endParaRPr lang="de-CH" dirty="0" smtClean="0"/>
-          </a:p>
-          <a:p>
-            <a:r>
-              <a:rPr lang="de-CH" dirty="0" smtClean="0"/>
-              <a:t>Wiki: </a:t>
-            </a:r>
-          </a:p>
-          <a:p>
-            <a:pPr>
-              <a:buNone/>
-            </a:pPr>
-            <a:r>
-              <a:rPr lang="de-CH" dirty="0" smtClean="0"/>
-              <a:t>https://mobiwiki.mobicorp.ch/wiki/index.php?title=AMW_Infrastruktur_Shakedown_Test</a:t>
-            </a:r>
-            <a:endParaRPr lang="de-CH" sz="2000" dirty="0" smtClean="0"/>
           </a:p>
         </p:txBody>
       </p:sp>
@@ -15852,8 +15857,8 @@
               <a:t>Relations: Verknüpfung zu anderen Ressourcen für </a:t>
             </a:r>
             <a:r>
-              <a:rPr lang="de-CH" dirty="0" err="1" smtClean="0"/>
-              <a:t>reuse</a:t>
+              <a:rPr lang="de-CH" dirty="0" smtClean="0"/>
+              <a:t>Reuse</a:t>
             </a:r>
             <a:endParaRPr lang="de-CH" dirty="0"/>
           </a:p>
@@ -16946,8 +16951,8 @@
         </p:nvSpPr>
         <p:spPr>
           <a:xfrm>
-            <a:off x="6609184" y="3088705"/>
-            <a:ext cx="300082" cy="369332"/>
+            <a:off x="6609184" y="3275692"/>
+            <a:ext cx="641971" cy="369332"/>
           </a:xfrm>
           <a:prstGeom prst="rect">
             <a:avLst/>
@@ -16962,7 +16967,7 @@
           <a:p>
             <a:r>
               <a:rPr lang="de-CH" dirty="0" smtClean="0"/>
-              <a:t>x</a:t>
+              <a:t>dev3</a:t>
             </a:r>
             <a:endParaRPr lang="de-CH" dirty="0"/>
           </a:p>
@@ -16970,14 +16975,14 @@
       </p:sp>
       <p:sp>
         <p:nvSpPr>
-          <p:cNvPr id="25" name="Textfeld 24"/>
+          <p:cNvPr id="26" name="Textfeld 25"/>
           <p:cNvSpPr txBox="1"/>
           <p:nvPr/>
         </p:nvSpPr>
         <p:spPr>
           <a:xfrm>
-            <a:off x="6609184" y="3376737"/>
-            <a:ext cx="300082" cy="369332"/>
+            <a:off x="6609184" y="4384849"/>
+            <a:ext cx="551241" cy="369332"/>
           </a:xfrm>
           <a:prstGeom prst="rect">
             <a:avLst/>
@@ -16992,7 +16997,7 @@
           <a:p>
             <a:r>
               <a:rPr lang="de-CH" dirty="0" smtClean="0"/>
-              <a:t>y</a:t>
+              <a:t>int2</a:t>
             </a:r>
             <a:endParaRPr lang="de-CH" dirty="0"/>
           </a:p>
@@ -17000,14 +17005,14 @@
       </p:sp>
       <p:sp>
         <p:nvSpPr>
-          <p:cNvPr id="26" name="Textfeld 25"/>
+          <p:cNvPr id="27" name="Textfeld 26"/>
           <p:cNvSpPr txBox="1"/>
           <p:nvPr/>
         </p:nvSpPr>
         <p:spPr>
           <a:xfrm>
-            <a:off x="6609184" y="4384849"/>
-            <a:ext cx="248786" cy="369332"/>
+            <a:off x="6609184" y="4096817"/>
+            <a:ext cx="551241" cy="369332"/>
           </a:xfrm>
           <a:prstGeom prst="rect">
             <a:avLst/>
@@ -17022,7 +17027,7 @@
           <a:p>
             <a:r>
               <a:rPr lang="de-CH" dirty="0" smtClean="0"/>
-              <a:t>t</a:t>
+              <a:t>int1</a:t>
             </a:r>
             <a:endParaRPr lang="de-CH" dirty="0"/>
           </a:p>
@@ -17030,14 +17035,14 @@
       </p:sp>
       <p:sp>
         <p:nvSpPr>
-          <p:cNvPr id="27" name="Textfeld 26"/>
+          <p:cNvPr id="28" name="Textfeld 27"/>
           <p:cNvSpPr txBox="1"/>
           <p:nvPr/>
         </p:nvSpPr>
         <p:spPr>
           <a:xfrm>
-            <a:off x="6609184" y="4096817"/>
-            <a:ext cx="235962" cy="369332"/>
+            <a:off x="6609184" y="5176937"/>
+            <a:ext cx="743602" cy="369332"/>
           </a:xfrm>
           <a:prstGeom prst="rect">
             <a:avLst/>
@@ -17052,37 +17057,7 @@
           <a:p>
             <a:r>
               <a:rPr lang="de-CH" dirty="0" smtClean="0"/>
-              <a:t>i</a:t>
-            </a:r>
-            <a:endParaRPr lang="de-CH" dirty="0"/>
-          </a:p>
-        </p:txBody>
-      </p:sp>
-      <p:sp>
-        <p:nvSpPr>
-          <p:cNvPr id="28" name="Textfeld 27"/>
-          <p:cNvSpPr txBox="1"/>
-          <p:nvPr/>
-        </p:nvSpPr>
-        <p:spPr>
-          <a:xfrm>
-            <a:off x="6609184" y="5176937"/>
-            <a:ext cx="312906" cy="369332"/>
-          </a:xfrm>
-          <a:prstGeom prst="rect">
-            <a:avLst/>
-          </a:prstGeom>
-          <a:noFill/>
-        </p:spPr>
-        <p:txBody>
-          <a:bodyPr wrap="none" rtlCol="0">
-            <a:spAutoFit/>
-          </a:bodyPr>
-          <a:lstStyle/>
-          <a:p>
-            <a:r>
-              <a:rPr lang="de-CH" dirty="0" smtClean="0"/>
-              <a:t>p</a:t>
+              <a:t>prod1</a:t>
             </a:r>
             <a:endParaRPr lang="de-CH" dirty="0"/>
           </a:p>
@@ -17244,7 +17219,7 @@
         <p:spPr>
           <a:xfrm>
             <a:off x="6609184" y="2440633"/>
-            <a:ext cx="312906" cy="369332"/>
+            <a:ext cx="641971" cy="369332"/>
           </a:xfrm>
           <a:prstGeom prst="rect">
             <a:avLst/>
@@ -17259,7 +17234,7 @@
           <a:p>
             <a:r>
               <a:rPr lang="de-CH" dirty="0" smtClean="0"/>
-              <a:t>b</a:t>
+              <a:t>dev1</a:t>
             </a:r>
             <a:endParaRPr lang="de-CH" dirty="0"/>
           </a:p>
@@ -17273,8 +17248,8 @@
         </p:nvSpPr>
         <p:spPr>
           <a:xfrm>
-            <a:off x="6609184" y="2800673"/>
-            <a:ext cx="300082" cy="369332"/>
+            <a:off x="6609184" y="2843644"/>
+            <a:ext cx="641971" cy="369332"/>
           </a:xfrm>
           <a:prstGeom prst="rect">
             <a:avLst/>
@@ -17289,7 +17264,7 @@
           <a:p>
             <a:r>
               <a:rPr lang="de-CH" dirty="0" smtClean="0"/>
-              <a:t>c</a:t>
+              <a:t>dev2</a:t>
             </a:r>
             <a:endParaRPr lang="de-CH" dirty="0"/>
           </a:p>
@@ -17407,7 +17382,11 @@
           <a:p>
             <a:r>
               <a:rPr lang="de-CH" sz="1400" dirty="0" smtClean="0"/>
-              <a:t>addc01.umobi.mobicorp.test</a:t>
+              <a:t>amw</a:t>
+            </a:r>
+            <a:r>
+              <a:rPr lang="de-CH" sz="1400" dirty="0" smtClean="0"/>
+              <a:t>01.a-gogo.test</a:t>
             </a:r>
             <a:endParaRPr lang="de-CH" sz="1400" dirty="0"/>
           </a:p>
@@ -17437,7 +17416,7 @@
           <a:p>
             <a:r>
               <a:rPr lang="de-CH" sz="1400" dirty="0" smtClean="0"/>
-              <a:t>addc03.imobi.mobicorp.ch</a:t>
+              <a:t>amw02.a-gogo.ch</a:t>
             </a:r>
             <a:endParaRPr lang="de-CH" sz="1400" dirty="0"/>
           </a:p>
@@ -17467,7 +17446,7 @@
           <a:p>
             <a:r>
               <a:rPr lang="de-CH" sz="1400" dirty="0" smtClean="0"/>
-              <a:t>addc03.mobi.mobicorp.ch</a:t>
+              <a:t>amw03.a-gogo.ch</a:t>
             </a:r>
             <a:endParaRPr lang="de-CH" sz="1400" dirty="0"/>
           </a:p>

--- a/content/feature-presentation/AMW_Features.pptx
+++ b/content/feature-presentation/AMW_Features.pptx
@@ -319,7 +319,7 @@
             <a:fld id="{7DE900A2-000E-4383-8E23-D8A2C4467820}" type="datetimeFigureOut">
               <a:rPr lang="de-CH" sz="1000" smtClean="0"/>
               <a:pPr/>
-              <a:t>21.12.2016</a:t>
+              <a:t>26.11.2019</a:t>
             </a:fld>
             <a:endParaRPr lang="de-CH" sz="1000"/>
           </a:p>
@@ -386,7 +386,7 @@
             <a:fld id="{FE80E137-530C-4D30-B08E-A7F994AECD0B}" type="slidenum">
               <a:rPr lang="de-CH" sz="1000" smtClean="0"/>
               <a:pPr/>
-              <a:t>‹Nr.›</a:t>
+              <a:t>‹#›</a:t>
             </a:fld>
             <a:endParaRPr lang="de-CH" sz="1000"/>
           </a:p>
@@ -455,7 +455,7 @@
             <a:fld id="{062BFB36-BFD1-4F42-867B-0B14C7589D54}" type="datetimeFigureOut">
               <a:rPr lang="de-CH" smtClean="0"/>
               <a:pPr/>
-              <a:t>21.12.2016</a:t>
+              <a:t>26.11.2019</a:t>
             </a:fld>
             <a:endParaRPr lang="de-CH"/>
           </a:p>
@@ -519,38 +519,37 @@
           <a:p>
             <a:pPr lvl="0"/>
             <a:r>
-              <a:rPr lang="de-CH" dirty="0" smtClean="0"/>
+              <a:rPr lang="de-CH" dirty="0"/>
               <a:t>Textmasterformat bearbeiten</a:t>
             </a:r>
           </a:p>
           <a:p>
             <a:pPr lvl="1"/>
             <a:r>
-              <a:rPr lang="de-CH" dirty="0" smtClean="0"/>
+              <a:rPr lang="de-CH" dirty="0"/>
               <a:t>Zweite Ebene</a:t>
             </a:r>
           </a:p>
           <a:p>
             <a:pPr lvl="2"/>
             <a:r>
-              <a:rPr lang="de-CH" dirty="0" smtClean="0"/>
+              <a:rPr lang="de-CH" dirty="0"/>
               <a:t>Dritte Ebene</a:t>
             </a:r>
           </a:p>
           <a:p>
             <a:pPr lvl="3"/>
             <a:r>
-              <a:rPr lang="de-CH" dirty="0" smtClean="0"/>
+              <a:rPr lang="de-CH" dirty="0"/>
               <a:t>Vierte Ebene</a:t>
             </a:r>
           </a:p>
           <a:p>
             <a:pPr lvl="4"/>
             <a:r>
-              <a:rPr lang="de-CH" dirty="0" smtClean="0"/>
+              <a:rPr lang="de-CH" dirty="0"/>
               <a:t>Fünfte Ebene</a:t>
             </a:r>
-            <a:endParaRPr lang="de-CH" dirty="0"/>
           </a:p>
         </p:txBody>
       </p:sp>
@@ -615,7 +614,7 @@
             <a:fld id="{D865CDF6-A851-4EAF-B883-9672F0B9BD89}" type="slidenum">
               <a:rPr lang="de-CH" smtClean="0"/>
               <a:pPr/>
-              <a:t>‹Nr.›</a:t>
+              <a:t>‹#›</a:t>
             </a:fld>
             <a:endParaRPr lang="de-CH"/>
           </a:p>
@@ -861,7 +860,7 @@
           </a:bodyPr>
           <a:lstStyle/>
           <a:p>
-            <a:endParaRPr lang="de-CH" baseline="0" dirty="0" smtClean="0"/>
+            <a:endParaRPr lang="de-CH" baseline="0" dirty="0"/>
           </a:p>
         </p:txBody>
       </p:sp>
@@ -953,7 +952,7 @@
           </a:bodyPr>
           <a:lstStyle/>
           <a:p>
-            <a:endParaRPr lang="de-CH" baseline="0" dirty="0" smtClean="0"/>
+            <a:endParaRPr lang="de-CH" baseline="0" dirty="0"/>
           </a:p>
         </p:txBody>
       </p:sp>
@@ -1226,7 +1225,7 @@
           </a:bodyPr>
           <a:lstStyle/>
           <a:p>
-            <a:endParaRPr lang="de-CH" dirty="0" smtClean="0"/>
+            <a:endParaRPr lang="de-CH" dirty="0"/>
           </a:p>
         </p:txBody>
       </p:sp>
@@ -1586,7 +1585,7 @@
           </a:bodyPr>
           <a:lstStyle/>
           <a:p>
-            <a:endParaRPr lang="de-CH" baseline="0" dirty="0" smtClean="0"/>
+            <a:endParaRPr lang="de-CH" baseline="0" dirty="0"/>
           </a:p>
         </p:txBody>
       </p:sp>
@@ -1679,7 +1678,7 @@
           </a:bodyPr>
           <a:lstStyle/>
           <a:p>
-            <a:endParaRPr lang="de-CH" baseline="0" dirty="0" smtClean="0"/>
+            <a:endParaRPr lang="de-CH" baseline="0" dirty="0"/>
           </a:p>
         </p:txBody>
       </p:sp>
@@ -1767,7 +1766,7 @@
           </a:bodyPr>
           <a:lstStyle/>
           <a:p>
-            <a:endParaRPr lang="de-CH" baseline="0" dirty="0" smtClean="0"/>
+            <a:endParaRPr lang="de-CH" baseline="0" dirty="0"/>
           </a:p>
         </p:txBody>
       </p:sp>
@@ -1852,7 +1851,7 @@
           </a:lstStyle>
           <a:p>
             <a:r>
-              <a:rPr lang="de-DE" smtClean="0"/>
+              <a:rPr lang="de-DE"/>
               <a:t>Titelmasterformat durch Klicken bearbeiten</a:t>
             </a:r>
             <a:endParaRPr lang="en-US" dirty="0"/>
@@ -1926,7 +1925,7 @@
           </a:lstStyle>
           <a:p>
             <a:r>
-              <a:rPr lang="de-DE" smtClean="0"/>
+              <a:rPr lang="de-DE"/>
               <a:t>Formatvorlage des Untertitelmasters durch Klicken bearbeiten</a:t>
             </a:r>
             <a:endParaRPr lang="en-US" dirty="0"/>
@@ -1950,7 +1949,7 @@
           <a:p>
             <a:fld id="{0E106A65-AA2A-4638-8A93-2EADC4C99059}" type="datetimeFigureOut">
               <a:rPr lang="de-CH" smtClean="0"/>
-              <a:t>21.12.2016</a:t>
+              <a:t>26.11.2019</a:t>
             </a:fld>
             <a:endParaRPr lang="de-CH"/>
           </a:p>
@@ -1992,7 +1991,7 @@
           <a:p>
             <a:fld id="{69971980-D635-46A3-8B38-CAC1670CCA5D}" type="slidenum">
               <a:rPr lang="de-CH" smtClean="0"/>
-              <a:t>‹Nr.›</a:t>
+              <a:t>‹#›</a:t>
             </a:fld>
             <a:endParaRPr lang="de-CH"/>
           </a:p>
@@ -2008,13 +2007,6 @@
   <p:clrMapOvr>
     <a:masterClrMapping/>
   </p:clrMapOvr>
-  <p:timing>
-    <p:tnLst>
-      <p:par>
-        <p:cTn id="1" dur="indefinite" restart="never" nodeType="tmRoot"/>
-      </p:par>
-    </p:tnLst>
-  </p:timing>
   <p:hf hdr="0" ftr="0" dt="0"/>
 </p:sldLayout>
 </file>
@@ -2052,7 +2044,7 @@
           <a:lstStyle/>
           <a:p>
             <a:r>
-              <a:rPr lang="de-DE" smtClean="0"/>
+              <a:rPr lang="de-DE"/>
               <a:t>Titelmasterformat durch Klicken bearbeiten</a:t>
             </a:r>
             <a:endParaRPr lang="en-US"/>
@@ -2076,35 +2068,35 @@
           <a:p>
             <a:pPr lvl="0"/>
             <a:r>
-              <a:rPr lang="de-DE" smtClean="0"/>
+              <a:rPr lang="de-DE"/>
               <a:t>Textmasterformat bearbeiten</a:t>
             </a:r>
           </a:p>
           <a:p>
             <a:pPr lvl="1"/>
             <a:r>
-              <a:rPr lang="de-DE" smtClean="0"/>
+              <a:rPr lang="de-DE"/>
               <a:t>Zweite Ebene</a:t>
             </a:r>
           </a:p>
           <a:p>
             <a:pPr lvl="2"/>
             <a:r>
-              <a:rPr lang="de-DE" smtClean="0"/>
+              <a:rPr lang="de-DE"/>
               <a:t>Dritte Ebene</a:t>
             </a:r>
           </a:p>
           <a:p>
             <a:pPr lvl="3"/>
             <a:r>
-              <a:rPr lang="de-DE" smtClean="0"/>
+              <a:rPr lang="de-DE"/>
               <a:t>Vierte Ebene</a:t>
             </a:r>
           </a:p>
           <a:p>
             <a:pPr lvl="4"/>
             <a:r>
-              <a:rPr lang="de-DE" smtClean="0"/>
+              <a:rPr lang="de-DE"/>
               <a:t>Fünfte Ebene</a:t>
             </a:r>
             <a:endParaRPr lang="en-US" dirty="0"/>
@@ -2167,7 +2159,7 @@
             <a:fld id="{EB020F43-4C24-4584-ADC8-08CFC77D2B3B}" type="slidenum">
               <a:rPr lang="de-CH" smtClean="0"/>
               <a:pPr/>
-              <a:t>‹Nr.›</a:t>
+              <a:t>‹#›</a:t>
             </a:fld>
             <a:endParaRPr lang="de-CH"/>
           </a:p>
@@ -2183,13 +2175,6 @@
   <p:clrMapOvr>
     <a:masterClrMapping/>
   </p:clrMapOvr>
-  <p:timing>
-    <p:tnLst>
-      <p:par>
-        <p:cTn id="1" dur="indefinite" restart="never" nodeType="tmRoot"/>
-      </p:par>
-    </p:tnLst>
-  </p:timing>
   <p:hf hdr="0" ftr="0" dt="0"/>
 </p:sldLayout>
 </file>
@@ -2232,7 +2217,7 @@
           <a:lstStyle/>
           <a:p>
             <a:r>
-              <a:rPr lang="de-DE" smtClean="0"/>
+              <a:rPr lang="de-DE"/>
               <a:t>Titelmasterformat durch Klicken bearbeiten</a:t>
             </a:r>
             <a:endParaRPr lang="en-US"/>
@@ -2261,35 +2246,35 @@
           <a:p>
             <a:pPr lvl="0"/>
             <a:r>
-              <a:rPr lang="de-DE" smtClean="0"/>
+              <a:rPr lang="de-DE"/>
               <a:t>Textmasterformat bearbeiten</a:t>
             </a:r>
           </a:p>
           <a:p>
             <a:pPr lvl="1"/>
             <a:r>
-              <a:rPr lang="de-DE" smtClean="0"/>
+              <a:rPr lang="de-DE"/>
               <a:t>Zweite Ebene</a:t>
             </a:r>
           </a:p>
           <a:p>
             <a:pPr lvl="2"/>
             <a:r>
-              <a:rPr lang="de-DE" smtClean="0"/>
+              <a:rPr lang="de-DE"/>
               <a:t>Dritte Ebene</a:t>
             </a:r>
           </a:p>
           <a:p>
             <a:pPr lvl="3"/>
             <a:r>
-              <a:rPr lang="de-DE" smtClean="0"/>
+              <a:rPr lang="de-DE"/>
               <a:t>Vierte Ebene</a:t>
             </a:r>
           </a:p>
           <a:p>
             <a:pPr lvl="4"/>
             <a:r>
-              <a:rPr lang="de-DE" smtClean="0"/>
+              <a:rPr lang="de-DE"/>
               <a:t>Fünfte Ebene</a:t>
             </a:r>
             <a:endParaRPr lang="en-US"/>
@@ -2352,7 +2337,7 @@
             <a:fld id="{EB020F43-4C24-4584-ADC8-08CFC77D2B3B}" type="slidenum">
               <a:rPr lang="de-CH" smtClean="0"/>
               <a:pPr/>
-              <a:t>‹Nr.›</a:t>
+              <a:t>‹#›</a:t>
             </a:fld>
             <a:endParaRPr lang="de-CH"/>
           </a:p>
@@ -2416,7 +2401,7 @@
           </a:lstStyle>
           <a:p>
             <a:r>
-              <a:rPr lang="de-DE" smtClean="0"/>
+              <a:rPr lang="de-DE"/>
               <a:t>Titelmasterformat durch Klicken bearbeiten</a:t>
             </a:r>
             <a:endParaRPr lang="en-US" dirty="0"/>
@@ -2490,7 +2475,7 @@
           </a:lstStyle>
           <a:p>
             <a:r>
-              <a:rPr lang="de-DE" smtClean="0"/>
+              <a:rPr lang="de-DE"/>
               <a:t>Formatvorlage des Untertitelmasters durch Klicken bearbeiten</a:t>
             </a:r>
             <a:endParaRPr lang="en-US" dirty="0"/>
@@ -2514,7 +2499,7 @@
           <a:p>
             <a:fld id="{0E106A65-AA2A-4638-8A93-2EADC4C99059}" type="datetimeFigureOut">
               <a:rPr lang="de-CH" smtClean="0"/>
-              <a:t>21.12.2016</a:t>
+              <a:t>26.11.2019</a:t>
             </a:fld>
             <a:endParaRPr lang="de-CH"/>
           </a:p>
@@ -2556,7 +2541,7 @@
           <a:p>
             <a:fld id="{69971980-D635-46A3-8B38-CAC1670CCA5D}" type="slidenum">
               <a:rPr lang="de-CH" smtClean="0"/>
-              <a:t>‹Nr.›</a:t>
+              <a:t>‹#›</a:t>
             </a:fld>
             <a:endParaRPr lang="de-CH"/>
           </a:p>
@@ -2572,13 +2557,6 @@
   <p:clrMapOvr>
     <a:masterClrMapping/>
   </p:clrMapOvr>
-  <p:timing>
-    <p:tnLst>
-      <p:par>
-        <p:cTn id="1" dur="indefinite" restart="never" nodeType="tmRoot"/>
-      </p:par>
-    </p:tnLst>
-  </p:timing>
   <p:hf hdr="0" ftr="0" dt="0"/>
 </p:sldLayout>
 </file>
@@ -2621,7 +2599,7 @@
           <a:lstStyle/>
           <a:p>
             <a:r>
-              <a:rPr lang="de-DE" dirty="0" smtClean="0"/>
+              <a:rPr lang="de-DE" dirty="0"/>
               <a:t>Titelmasterformat durch Klicken bearbeiten</a:t>
             </a:r>
             <a:endParaRPr lang="en-US" dirty="0"/>
@@ -2650,35 +2628,35 @@
           <a:p>
             <a:pPr lvl="0"/>
             <a:r>
-              <a:rPr lang="de-DE" smtClean="0"/>
+              <a:rPr lang="de-DE"/>
               <a:t>Textmasterformat bearbeiten</a:t>
             </a:r>
           </a:p>
           <a:p>
             <a:pPr lvl="1"/>
             <a:r>
-              <a:rPr lang="de-DE" smtClean="0"/>
+              <a:rPr lang="de-DE"/>
               <a:t>Zweite Ebene</a:t>
             </a:r>
           </a:p>
           <a:p>
             <a:pPr lvl="2"/>
             <a:r>
-              <a:rPr lang="de-DE" smtClean="0"/>
+              <a:rPr lang="de-DE"/>
               <a:t>Dritte Ebene</a:t>
             </a:r>
           </a:p>
           <a:p>
             <a:pPr lvl="3"/>
             <a:r>
-              <a:rPr lang="de-DE" smtClean="0"/>
+              <a:rPr lang="de-DE"/>
               <a:t>Vierte Ebene</a:t>
             </a:r>
           </a:p>
           <a:p>
             <a:pPr lvl="4"/>
             <a:r>
-              <a:rPr lang="de-DE" smtClean="0"/>
+              <a:rPr lang="de-DE"/>
               <a:t>Fünfte Ebene</a:t>
             </a:r>
             <a:endParaRPr lang="en-US" dirty="0"/>
@@ -2741,7 +2719,7 @@
             <a:fld id="{EB020F43-4C24-4584-ADC8-08CFC77D2B3B}" type="slidenum">
               <a:rPr lang="de-CH" smtClean="0"/>
               <a:pPr/>
-              <a:t>‹Nr.›</a:t>
+              <a:t>‹#›</a:t>
             </a:fld>
             <a:endParaRPr lang="de-CH"/>
           </a:p>
@@ -2757,13 +2735,6 @@
   <p:clrMapOvr>
     <a:masterClrMapping/>
   </p:clrMapOvr>
-  <p:timing>
-    <p:tnLst>
-      <p:par>
-        <p:cTn id="1" dur="indefinite" restart="never" nodeType="tmRoot"/>
-      </p:par>
-    </p:tnLst>
-  </p:timing>
   <p:hf hdr="0" ftr="0" dt="0"/>
 </p:sldLayout>
 </file>
@@ -2812,7 +2783,7 @@
           </a:lstStyle>
           <a:p>
             <a:r>
-              <a:rPr lang="de-DE" smtClean="0"/>
+              <a:rPr lang="de-DE"/>
               <a:t>Titelmasterformat durch Klicken bearbeiten</a:t>
             </a:r>
             <a:endParaRPr lang="en-US" dirty="0"/>
@@ -2935,7 +2906,7 @@
           <a:p>
             <a:pPr lvl="0"/>
             <a:r>
-              <a:rPr lang="de-DE" smtClean="0"/>
+              <a:rPr lang="de-DE"/>
               <a:t>Textmasterformat bearbeiten</a:t>
             </a:r>
           </a:p>
@@ -2997,7 +2968,7 @@
             <a:fld id="{EB020F43-4C24-4584-ADC8-08CFC77D2B3B}" type="slidenum">
               <a:rPr lang="de-CH" smtClean="0"/>
               <a:pPr/>
-              <a:t>‹Nr.›</a:t>
+              <a:t>‹#›</a:t>
             </a:fld>
             <a:endParaRPr lang="de-CH"/>
           </a:p>
@@ -3013,13 +2984,6 @@
   <p:clrMapOvr>
     <a:masterClrMapping/>
   </p:clrMapOvr>
-  <p:timing>
-    <p:tnLst>
-      <p:par>
-        <p:cTn id="1" dur="indefinite" restart="never" nodeType="tmRoot"/>
-      </p:par>
-    </p:tnLst>
-  </p:timing>
   <p:hf hdr="0" ftr="0" dt="0"/>
 </p:sldLayout>
 </file>
@@ -3062,7 +3026,7 @@
           <a:lstStyle/>
           <a:p>
             <a:r>
-              <a:rPr lang="de-DE" smtClean="0"/>
+              <a:rPr lang="de-DE"/>
               <a:t>Titelmasterformat durch Klicken bearbeiten</a:t>
             </a:r>
             <a:endParaRPr lang="en-US" dirty="0"/>
@@ -3091,35 +3055,35 @@
           <a:p>
             <a:pPr lvl="0"/>
             <a:r>
-              <a:rPr lang="de-DE" smtClean="0"/>
+              <a:rPr lang="de-DE"/>
               <a:t>Textmasterformat bearbeiten</a:t>
             </a:r>
           </a:p>
           <a:p>
             <a:pPr lvl="1"/>
             <a:r>
-              <a:rPr lang="de-DE" smtClean="0"/>
+              <a:rPr lang="de-DE"/>
               <a:t>Zweite Ebene</a:t>
             </a:r>
           </a:p>
           <a:p>
             <a:pPr lvl="2"/>
             <a:r>
-              <a:rPr lang="de-DE" smtClean="0"/>
+              <a:rPr lang="de-DE"/>
               <a:t>Dritte Ebene</a:t>
             </a:r>
           </a:p>
           <a:p>
             <a:pPr lvl="3"/>
             <a:r>
-              <a:rPr lang="de-DE" smtClean="0"/>
+              <a:rPr lang="de-DE"/>
               <a:t>Vierte Ebene</a:t>
             </a:r>
           </a:p>
           <a:p>
             <a:pPr lvl="4"/>
             <a:r>
-              <a:rPr lang="de-DE" smtClean="0"/>
+              <a:rPr lang="de-DE"/>
               <a:t>Fünfte Ebene</a:t>
             </a:r>
             <a:endParaRPr lang="en-US" dirty="0"/>
@@ -3148,35 +3112,35 @@
           <a:p>
             <a:pPr lvl="0"/>
             <a:r>
-              <a:rPr lang="de-DE" smtClean="0"/>
+              <a:rPr lang="de-DE"/>
               <a:t>Textmasterformat bearbeiten</a:t>
             </a:r>
           </a:p>
           <a:p>
             <a:pPr lvl="1"/>
             <a:r>
-              <a:rPr lang="de-DE" smtClean="0"/>
+              <a:rPr lang="de-DE"/>
               <a:t>Zweite Ebene</a:t>
             </a:r>
           </a:p>
           <a:p>
             <a:pPr lvl="2"/>
             <a:r>
-              <a:rPr lang="de-DE" smtClean="0"/>
+              <a:rPr lang="de-DE"/>
               <a:t>Dritte Ebene</a:t>
             </a:r>
           </a:p>
           <a:p>
             <a:pPr lvl="3"/>
             <a:r>
-              <a:rPr lang="de-DE" smtClean="0"/>
+              <a:rPr lang="de-DE"/>
               <a:t>Vierte Ebene</a:t>
             </a:r>
           </a:p>
           <a:p>
             <a:pPr lvl="4"/>
             <a:r>
-              <a:rPr lang="de-DE" smtClean="0"/>
+              <a:rPr lang="de-DE"/>
               <a:t>Fünfte Ebene</a:t>
             </a:r>
             <a:endParaRPr lang="en-US" dirty="0"/>
@@ -3239,7 +3203,7 @@
             <a:fld id="{EB020F43-4C24-4584-ADC8-08CFC77D2B3B}" type="slidenum">
               <a:rPr lang="de-CH" smtClean="0"/>
               <a:pPr/>
-              <a:t>‹Nr.›</a:t>
+              <a:t>‹#›</a:t>
             </a:fld>
             <a:endParaRPr lang="de-CH"/>
           </a:p>
@@ -3255,13 +3219,6 @@
   <p:clrMapOvr>
     <a:masterClrMapping/>
   </p:clrMapOvr>
-  <p:timing>
-    <p:tnLst>
-      <p:par>
-        <p:cTn id="1" dur="indefinite" restart="never" nodeType="tmRoot"/>
-      </p:par>
-    </p:tnLst>
-  </p:timing>
   <p:hf hdr="0" ftr="0" dt="0"/>
 </p:sldLayout>
 </file>
@@ -3347,7 +3304,7 @@
           <a:p>
             <a:pPr lvl="0"/>
             <a:r>
-              <a:rPr lang="de-DE" smtClean="0"/>
+              <a:rPr lang="de-DE"/>
               <a:t>Textmasterformat bearbeiten</a:t>
             </a:r>
           </a:p>
@@ -3375,35 +3332,35 @@
           <a:p>
             <a:pPr lvl="0"/>
             <a:r>
-              <a:rPr lang="de-DE" smtClean="0"/>
+              <a:rPr lang="de-DE"/>
               <a:t>Textmasterformat bearbeiten</a:t>
             </a:r>
           </a:p>
           <a:p>
             <a:pPr lvl="1"/>
             <a:r>
-              <a:rPr lang="de-DE" smtClean="0"/>
+              <a:rPr lang="de-DE"/>
               <a:t>Zweite Ebene</a:t>
             </a:r>
           </a:p>
           <a:p>
             <a:pPr lvl="2"/>
             <a:r>
-              <a:rPr lang="de-DE" smtClean="0"/>
+              <a:rPr lang="de-DE"/>
               <a:t>Dritte Ebene</a:t>
             </a:r>
           </a:p>
           <a:p>
             <a:pPr lvl="3"/>
             <a:r>
-              <a:rPr lang="de-DE" smtClean="0"/>
+              <a:rPr lang="de-DE"/>
               <a:t>Vierte Ebene</a:t>
             </a:r>
           </a:p>
           <a:p>
             <a:pPr lvl="4"/>
             <a:r>
-              <a:rPr lang="de-DE" smtClean="0"/>
+              <a:rPr lang="de-DE"/>
               <a:t>Fünfte Ebene</a:t>
             </a:r>
             <a:endParaRPr lang="en-US" dirty="0"/>
@@ -3472,7 +3429,7 @@
           <a:p>
             <a:pPr lvl="0"/>
             <a:r>
-              <a:rPr lang="de-DE" smtClean="0"/>
+              <a:rPr lang="de-DE"/>
               <a:t>Textmasterformat bearbeiten</a:t>
             </a:r>
           </a:p>
@@ -3500,35 +3457,35 @@
           <a:p>
             <a:pPr lvl="0"/>
             <a:r>
-              <a:rPr lang="de-DE" smtClean="0"/>
+              <a:rPr lang="de-DE"/>
               <a:t>Textmasterformat bearbeiten</a:t>
             </a:r>
           </a:p>
           <a:p>
             <a:pPr lvl="1"/>
             <a:r>
-              <a:rPr lang="de-DE" smtClean="0"/>
+              <a:rPr lang="de-DE"/>
               <a:t>Zweite Ebene</a:t>
             </a:r>
           </a:p>
           <a:p>
             <a:pPr lvl="2"/>
             <a:r>
-              <a:rPr lang="de-DE" smtClean="0"/>
+              <a:rPr lang="de-DE"/>
               <a:t>Dritte Ebene</a:t>
             </a:r>
           </a:p>
           <a:p>
             <a:pPr lvl="3"/>
             <a:r>
-              <a:rPr lang="de-DE" smtClean="0"/>
+              <a:rPr lang="de-DE"/>
               <a:t>Vierte Ebene</a:t>
             </a:r>
           </a:p>
           <a:p>
             <a:pPr lvl="4"/>
             <a:r>
-              <a:rPr lang="de-DE" smtClean="0"/>
+              <a:rPr lang="de-DE"/>
               <a:t>Fünfte Ebene</a:t>
             </a:r>
             <a:endParaRPr lang="en-US"/>
@@ -3591,7 +3548,7 @@
             <a:fld id="{EB020F43-4C24-4584-ADC8-08CFC77D2B3B}" type="slidenum">
               <a:rPr lang="de-CH" smtClean="0"/>
               <a:pPr/>
-              <a:t>‹Nr.›</a:t>
+              <a:t>‹#›</a:t>
             </a:fld>
             <a:endParaRPr lang="de-CH"/>
           </a:p>
@@ -3613,7 +3570,7 @@
           <a:lstStyle/>
           <a:p>
             <a:r>
-              <a:rPr lang="de-DE" smtClean="0"/>
+              <a:rPr lang="de-DE"/>
               <a:t>Titelmasterformat durch Klicken bearbeiten</a:t>
             </a:r>
             <a:endParaRPr lang="en-US" dirty="0"/>
@@ -3630,13 +3587,6 @@
   <p:clrMapOvr>
     <a:masterClrMapping/>
   </p:clrMapOvr>
-  <p:timing>
-    <p:tnLst>
-      <p:par>
-        <p:cTn id="1" dur="indefinite" restart="never" nodeType="tmRoot"/>
-      </p:par>
-    </p:tnLst>
-  </p:timing>
   <p:hf hdr="0" ftr="0" dt="0"/>
 </p:sldLayout>
 </file>
@@ -3714,7 +3664,7 @@
             <a:fld id="{EB020F43-4C24-4584-ADC8-08CFC77D2B3B}" type="slidenum">
               <a:rPr lang="de-CH" smtClean="0"/>
               <a:pPr/>
-              <a:t>‹Nr.›</a:t>
+              <a:t>‹#›</a:t>
             </a:fld>
             <a:endParaRPr lang="de-CH"/>
           </a:p>
@@ -3736,7 +3686,7 @@
           <a:lstStyle/>
           <a:p>
             <a:r>
-              <a:rPr lang="de-DE" smtClean="0"/>
+              <a:rPr lang="de-DE"/>
               <a:t>Titelmasterformat durch Klicken bearbeiten</a:t>
             </a:r>
             <a:endParaRPr lang="en-US"/>
@@ -3753,13 +3703,6 @@
   <p:clrMapOvr>
     <a:masterClrMapping/>
   </p:clrMapOvr>
-  <p:timing>
-    <p:tnLst>
-      <p:par>
-        <p:cTn id="1" dur="indefinite" restart="never" nodeType="tmRoot"/>
-      </p:par>
-    </p:tnLst>
-  </p:timing>
   <p:hf hdr="0" ftr="0" dt="0"/>
 </p:sldLayout>
 </file>
@@ -3837,7 +3780,7 @@
             <a:fld id="{EB020F43-4C24-4584-ADC8-08CFC77D2B3B}" type="slidenum">
               <a:rPr lang="de-CH" smtClean="0"/>
               <a:pPr/>
-              <a:t>‹Nr.›</a:t>
+              <a:t>‹#›</a:t>
             </a:fld>
             <a:endParaRPr lang="de-CH"/>
           </a:p>
@@ -3853,13 +3796,6 @@
   <p:clrMapOvr>
     <a:masterClrMapping/>
   </p:clrMapOvr>
-  <p:timing>
-    <p:tnLst>
-      <p:par>
-        <p:cTn id="1" dur="indefinite" restart="never" nodeType="tmRoot"/>
-      </p:par>
-    </p:tnLst>
-  </p:timing>
   <p:hf hdr="0" ftr="0" dt="0"/>
 </p:sldLayout>
 </file>
@@ -3908,7 +3844,7 @@
           </a:lstStyle>
           <a:p>
             <a:r>
-              <a:rPr lang="de-DE" smtClean="0"/>
+              <a:rPr lang="de-DE"/>
               <a:t>Titelmasterformat durch Klicken bearbeiten</a:t>
             </a:r>
             <a:endParaRPr lang="en-US" dirty="0"/>
@@ -3965,35 +3901,35 @@
           <a:p>
             <a:pPr lvl="0"/>
             <a:r>
-              <a:rPr lang="de-DE" smtClean="0"/>
+              <a:rPr lang="de-DE"/>
               <a:t>Textmasterformat bearbeiten</a:t>
             </a:r>
           </a:p>
           <a:p>
             <a:pPr lvl="1"/>
             <a:r>
-              <a:rPr lang="de-DE" smtClean="0"/>
+              <a:rPr lang="de-DE"/>
               <a:t>Zweite Ebene</a:t>
             </a:r>
           </a:p>
           <a:p>
             <a:pPr lvl="2"/>
             <a:r>
-              <a:rPr lang="de-DE" smtClean="0"/>
+              <a:rPr lang="de-DE"/>
               <a:t>Dritte Ebene</a:t>
             </a:r>
           </a:p>
           <a:p>
             <a:pPr lvl="3"/>
             <a:r>
-              <a:rPr lang="de-DE" smtClean="0"/>
+              <a:rPr lang="de-DE"/>
               <a:t>Vierte Ebene</a:t>
             </a:r>
           </a:p>
           <a:p>
             <a:pPr lvl="4"/>
             <a:r>
-              <a:rPr lang="de-DE" smtClean="0"/>
+              <a:rPr lang="de-DE"/>
               <a:t>Fünfte Ebene</a:t>
             </a:r>
             <a:endParaRPr lang="en-US" dirty="0"/>
@@ -4064,7 +4000,7 @@
           <a:p>
             <a:pPr lvl="0"/>
             <a:r>
-              <a:rPr lang="de-DE" smtClean="0"/>
+              <a:rPr lang="de-DE"/>
               <a:t>Textmasterformat bearbeiten</a:t>
             </a:r>
           </a:p>
@@ -4126,7 +4062,7 @@
             <a:fld id="{EB020F43-4C24-4584-ADC8-08CFC77D2B3B}" type="slidenum">
               <a:rPr lang="de-CH" smtClean="0"/>
               <a:pPr/>
-              <a:t>‹Nr.›</a:t>
+              <a:t>‹#›</a:t>
             </a:fld>
             <a:endParaRPr lang="de-CH"/>
           </a:p>
@@ -4142,13 +4078,6 @@
   <p:clrMapOvr>
     <a:masterClrMapping/>
   </p:clrMapOvr>
-  <p:timing>
-    <p:tnLst>
-      <p:par>
-        <p:cTn id="1" dur="indefinite" restart="never" nodeType="tmRoot"/>
-      </p:par>
-    </p:tnLst>
-  </p:timing>
   <p:hf hdr="0" ftr="0" dt="0"/>
 </p:sldLayout>
 </file>
@@ -4186,7 +4115,7 @@
           <a:lstStyle/>
           <a:p>
             <a:r>
-              <a:rPr lang="de-DE" smtClean="0"/>
+              <a:rPr lang="de-DE"/>
               <a:t>Titelmasterformat durch Klicken bearbeiten</a:t>
             </a:r>
             <a:endParaRPr lang="en-US" dirty="0"/>
@@ -4210,35 +4139,35 @@
           <a:p>
             <a:pPr lvl="0"/>
             <a:r>
-              <a:rPr lang="de-DE" smtClean="0"/>
+              <a:rPr lang="de-DE"/>
               <a:t>Textmasterformat bearbeiten</a:t>
             </a:r>
           </a:p>
           <a:p>
             <a:pPr lvl="1"/>
             <a:r>
-              <a:rPr lang="de-DE" smtClean="0"/>
+              <a:rPr lang="de-DE"/>
               <a:t>Zweite Ebene</a:t>
             </a:r>
           </a:p>
           <a:p>
             <a:pPr lvl="2"/>
             <a:r>
-              <a:rPr lang="de-DE" smtClean="0"/>
+              <a:rPr lang="de-DE"/>
               <a:t>Dritte Ebene</a:t>
             </a:r>
           </a:p>
           <a:p>
             <a:pPr lvl="3"/>
             <a:r>
-              <a:rPr lang="de-DE" smtClean="0"/>
+              <a:rPr lang="de-DE"/>
               <a:t>Vierte Ebene</a:t>
             </a:r>
           </a:p>
           <a:p>
             <a:pPr lvl="4"/>
             <a:r>
-              <a:rPr lang="de-DE" smtClean="0"/>
+              <a:rPr lang="de-DE"/>
               <a:t>Fünfte Ebene</a:t>
             </a:r>
             <a:endParaRPr lang="en-US" dirty="0"/>
@@ -4301,7 +4230,7 @@
             <a:fld id="{EB020F43-4C24-4584-ADC8-08CFC77D2B3B}" type="slidenum">
               <a:rPr lang="de-CH" smtClean="0"/>
               <a:pPr/>
-              <a:t>‹Nr.›</a:t>
+              <a:t>‹#›</a:t>
             </a:fld>
             <a:endParaRPr lang="de-CH"/>
           </a:p>
@@ -4317,13 +4246,6 @@
   <p:clrMapOvr>
     <a:masterClrMapping/>
   </p:clrMapOvr>
-  <p:timing>
-    <p:tnLst>
-      <p:par>
-        <p:cTn id="1" dur="indefinite" restart="never" nodeType="tmRoot"/>
-      </p:par>
-    </p:tnLst>
-  </p:timing>
   <p:hf hdr="0" ftr="0" dt="0"/>
 </p:sldLayout>
 </file>
@@ -4372,7 +4294,7 @@
           </a:lstStyle>
           <a:p>
             <a:r>
-              <a:rPr lang="de-DE" smtClean="0"/>
+              <a:rPr lang="de-DE"/>
               <a:t>Titelmasterformat durch Klicken bearbeiten</a:t>
             </a:r>
             <a:endParaRPr lang="en-US" dirty="0"/>
@@ -4437,7 +4359,7 @@
           </a:lstStyle>
           <a:p>
             <a:r>
-              <a:rPr lang="de-DE" smtClean="0"/>
+              <a:rPr lang="de-DE"/>
               <a:t>Bild durch Klicken auf Symbol hinzufügen</a:t>
             </a:r>
             <a:endParaRPr lang="en-US" dirty="0"/>
@@ -4508,7 +4430,7 @@
           <a:p>
             <a:pPr lvl="0"/>
             <a:r>
-              <a:rPr lang="de-DE" smtClean="0"/>
+              <a:rPr lang="de-DE"/>
               <a:t>Textmasterformat bearbeiten</a:t>
             </a:r>
           </a:p>
@@ -4570,7 +4492,7 @@
             <a:fld id="{EB020F43-4C24-4584-ADC8-08CFC77D2B3B}" type="slidenum">
               <a:rPr lang="de-CH" smtClean="0"/>
               <a:pPr/>
-              <a:t>‹Nr.›</a:t>
+              <a:t>‹#›</a:t>
             </a:fld>
             <a:endParaRPr lang="de-CH"/>
           </a:p>
@@ -4586,13 +4508,6 @@
   <p:clrMapOvr>
     <a:masterClrMapping/>
   </p:clrMapOvr>
-  <p:timing>
-    <p:tnLst>
-      <p:par>
-        <p:cTn id="1" dur="indefinite" restart="never" nodeType="tmRoot"/>
-      </p:par>
-    </p:tnLst>
-  </p:timing>
   <p:hf hdr="0" ftr="0" dt="0"/>
 </p:sldLayout>
 </file>
@@ -4630,7 +4545,7 @@
           <a:lstStyle/>
           <a:p>
             <a:r>
-              <a:rPr lang="de-DE" smtClean="0"/>
+              <a:rPr lang="de-DE"/>
               <a:t>Titelmasterformat durch Klicken bearbeiten</a:t>
             </a:r>
             <a:endParaRPr lang="en-US"/>
@@ -4654,35 +4569,35 @@
           <a:p>
             <a:pPr lvl="0"/>
             <a:r>
-              <a:rPr lang="de-DE" smtClean="0"/>
+              <a:rPr lang="de-DE"/>
               <a:t>Textmasterformat bearbeiten</a:t>
             </a:r>
           </a:p>
           <a:p>
             <a:pPr lvl="1"/>
             <a:r>
-              <a:rPr lang="de-DE" smtClean="0"/>
+              <a:rPr lang="de-DE"/>
               <a:t>Zweite Ebene</a:t>
             </a:r>
           </a:p>
           <a:p>
             <a:pPr lvl="2"/>
             <a:r>
-              <a:rPr lang="de-DE" smtClean="0"/>
+              <a:rPr lang="de-DE"/>
               <a:t>Dritte Ebene</a:t>
             </a:r>
           </a:p>
           <a:p>
             <a:pPr lvl="3"/>
             <a:r>
-              <a:rPr lang="de-DE" smtClean="0"/>
+              <a:rPr lang="de-DE"/>
               <a:t>Vierte Ebene</a:t>
             </a:r>
           </a:p>
           <a:p>
             <a:pPr lvl="4"/>
             <a:r>
-              <a:rPr lang="de-DE" smtClean="0"/>
+              <a:rPr lang="de-DE"/>
               <a:t>Fünfte Ebene</a:t>
             </a:r>
             <a:endParaRPr lang="en-US" dirty="0"/>
@@ -4745,7 +4660,7 @@
             <a:fld id="{EB020F43-4C24-4584-ADC8-08CFC77D2B3B}" type="slidenum">
               <a:rPr lang="de-CH" smtClean="0"/>
               <a:pPr/>
-              <a:t>‹Nr.›</a:t>
+              <a:t>‹#›</a:t>
             </a:fld>
             <a:endParaRPr lang="de-CH"/>
           </a:p>
@@ -4761,13 +4676,6 @@
   <p:clrMapOvr>
     <a:masterClrMapping/>
   </p:clrMapOvr>
-  <p:timing>
-    <p:tnLst>
-      <p:par>
-        <p:cTn id="1" dur="indefinite" restart="never" nodeType="tmRoot"/>
-      </p:par>
-    </p:tnLst>
-  </p:timing>
   <p:hf hdr="0" ftr="0" dt="0"/>
 </p:sldLayout>
 </file>
@@ -4810,7 +4718,7 @@
           <a:lstStyle/>
           <a:p>
             <a:r>
-              <a:rPr lang="de-DE" smtClean="0"/>
+              <a:rPr lang="de-DE"/>
               <a:t>Titelmasterformat durch Klicken bearbeiten</a:t>
             </a:r>
             <a:endParaRPr lang="en-US"/>
@@ -4839,35 +4747,35 @@
           <a:p>
             <a:pPr lvl="0"/>
             <a:r>
-              <a:rPr lang="de-DE" smtClean="0"/>
+              <a:rPr lang="de-DE"/>
               <a:t>Textmasterformat bearbeiten</a:t>
             </a:r>
           </a:p>
           <a:p>
             <a:pPr lvl="1"/>
             <a:r>
-              <a:rPr lang="de-DE" smtClean="0"/>
+              <a:rPr lang="de-DE"/>
               <a:t>Zweite Ebene</a:t>
             </a:r>
           </a:p>
           <a:p>
             <a:pPr lvl="2"/>
             <a:r>
-              <a:rPr lang="de-DE" smtClean="0"/>
+              <a:rPr lang="de-DE"/>
               <a:t>Dritte Ebene</a:t>
             </a:r>
           </a:p>
           <a:p>
             <a:pPr lvl="3"/>
             <a:r>
-              <a:rPr lang="de-DE" smtClean="0"/>
+              <a:rPr lang="de-DE"/>
               <a:t>Vierte Ebene</a:t>
             </a:r>
           </a:p>
           <a:p>
             <a:pPr lvl="4"/>
             <a:r>
-              <a:rPr lang="de-DE" smtClean="0"/>
+              <a:rPr lang="de-DE"/>
               <a:t>Fünfte Ebene</a:t>
             </a:r>
             <a:endParaRPr lang="en-US"/>
@@ -4930,7 +4838,7 @@
             <a:fld id="{EB020F43-4C24-4584-ADC8-08CFC77D2B3B}" type="slidenum">
               <a:rPr lang="de-CH" smtClean="0"/>
               <a:pPr/>
-              <a:t>‹Nr.›</a:t>
+              <a:t>‹#›</a:t>
             </a:fld>
             <a:endParaRPr lang="de-CH"/>
           </a:p>
@@ -4946,13 +4854,6 @@
   <p:clrMapOvr>
     <a:masterClrMapping/>
   </p:clrMapOvr>
-  <p:timing>
-    <p:tnLst>
-      <p:par>
-        <p:cTn id="1" dur="indefinite" restart="never" nodeType="tmRoot"/>
-      </p:par>
-    </p:tnLst>
-  </p:timing>
   <p:hf hdr="0" ftr="0" dt="0"/>
 </p:sldLayout>
 </file>
@@ -5001,7 +4902,7 @@
           </a:lstStyle>
           <a:p>
             <a:r>
-              <a:rPr lang="de-DE" smtClean="0"/>
+              <a:rPr lang="de-DE"/>
               <a:t>Titelmasterformat durch Klicken bearbeiten</a:t>
             </a:r>
             <a:endParaRPr lang="en-US" dirty="0"/>
@@ -5124,7 +5025,7 @@
           <a:p>
             <a:pPr lvl="0"/>
             <a:r>
-              <a:rPr lang="de-DE" smtClean="0"/>
+              <a:rPr lang="de-DE"/>
               <a:t>Textmasterformat bearbeiten</a:t>
             </a:r>
           </a:p>
@@ -5186,7 +5087,7 @@
             <a:fld id="{EB020F43-4C24-4584-ADC8-08CFC77D2B3B}" type="slidenum">
               <a:rPr lang="de-CH" smtClean="0"/>
               <a:pPr/>
-              <a:t>‹Nr.›</a:t>
+              <a:t>‹#›</a:t>
             </a:fld>
             <a:endParaRPr lang="de-CH"/>
           </a:p>
@@ -5202,13 +5103,6 @@
   <p:clrMapOvr>
     <a:masterClrMapping/>
   </p:clrMapOvr>
-  <p:timing>
-    <p:tnLst>
-      <p:par>
-        <p:cTn id="1" dur="indefinite" restart="never" nodeType="tmRoot"/>
-      </p:par>
-    </p:tnLst>
-  </p:timing>
   <p:hf hdr="0" ftr="0" dt="0"/>
 </p:sldLayout>
 </file>
@@ -5246,7 +5140,7 @@
           <a:lstStyle/>
           <a:p>
             <a:r>
-              <a:rPr lang="de-DE" smtClean="0"/>
+              <a:rPr lang="de-DE"/>
               <a:t>Titelmasterformat durch Klicken bearbeiten</a:t>
             </a:r>
             <a:endParaRPr lang="en-US" dirty="0"/>
@@ -5275,35 +5169,35 @@
           <a:p>
             <a:pPr lvl="0"/>
             <a:r>
-              <a:rPr lang="de-DE" smtClean="0"/>
+              <a:rPr lang="de-DE"/>
               <a:t>Textmasterformat bearbeiten</a:t>
             </a:r>
           </a:p>
           <a:p>
             <a:pPr lvl="1"/>
             <a:r>
-              <a:rPr lang="de-DE" smtClean="0"/>
+              <a:rPr lang="de-DE"/>
               <a:t>Zweite Ebene</a:t>
             </a:r>
           </a:p>
           <a:p>
             <a:pPr lvl="2"/>
             <a:r>
-              <a:rPr lang="de-DE" smtClean="0"/>
+              <a:rPr lang="de-DE"/>
               <a:t>Dritte Ebene</a:t>
             </a:r>
           </a:p>
           <a:p>
             <a:pPr lvl="3"/>
             <a:r>
-              <a:rPr lang="de-DE" smtClean="0"/>
+              <a:rPr lang="de-DE"/>
               <a:t>Vierte Ebene</a:t>
             </a:r>
           </a:p>
           <a:p>
             <a:pPr lvl="4"/>
             <a:r>
-              <a:rPr lang="de-DE" smtClean="0"/>
+              <a:rPr lang="de-DE"/>
               <a:t>Fünfte Ebene</a:t>
             </a:r>
             <a:endParaRPr lang="en-US" dirty="0"/>
@@ -5332,35 +5226,35 @@
           <a:p>
             <a:pPr lvl="0"/>
             <a:r>
-              <a:rPr lang="de-DE" smtClean="0"/>
+              <a:rPr lang="de-DE"/>
               <a:t>Textmasterformat bearbeiten</a:t>
             </a:r>
           </a:p>
           <a:p>
             <a:pPr lvl="1"/>
             <a:r>
-              <a:rPr lang="de-DE" smtClean="0"/>
+              <a:rPr lang="de-DE"/>
               <a:t>Zweite Ebene</a:t>
             </a:r>
           </a:p>
           <a:p>
             <a:pPr lvl="2"/>
             <a:r>
-              <a:rPr lang="de-DE" smtClean="0"/>
+              <a:rPr lang="de-DE"/>
               <a:t>Dritte Ebene</a:t>
             </a:r>
           </a:p>
           <a:p>
             <a:pPr lvl="3"/>
             <a:r>
-              <a:rPr lang="de-DE" smtClean="0"/>
+              <a:rPr lang="de-DE"/>
               <a:t>Vierte Ebene</a:t>
             </a:r>
           </a:p>
           <a:p>
             <a:pPr lvl="4"/>
             <a:r>
-              <a:rPr lang="de-DE" smtClean="0"/>
+              <a:rPr lang="de-DE"/>
               <a:t>Fünfte Ebene</a:t>
             </a:r>
             <a:endParaRPr lang="en-US" dirty="0"/>
@@ -5423,7 +5317,7 @@
             <a:fld id="{EB020F43-4C24-4584-ADC8-08CFC77D2B3B}" type="slidenum">
               <a:rPr lang="de-CH" smtClean="0"/>
               <a:pPr/>
-              <a:t>‹Nr.›</a:t>
+              <a:t>‹#›</a:t>
             </a:fld>
             <a:endParaRPr lang="de-CH"/>
           </a:p>
@@ -5439,13 +5333,6 @@
   <p:clrMapOvr>
     <a:masterClrMapping/>
   </p:clrMapOvr>
-  <p:timing>
-    <p:tnLst>
-      <p:par>
-        <p:cTn id="1" dur="indefinite" restart="never" nodeType="tmRoot"/>
-      </p:par>
-    </p:tnLst>
-  </p:timing>
   <p:hf hdr="0" ftr="0" dt="0"/>
 </p:sldLayout>
 </file>
@@ -5531,7 +5418,7 @@
           <a:p>
             <a:pPr lvl="0"/>
             <a:r>
-              <a:rPr lang="de-DE" smtClean="0"/>
+              <a:rPr lang="de-DE"/>
               <a:t>Textmasterformat bearbeiten</a:t>
             </a:r>
           </a:p>
@@ -5559,35 +5446,35 @@
           <a:p>
             <a:pPr lvl="0"/>
             <a:r>
-              <a:rPr lang="de-DE" smtClean="0"/>
+              <a:rPr lang="de-DE"/>
               <a:t>Textmasterformat bearbeiten</a:t>
             </a:r>
           </a:p>
           <a:p>
             <a:pPr lvl="1"/>
             <a:r>
-              <a:rPr lang="de-DE" smtClean="0"/>
+              <a:rPr lang="de-DE"/>
               <a:t>Zweite Ebene</a:t>
             </a:r>
           </a:p>
           <a:p>
             <a:pPr lvl="2"/>
             <a:r>
-              <a:rPr lang="de-DE" smtClean="0"/>
+              <a:rPr lang="de-DE"/>
               <a:t>Dritte Ebene</a:t>
             </a:r>
           </a:p>
           <a:p>
             <a:pPr lvl="3"/>
             <a:r>
-              <a:rPr lang="de-DE" smtClean="0"/>
+              <a:rPr lang="de-DE"/>
               <a:t>Vierte Ebene</a:t>
             </a:r>
           </a:p>
           <a:p>
             <a:pPr lvl="4"/>
             <a:r>
-              <a:rPr lang="de-DE" smtClean="0"/>
+              <a:rPr lang="de-DE"/>
               <a:t>Fünfte Ebene</a:t>
             </a:r>
             <a:endParaRPr lang="en-US" dirty="0"/>
@@ -5656,7 +5543,7 @@
           <a:p>
             <a:pPr lvl="0"/>
             <a:r>
-              <a:rPr lang="de-DE" smtClean="0"/>
+              <a:rPr lang="de-DE"/>
               <a:t>Textmasterformat bearbeiten</a:t>
             </a:r>
           </a:p>
@@ -5684,35 +5571,35 @@
           <a:p>
             <a:pPr lvl="0"/>
             <a:r>
-              <a:rPr lang="de-DE" smtClean="0"/>
+              <a:rPr lang="de-DE"/>
               <a:t>Textmasterformat bearbeiten</a:t>
             </a:r>
           </a:p>
           <a:p>
             <a:pPr lvl="1"/>
             <a:r>
-              <a:rPr lang="de-DE" smtClean="0"/>
+              <a:rPr lang="de-DE"/>
               <a:t>Zweite Ebene</a:t>
             </a:r>
           </a:p>
           <a:p>
             <a:pPr lvl="2"/>
             <a:r>
-              <a:rPr lang="de-DE" smtClean="0"/>
+              <a:rPr lang="de-DE"/>
               <a:t>Dritte Ebene</a:t>
             </a:r>
           </a:p>
           <a:p>
             <a:pPr lvl="3"/>
             <a:r>
-              <a:rPr lang="de-DE" smtClean="0"/>
+              <a:rPr lang="de-DE"/>
               <a:t>Vierte Ebene</a:t>
             </a:r>
           </a:p>
           <a:p>
             <a:pPr lvl="4"/>
             <a:r>
-              <a:rPr lang="de-DE" smtClean="0"/>
+              <a:rPr lang="de-DE"/>
               <a:t>Fünfte Ebene</a:t>
             </a:r>
             <a:endParaRPr lang="en-US"/>
@@ -5775,7 +5662,7 @@
             <a:fld id="{EB020F43-4C24-4584-ADC8-08CFC77D2B3B}" type="slidenum">
               <a:rPr lang="de-CH" smtClean="0"/>
               <a:pPr/>
-              <a:t>‹Nr.›</a:t>
+              <a:t>‹#›</a:t>
             </a:fld>
             <a:endParaRPr lang="de-CH"/>
           </a:p>
@@ -5797,7 +5684,7 @@
           <a:lstStyle/>
           <a:p>
             <a:r>
-              <a:rPr lang="de-DE" smtClean="0"/>
+              <a:rPr lang="de-DE"/>
               <a:t>Titelmasterformat durch Klicken bearbeiten</a:t>
             </a:r>
             <a:endParaRPr lang="en-US" dirty="0"/>
@@ -5814,13 +5701,6 @@
   <p:clrMapOvr>
     <a:masterClrMapping/>
   </p:clrMapOvr>
-  <p:timing>
-    <p:tnLst>
-      <p:par>
-        <p:cTn id="1" dur="indefinite" restart="never" nodeType="tmRoot"/>
-      </p:par>
-    </p:tnLst>
-  </p:timing>
   <p:hf hdr="0" ftr="0" dt="0"/>
 </p:sldLayout>
 </file>
@@ -5898,7 +5778,7 @@
             <a:fld id="{EB020F43-4C24-4584-ADC8-08CFC77D2B3B}" type="slidenum">
               <a:rPr lang="de-CH" smtClean="0"/>
               <a:pPr/>
-              <a:t>‹Nr.›</a:t>
+              <a:t>‹#›</a:t>
             </a:fld>
             <a:endParaRPr lang="de-CH"/>
           </a:p>
@@ -5920,7 +5800,7 @@
           <a:lstStyle/>
           <a:p>
             <a:r>
-              <a:rPr lang="de-DE" smtClean="0"/>
+              <a:rPr lang="de-DE"/>
               <a:t>Titelmasterformat durch Klicken bearbeiten</a:t>
             </a:r>
             <a:endParaRPr lang="en-US"/>
@@ -6014,7 +5894,7 @@
             <a:fld id="{EB020F43-4C24-4584-ADC8-08CFC77D2B3B}" type="slidenum">
               <a:rPr lang="de-CH" smtClean="0"/>
               <a:pPr/>
-              <a:t>‹Nr.›</a:t>
+              <a:t>‹#›</a:t>
             </a:fld>
             <a:endParaRPr lang="de-CH"/>
           </a:p>
@@ -6078,7 +5958,7 @@
           </a:lstStyle>
           <a:p>
             <a:r>
-              <a:rPr lang="de-DE" smtClean="0"/>
+              <a:rPr lang="de-DE"/>
               <a:t>Titelmasterformat durch Klicken bearbeiten</a:t>
             </a:r>
             <a:endParaRPr lang="en-US" dirty="0"/>
@@ -6135,35 +6015,35 @@
           <a:p>
             <a:pPr lvl="0"/>
             <a:r>
-              <a:rPr lang="de-DE" smtClean="0"/>
+              <a:rPr lang="de-DE"/>
               <a:t>Textmasterformat bearbeiten</a:t>
             </a:r>
           </a:p>
           <a:p>
             <a:pPr lvl="1"/>
             <a:r>
-              <a:rPr lang="de-DE" smtClean="0"/>
+              <a:rPr lang="de-DE"/>
               <a:t>Zweite Ebene</a:t>
             </a:r>
           </a:p>
           <a:p>
             <a:pPr lvl="2"/>
             <a:r>
-              <a:rPr lang="de-DE" smtClean="0"/>
+              <a:rPr lang="de-DE"/>
               <a:t>Dritte Ebene</a:t>
             </a:r>
           </a:p>
           <a:p>
             <a:pPr lvl="3"/>
             <a:r>
-              <a:rPr lang="de-DE" smtClean="0"/>
+              <a:rPr lang="de-DE"/>
               <a:t>Vierte Ebene</a:t>
             </a:r>
           </a:p>
           <a:p>
             <a:pPr lvl="4"/>
             <a:r>
-              <a:rPr lang="de-DE" smtClean="0"/>
+              <a:rPr lang="de-DE"/>
               <a:t>Fünfte Ebene</a:t>
             </a:r>
             <a:endParaRPr lang="en-US" dirty="0"/>
@@ -6234,7 +6114,7 @@
           <a:p>
             <a:pPr lvl="0"/>
             <a:r>
-              <a:rPr lang="de-DE" smtClean="0"/>
+              <a:rPr lang="de-DE"/>
               <a:t>Textmasterformat bearbeiten</a:t>
             </a:r>
           </a:p>
@@ -6296,7 +6176,7 @@
             <a:fld id="{EB020F43-4C24-4584-ADC8-08CFC77D2B3B}" type="slidenum">
               <a:rPr lang="de-CH" smtClean="0"/>
               <a:pPr/>
-              <a:t>‹Nr.›</a:t>
+              <a:t>‹#›</a:t>
             </a:fld>
             <a:endParaRPr lang="de-CH"/>
           </a:p>
@@ -6360,7 +6240,7 @@
           </a:lstStyle>
           <a:p>
             <a:r>
-              <a:rPr lang="de-DE" smtClean="0"/>
+              <a:rPr lang="de-DE"/>
               <a:t>Titelmasterformat durch Klicken bearbeiten</a:t>
             </a:r>
             <a:endParaRPr lang="en-US" dirty="0"/>
@@ -6425,7 +6305,7 @@
           </a:lstStyle>
           <a:p>
             <a:r>
-              <a:rPr lang="de-DE" smtClean="0"/>
+              <a:rPr lang="de-DE"/>
               <a:t>Bild durch Klicken auf Symbol hinzufügen</a:t>
             </a:r>
             <a:endParaRPr lang="en-US" dirty="0"/>
@@ -6496,7 +6376,7 @@
           <a:p>
             <a:pPr lvl="0"/>
             <a:r>
-              <a:rPr lang="de-DE" smtClean="0"/>
+              <a:rPr lang="de-DE"/>
               <a:t>Textmasterformat bearbeiten</a:t>
             </a:r>
           </a:p>
@@ -6558,7 +6438,7 @@
             <a:fld id="{EB020F43-4C24-4584-ADC8-08CFC77D2B3B}" type="slidenum">
               <a:rPr lang="de-CH" smtClean="0"/>
               <a:pPr/>
-              <a:t>‹Nr.›</a:t>
+              <a:t>‹#›</a:t>
             </a:fld>
             <a:endParaRPr lang="de-CH"/>
           </a:p>
@@ -6626,7 +6506,7 @@
           <a:lstStyle/>
           <a:p>
             <a:r>
-              <a:rPr lang="de-DE" dirty="0" smtClean="0"/>
+              <a:rPr lang="de-DE" dirty="0"/>
               <a:t>Titelmasterformat durch Klicken bearbeiten</a:t>
             </a:r>
             <a:endParaRPr lang="en-US" dirty="0"/>
@@ -6660,35 +6540,35 @@
           <a:p>
             <a:pPr lvl="0"/>
             <a:r>
-              <a:rPr lang="de-DE" smtClean="0"/>
+              <a:rPr lang="de-DE"/>
               <a:t>Textmasterformat bearbeiten</a:t>
             </a:r>
           </a:p>
           <a:p>
             <a:pPr lvl="1"/>
             <a:r>
-              <a:rPr lang="de-DE" smtClean="0"/>
+              <a:rPr lang="de-DE"/>
               <a:t>Zweite Ebene</a:t>
             </a:r>
           </a:p>
           <a:p>
             <a:pPr lvl="2"/>
             <a:r>
-              <a:rPr lang="de-DE" smtClean="0"/>
+              <a:rPr lang="de-DE"/>
               <a:t>Dritte Ebene</a:t>
             </a:r>
           </a:p>
           <a:p>
             <a:pPr lvl="3"/>
             <a:r>
-              <a:rPr lang="de-DE" smtClean="0"/>
+              <a:rPr lang="de-DE"/>
               <a:t>Vierte Ebene</a:t>
             </a:r>
           </a:p>
           <a:p>
             <a:pPr lvl="4"/>
             <a:r>
-              <a:rPr lang="de-DE" smtClean="0"/>
+              <a:rPr lang="de-DE"/>
               <a:t>Fünfte Ebene</a:t>
             </a:r>
             <a:endParaRPr lang="en-US" dirty="0"/>
@@ -6807,7 +6687,7 @@
             <a:fld id="{EB020F43-4C24-4584-ADC8-08CFC77D2B3B}" type="slidenum">
               <a:rPr lang="de-CH" smtClean="0"/>
               <a:pPr/>
-              <a:t>‹Nr.›</a:t>
+              <a:t>‹#›</a:t>
             </a:fld>
             <a:endParaRPr lang="de-CH"/>
           </a:p>
@@ -6834,13 +6714,6 @@
     <p:sldLayoutId id="2147483716" r:id="rId10"/>
     <p:sldLayoutId id="2147483717" r:id="rId11"/>
   </p:sldLayoutIdLst>
-  <p:timing>
-    <p:tnLst>
-      <p:par>
-        <p:cTn id="1" dur="indefinite" restart="never" nodeType="tmRoot"/>
-      </p:par>
-    </p:tnLst>
-  </p:timing>
   <p:hf hdr="0" ftr="0" dt="0"/>
   <p:txStyles>
     <p:titleStyle>
@@ -7161,7 +7034,7 @@
           <a:lstStyle/>
           <a:p>
             <a:r>
-              <a:rPr lang="de-DE" dirty="0" smtClean="0"/>
+              <a:rPr lang="de-DE" dirty="0"/>
               <a:t>Titelmasterformat durch Klicken bearbeiten</a:t>
             </a:r>
             <a:endParaRPr lang="en-US" dirty="0"/>
@@ -7195,35 +7068,35 @@
           <a:p>
             <a:pPr lvl="0"/>
             <a:r>
-              <a:rPr lang="de-DE" smtClean="0"/>
+              <a:rPr lang="de-DE"/>
               <a:t>Textmasterformat bearbeiten</a:t>
             </a:r>
           </a:p>
           <a:p>
             <a:pPr lvl="1"/>
             <a:r>
-              <a:rPr lang="de-DE" smtClean="0"/>
+              <a:rPr lang="de-DE"/>
               <a:t>Zweite Ebene</a:t>
             </a:r>
           </a:p>
           <a:p>
             <a:pPr lvl="2"/>
             <a:r>
-              <a:rPr lang="de-DE" smtClean="0"/>
+              <a:rPr lang="de-DE"/>
               <a:t>Dritte Ebene</a:t>
             </a:r>
           </a:p>
           <a:p>
             <a:pPr lvl="3"/>
             <a:r>
-              <a:rPr lang="de-DE" smtClean="0"/>
+              <a:rPr lang="de-DE"/>
               <a:t>Vierte Ebene</a:t>
             </a:r>
           </a:p>
           <a:p>
             <a:pPr lvl="4"/>
             <a:r>
-              <a:rPr lang="de-DE" smtClean="0"/>
+              <a:rPr lang="de-DE"/>
               <a:t>Fünfte Ebene</a:t>
             </a:r>
             <a:endParaRPr lang="en-US" dirty="0"/>
@@ -7342,7 +7215,7 @@
             <a:fld id="{EB020F43-4C24-4584-ADC8-08CFC77D2B3B}" type="slidenum">
               <a:rPr lang="de-CH" smtClean="0"/>
               <a:pPr/>
-              <a:t>‹Nr.›</a:t>
+              <a:t>‹#›</a:t>
             </a:fld>
             <a:endParaRPr lang="de-CH"/>
           </a:p>
@@ -7369,13 +7242,6 @@
     <p:sldLayoutId id="2147483746" r:id="rId10"/>
     <p:sldLayoutId id="2147483747" r:id="rId11"/>
   </p:sldLayoutIdLst>
-  <p:timing>
-    <p:tnLst>
-      <p:par>
-        <p:cTn id="1" dur="indefinite" restart="never" nodeType="tmRoot"/>
-      </p:par>
-    </p:tnLst>
-  </p:timing>
   <p:hf hdr="0" ftr="0" dt="0"/>
   <p:txStyles>
     <p:titleStyle>
@@ -7681,10 +7547,9 @@
           <a:lstStyle/>
           <a:p>
             <a:r>
-              <a:rPr lang="de-CH" dirty="0" smtClean="0"/>
-              <a:t>AMW Features</a:t>
-            </a:r>
-            <a:endParaRPr lang="de-CH" dirty="0"/>
+              <a:rPr lang="de-CH" dirty="0"/>
+              <a:t>Liima Features</a:t>
+            </a:r>
           </a:p>
         </p:txBody>
       </p:sp>
@@ -7717,13 +7582,6 @@
   <p:clrMapOvr>
     <a:masterClrMapping/>
   </p:clrMapOvr>
-  <p:timing>
-    <p:tnLst>
-      <p:par>
-        <p:cTn id="1" dur="indefinite" restart="never" nodeType="tmRoot"/>
-      </p:par>
-    </p:tnLst>
-  </p:timing>
 </p:sld>
 </file>
 
@@ -7800,14 +7658,14 @@
               <a:tabLst/>
             </a:pPr>
             <a:r>
-              <a:rPr lang="de-CH" dirty="0" smtClean="0"/>
+              <a:rPr lang="de-CH" dirty="0"/>
               <a:t>App</a:t>
             </a:r>
             <a:br>
-              <a:rPr lang="de-CH" dirty="0" smtClean="0"/>
+              <a:rPr lang="de-CH" dirty="0"/>
             </a:br>
             <a:r>
-              <a:rPr lang="de-CH" sz="1600" dirty="0" smtClean="0"/>
+              <a:rPr lang="de-CH" sz="1600" dirty="0"/>
               <a:t>- Maven Settings</a:t>
             </a:r>
           </a:p>
@@ -7829,10 +7687,9 @@
           <a:lstStyle/>
           <a:p>
             <a:r>
-              <a:rPr lang="de-CH" dirty="0" smtClean="0"/>
+              <a:rPr lang="de-CH" dirty="0"/>
               <a:t>Modell: Relations</a:t>
             </a:r>
-            <a:endParaRPr lang="de-CH" dirty="0"/>
           </a:p>
         </p:txBody>
       </p:sp>
@@ -7890,7 +7747,7 @@
               <a:tabLst/>
             </a:pPr>
             <a:r>
-              <a:rPr kumimoji="0" lang="de-CH" sz="1800" b="0" i="0" u="none" strike="noStrike" cap="none" normalizeH="0" baseline="0" dirty="0" smtClean="0">
+              <a:rPr kumimoji="0" lang="de-CH" sz="1800" b="0" i="0" u="none" strike="noStrike" cap="none" normalizeH="0" baseline="0" dirty="0">
                 <a:ln>
                   <a:noFill/>
                 </a:ln>
@@ -7903,7 +7760,7 @@
               <a:t>OracleDB</a:t>
             </a:r>
             <a:br>
-              <a:rPr kumimoji="0" lang="de-CH" sz="1800" b="0" i="0" u="none" strike="noStrike" cap="none" normalizeH="0" baseline="0" dirty="0" smtClean="0">
+              <a:rPr kumimoji="0" lang="de-CH" sz="1800" b="0" i="0" u="none" strike="noStrike" cap="none" normalizeH="0" baseline="0" dirty="0">
                 <a:ln>
                   <a:noFill/>
                 </a:ln>
@@ -7915,7 +7772,7 @@
               </a:rPr>
             </a:br>
             <a:r>
-              <a:rPr kumimoji="0" lang="de-CH" sz="1600" b="0" i="0" u="none" strike="noStrike" cap="none" normalizeH="0" baseline="0" dirty="0" smtClean="0">
+              <a:rPr kumimoji="0" lang="de-CH" sz="1600" b="0" i="0" u="none" strike="noStrike" cap="none" normalizeH="0" baseline="0" dirty="0">
                 <a:ln>
                   <a:noFill/>
                 </a:ln>
@@ -7928,7 +7785,7 @@
               <a:t>- URL</a:t>
             </a:r>
             <a:br>
-              <a:rPr kumimoji="0" lang="de-CH" sz="1600" b="0" i="0" u="none" strike="noStrike" cap="none" normalizeH="0" baseline="0" dirty="0" smtClean="0">
+              <a:rPr kumimoji="0" lang="de-CH" sz="1600" b="0" i="0" u="none" strike="noStrike" cap="none" normalizeH="0" baseline="0" dirty="0">
                 <a:ln>
                   <a:noFill/>
                 </a:ln>
@@ -7940,7 +7797,7 @@
               </a:rPr>
             </a:br>
             <a:r>
-              <a:rPr kumimoji="0" lang="de-CH" sz="1600" b="0" i="0" u="none" strike="noStrike" cap="none" normalizeH="0" baseline="0" dirty="0" smtClean="0">
+              <a:rPr kumimoji="0" lang="de-CH" sz="1600" b="0" i="0" u="none" strike="noStrike" cap="none" normalizeH="0" baseline="0" dirty="0">
                 <a:ln>
                   <a:noFill/>
                 </a:ln>
@@ -7953,7 +7810,7 @@
               <a:t>-</a:t>
             </a:r>
             <a:r>
-              <a:rPr kumimoji="0" lang="de-CH" sz="1600" b="0" i="0" u="none" strike="noStrike" cap="none" normalizeH="0" dirty="0" smtClean="0">
+              <a:rPr kumimoji="0" lang="de-CH" sz="1600" b="0" i="0" u="none" strike="noStrike" cap="none" normalizeH="0" dirty="0">
                 <a:ln>
                   <a:noFill/>
                 </a:ln>
@@ -7966,7 +7823,7 @@
               <a:t> User</a:t>
             </a:r>
             <a:br>
-              <a:rPr kumimoji="0" lang="de-CH" sz="1600" b="0" i="0" u="none" strike="noStrike" cap="none" normalizeH="0" dirty="0" smtClean="0">
+              <a:rPr kumimoji="0" lang="de-CH" sz="1600" b="0" i="0" u="none" strike="noStrike" cap="none" normalizeH="0" dirty="0">
                 <a:ln>
                   <a:noFill/>
                 </a:ln>
@@ -7978,7 +7835,7 @@
               </a:rPr>
             </a:br>
             <a:r>
-              <a:rPr kumimoji="0" lang="de-CH" sz="1600" b="0" i="0" u="none" strike="noStrike" cap="none" normalizeH="0" dirty="0" smtClean="0">
+              <a:rPr kumimoji="0" lang="de-CH" sz="1600" b="0" i="0" u="none" strike="noStrike" cap="none" normalizeH="0" dirty="0">
                 <a:ln>
                   <a:noFill/>
                 </a:ln>
@@ -7990,7 +7847,7 @@
               </a:rPr>
               <a:t>- Passwort</a:t>
             </a:r>
-            <a:endParaRPr kumimoji="0" lang="de-CH" sz="1600" b="0" i="0" u="none" strike="noStrike" cap="none" normalizeH="0" baseline="0" dirty="0" smtClean="0">
+            <a:endParaRPr kumimoji="0" lang="de-CH" sz="1600" b="0" i="0" u="none" strike="noStrike" cap="none" normalizeH="0" baseline="0" dirty="0">
               <a:ln>
                 <a:noFill/>
               </a:ln>
@@ -8089,7 +7946,7 @@
               <a:tabLst/>
             </a:pPr>
             <a:r>
-              <a:rPr kumimoji="0" lang="de-CH" sz="1800" b="0" i="0" u="none" strike="noStrike" cap="none" normalizeH="0" baseline="0" dirty="0" smtClean="0">
+              <a:rPr kumimoji="0" lang="de-CH" sz="1800" b="0" i="0" u="none" strike="noStrike" cap="none" normalizeH="0" baseline="0" dirty="0">
                 <a:ln>
                   <a:noFill/>
                 </a:ln>
@@ -8102,7 +7959,7 @@
               <a:t>WebService</a:t>
             </a:r>
             <a:br>
-              <a:rPr kumimoji="0" lang="de-CH" sz="1800" b="0" i="0" u="none" strike="noStrike" cap="none" normalizeH="0" baseline="0" dirty="0" smtClean="0">
+              <a:rPr kumimoji="0" lang="de-CH" sz="1800" b="0" i="0" u="none" strike="noStrike" cap="none" normalizeH="0" baseline="0" dirty="0">
                 <a:ln>
                   <a:noFill/>
                 </a:ln>
@@ -8114,7 +7971,7 @@
               </a:rPr>
             </a:br>
             <a:r>
-              <a:rPr kumimoji="0" lang="de-CH" sz="1600" b="0" i="0" u="none" strike="noStrike" cap="none" normalizeH="0" baseline="0" dirty="0" smtClean="0">
+              <a:rPr kumimoji="0" lang="de-CH" sz="1600" b="0" i="0" u="none" strike="noStrike" cap="none" normalizeH="0" baseline="0" dirty="0">
                 <a:ln>
                   <a:noFill/>
                 </a:ln>
@@ -8215,7 +8072,7 @@
               <a:tabLst/>
             </a:pPr>
             <a:r>
-              <a:rPr kumimoji="0" lang="de-CH" sz="1800" b="0" i="0" u="none" strike="noStrike" cap="none" normalizeH="0" baseline="0" dirty="0" smtClean="0">
+              <a:rPr kumimoji="0" lang="de-CH" sz="1800" b="0" i="0" u="none" strike="noStrike" cap="none" normalizeH="0" baseline="0" dirty="0">
                 <a:ln>
                   <a:noFill/>
                 </a:ln>
@@ -8227,7 +8084,7 @@
               </a:rPr>
               <a:t>AD</a:t>
             </a:r>
-            <a:endParaRPr kumimoji="0" lang="de-CH" sz="1600" b="0" i="0" u="none" strike="noStrike" cap="none" normalizeH="0" baseline="0" dirty="0" smtClean="0">
+            <a:endParaRPr kumimoji="0" lang="de-CH" sz="1600" b="0" i="0" u="none" strike="noStrike" cap="none" normalizeH="0" baseline="0" dirty="0">
               <a:ln>
                 <a:noFill/>
               </a:ln>
@@ -8297,10 +8154,9 @@
           <a:lstStyle/>
           <a:p>
             <a:r>
-              <a:rPr lang="de-CH" dirty="0" smtClean="0"/>
+              <a:rPr lang="de-CH" dirty="0"/>
               <a:t>provides</a:t>
             </a:r>
-            <a:endParaRPr lang="de-CH" dirty="0"/>
           </a:p>
         </p:txBody>
       </p:sp>
@@ -8329,10 +8185,9 @@
           <a:lstStyle/>
           <a:p>
             <a:r>
-              <a:rPr lang="de-CH" dirty="0" smtClean="0"/>
+              <a:rPr lang="de-CH" dirty="0"/>
               <a:t>consumes</a:t>
             </a:r>
-            <a:endParaRPr lang="de-CH" dirty="0"/>
           </a:p>
         </p:txBody>
       </p:sp>
@@ -8361,10 +8216,9 @@
           <a:lstStyle/>
           <a:p>
             <a:r>
-              <a:rPr lang="de-CH" dirty="0" smtClean="0"/>
+              <a:rPr lang="de-CH" dirty="0"/>
               <a:t>consumes</a:t>
             </a:r>
-            <a:endParaRPr lang="de-CH" dirty="0"/>
           </a:p>
         </p:txBody>
       </p:sp>
@@ -8409,11 +8263,11 @@
               </a:tabLst>
             </a:pPr>
             <a:r>
-              <a:rPr lang="de-CH" dirty="0" err="1" smtClean="0"/>
+              <a:rPr lang="de-CH" dirty="0" err="1"/>
               <a:t>Consumed</a:t>
             </a:r>
             <a:r>
-              <a:rPr lang="de-CH" dirty="0" smtClean="0"/>
+              <a:rPr lang="de-CH" dirty="0"/>
               <a:t>: Ressource wir konsumiert</a:t>
             </a:r>
           </a:p>
@@ -8438,11 +8292,11 @@
               </a:tabLst>
             </a:pPr>
             <a:r>
-              <a:rPr lang="de-CH" dirty="0" err="1" smtClean="0"/>
+              <a:rPr lang="de-CH" dirty="0" err="1"/>
               <a:t>Provided</a:t>
             </a:r>
             <a:r>
-              <a:rPr lang="de-CH" dirty="0" smtClean="0"/>
+              <a:rPr lang="de-CH" dirty="0"/>
               <a:t>: Ressource wird angeboten</a:t>
             </a:r>
           </a:p>
@@ -8467,15 +8321,15 @@
               </a:tabLst>
             </a:pPr>
             <a:r>
-              <a:rPr lang="de-CH" dirty="0" smtClean="0"/>
+              <a:rPr lang="de-CH" dirty="0"/>
               <a:t>Aus Templates kann auf die </a:t>
             </a:r>
             <a:r>
-              <a:rPr lang="de-CH" dirty="0" err="1" smtClean="0"/>
+              <a:rPr lang="de-CH" dirty="0" err="1"/>
               <a:t>Related</a:t>
             </a:r>
             <a:r>
-              <a:rPr lang="de-CH" dirty="0" smtClean="0"/>
+              <a:rPr lang="de-CH" dirty="0"/>
               <a:t>-Ressourcen Zugegriffen werden</a:t>
             </a:r>
           </a:p>
@@ -8500,7 +8354,7 @@
               </a:tabLst>
             </a:pPr>
             <a:r>
-              <a:rPr lang="de-CH" dirty="0" smtClean="0"/>
+              <a:rPr lang="de-CH" dirty="0"/>
               <a:t>Properties können in der Relation überschrieben werden</a:t>
             </a:r>
           </a:p>
@@ -8534,13 +8388,6 @@
     <a:masterClrMapping/>
   </p:clrMapOvr>
   <p:transition/>
-  <p:timing>
-    <p:tnLst>
-      <p:par>
-        <p:cTn id="1" dur="indefinite" restart="never" nodeType="tmRoot"/>
-      </p:par>
-    </p:tnLst>
-  </p:timing>
 </p:sld>
 </file>
 
@@ -8617,14 +8464,14 @@
               <a:tabLst/>
             </a:pPr>
             <a:r>
-              <a:rPr lang="de-CH" dirty="0" smtClean="0"/>
+              <a:rPr lang="de-CH" dirty="0"/>
               <a:t>Node</a:t>
             </a:r>
             <a:br>
-              <a:rPr lang="de-CH" dirty="0" smtClean="0"/>
+              <a:rPr lang="de-CH" dirty="0"/>
             </a:br>
             <a:r>
-              <a:rPr lang="de-CH" sz="1600" dirty="0" smtClean="0"/>
+              <a:rPr lang="de-CH" sz="1600" dirty="0"/>
               <a:t>- HostName</a:t>
             </a:r>
           </a:p>
@@ -8686,7 +8533,7 @@
               <a:tabLst/>
             </a:pPr>
             <a:r>
-              <a:rPr kumimoji="0" lang="de-CH" sz="1800" b="0" i="0" u="none" strike="noStrike" cap="none" normalizeH="0" baseline="0" dirty="0" smtClean="0">
+              <a:rPr kumimoji="0" lang="de-CH" sz="1800" b="0" i="0" u="none" strike="noStrike" cap="none" normalizeH="0" baseline="0" dirty="0">
                 <a:ln>
                   <a:noFill/>
                 </a:ln>
@@ -8699,7 +8546,7 @@
               <a:t>AppServer</a:t>
             </a:r>
             <a:br>
-              <a:rPr kumimoji="0" lang="de-CH" sz="1800" b="0" i="0" u="none" strike="noStrike" cap="none" normalizeH="0" baseline="0" dirty="0" smtClean="0">
+              <a:rPr kumimoji="0" lang="de-CH" sz="1800" b="0" i="0" u="none" strike="noStrike" cap="none" normalizeH="0" baseline="0" dirty="0">
                 <a:ln>
                   <a:noFill/>
                 </a:ln>
@@ -8711,7 +8558,7 @@
               </a:rPr>
             </a:br>
             <a:r>
-              <a:rPr kumimoji="0" lang="de-CH" sz="1600" b="0" i="0" u="none" strike="noStrike" cap="none" normalizeH="0" baseline="0" dirty="0" smtClean="0">
+              <a:rPr kumimoji="0" lang="de-CH" sz="1600" b="0" i="0" u="none" strike="noStrike" cap="none" normalizeH="0" baseline="0" dirty="0">
                 <a:ln>
                   <a:noFill/>
                 </a:ln>
@@ -8782,14 +8629,14 @@
               <a:tabLst/>
             </a:pPr>
             <a:r>
-              <a:rPr lang="de-CH" dirty="0" smtClean="0"/>
+              <a:rPr lang="de-CH" dirty="0"/>
               <a:t>App</a:t>
             </a:r>
             <a:br>
-              <a:rPr lang="de-CH" dirty="0" smtClean="0"/>
+              <a:rPr lang="de-CH" dirty="0"/>
             </a:br>
             <a:r>
-              <a:rPr lang="de-CH" sz="1600" dirty="0" smtClean="0"/>
+              <a:rPr lang="de-CH" sz="1600" dirty="0"/>
               <a:t>- Maven Settings</a:t>
             </a:r>
           </a:p>
@@ -8811,10 +8658,9 @@
           <a:lstStyle/>
           <a:p>
             <a:r>
-              <a:rPr lang="de-CH" dirty="0" smtClean="0"/>
+              <a:rPr lang="de-CH" dirty="0"/>
               <a:t>Modell: Templates</a:t>
             </a:r>
-            <a:endParaRPr lang="de-CH" dirty="0"/>
           </a:p>
         </p:txBody>
       </p:sp>
@@ -8936,14 +8782,14 @@
               <a:tabLst/>
             </a:pPr>
             <a:r>
-              <a:rPr lang="de-CH" dirty="0" smtClean="0"/>
+              <a:rPr lang="de-CH" dirty="0"/>
               <a:t>standalone.xml</a:t>
             </a:r>
             <a:br>
-              <a:rPr lang="de-CH" dirty="0" smtClean="0"/>
+              <a:rPr lang="de-CH" dirty="0"/>
             </a:br>
             <a:r>
-              <a:rPr lang="de-CH" sz="1600" dirty="0" smtClean="0"/>
+              <a:rPr lang="de-CH" sz="1600" dirty="0"/>
               <a:t>- includes other Templates</a:t>
             </a:r>
           </a:p>
@@ -9035,7 +8881,7 @@
               <a:tabLst/>
             </a:pPr>
             <a:r>
-              <a:rPr kumimoji="0" lang="de-CH" sz="1800" b="0" i="0" u="none" strike="noStrike" cap="none" normalizeH="0" baseline="0" dirty="0" smtClean="0">
+              <a:rPr kumimoji="0" lang="de-CH" sz="1800" b="0" i="0" u="none" strike="noStrike" cap="none" normalizeH="0" baseline="0" dirty="0">
                 <a:ln>
                   <a:noFill/>
                 </a:ln>
@@ -9048,7 +8894,7 @@
               <a:t>OracleDB</a:t>
             </a:r>
             <a:br>
-              <a:rPr kumimoji="0" lang="de-CH" sz="1800" b="0" i="0" u="none" strike="noStrike" cap="none" normalizeH="0" baseline="0" dirty="0" smtClean="0">
+              <a:rPr kumimoji="0" lang="de-CH" sz="1800" b="0" i="0" u="none" strike="noStrike" cap="none" normalizeH="0" baseline="0" dirty="0">
                 <a:ln>
                   <a:noFill/>
                 </a:ln>
@@ -9060,7 +8906,7 @@
               </a:rPr>
             </a:br>
             <a:r>
-              <a:rPr kumimoji="0" lang="de-CH" sz="1600" b="0" i="0" u="none" strike="noStrike" cap="none" normalizeH="0" baseline="0" dirty="0" smtClean="0">
+              <a:rPr kumimoji="0" lang="de-CH" sz="1600" b="0" i="0" u="none" strike="noStrike" cap="none" normalizeH="0" baseline="0" dirty="0">
                 <a:ln>
                   <a:noFill/>
                 </a:ln>
@@ -9073,7 +8919,7 @@
               <a:t>- URL</a:t>
             </a:r>
             <a:br>
-              <a:rPr kumimoji="0" lang="de-CH" sz="1600" b="0" i="0" u="none" strike="noStrike" cap="none" normalizeH="0" baseline="0" dirty="0" smtClean="0">
+              <a:rPr kumimoji="0" lang="de-CH" sz="1600" b="0" i="0" u="none" strike="noStrike" cap="none" normalizeH="0" baseline="0" dirty="0">
                 <a:ln>
                   <a:noFill/>
                 </a:ln>
@@ -9085,7 +8931,7 @@
               </a:rPr>
             </a:br>
             <a:r>
-              <a:rPr kumimoji="0" lang="de-CH" sz="1600" b="0" i="0" u="none" strike="noStrike" cap="none" normalizeH="0" baseline="0" dirty="0" smtClean="0">
+              <a:rPr kumimoji="0" lang="de-CH" sz="1600" b="0" i="0" u="none" strike="noStrike" cap="none" normalizeH="0" baseline="0" dirty="0">
                 <a:ln>
                   <a:noFill/>
                 </a:ln>
@@ -9098,7 +8944,7 @@
               <a:t>-</a:t>
             </a:r>
             <a:r>
-              <a:rPr kumimoji="0" lang="de-CH" sz="1600" b="0" i="0" u="none" strike="noStrike" cap="none" normalizeH="0" dirty="0" smtClean="0">
+              <a:rPr kumimoji="0" lang="de-CH" sz="1600" b="0" i="0" u="none" strike="noStrike" cap="none" normalizeH="0" dirty="0">
                 <a:ln>
                   <a:noFill/>
                 </a:ln>
@@ -9111,7 +8957,7 @@
               <a:t> User</a:t>
             </a:r>
             <a:br>
-              <a:rPr kumimoji="0" lang="de-CH" sz="1600" b="0" i="0" u="none" strike="noStrike" cap="none" normalizeH="0" dirty="0" smtClean="0">
+              <a:rPr kumimoji="0" lang="de-CH" sz="1600" b="0" i="0" u="none" strike="noStrike" cap="none" normalizeH="0" dirty="0">
                 <a:ln>
                   <a:noFill/>
                 </a:ln>
@@ -9123,7 +8969,7 @@
               </a:rPr>
             </a:br>
             <a:r>
-              <a:rPr kumimoji="0" lang="de-CH" sz="1600" b="0" i="0" u="none" strike="noStrike" cap="none" normalizeH="0" dirty="0" smtClean="0">
+              <a:rPr kumimoji="0" lang="de-CH" sz="1600" b="0" i="0" u="none" strike="noStrike" cap="none" normalizeH="0" dirty="0">
                 <a:ln>
                   <a:noFill/>
                 </a:ln>
@@ -9135,7 +8981,7 @@
               </a:rPr>
               <a:t>- Passwort</a:t>
             </a:r>
-            <a:endParaRPr kumimoji="0" lang="de-CH" sz="1600" b="0" i="0" u="none" strike="noStrike" cap="none" normalizeH="0" baseline="0" dirty="0" smtClean="0">
+            <a:endParaRPr kumimoji="0" lang="de-CH" sz="1600" b="0" i="0" u="none" strike="noStrike" cap="none" normalizeH="0" baseline="0" dirty="0">
               <a:ln>
                 <a:noFill/>
               </a:ln>
@@ -9218,13 +9064,13 @@
           <a:lstStyle/>
           <a:p>
             <a:r>
-              <a:rPr lang="de-CH" dirty="0" smtClean="0"/>
+              <a:rPr lang="de-CH" dirty="0"/>
               <a:t>system.properties</a:t>
             </a:r>
           </a:p>
           <a:p>
             <a:r>
-              <a:rPr lang="de-CH" sz="1200" dirty="0" smtClean="0">
+              <a:rPr lang="de-CH" sz="1200" dirty="0">
                 <a:latin typeface="Arial" charset="0"/>
               </a:rPr>
               <a:t>Maven.version=${mavenVersion}</a:t>
@@ -9318,7 +9164,7 @@
               <a:tabLst/>
             </a:pPr>
             <a:r>
-              <a:rPr lang="de-CH" sz="1100" dirty="0" smtClean="0"/>
+              <a:rPr lang="de-CH" sz="1100" dirty="0"/>
               <a:t>Modell</a:t>
             </a:r>
           </a:p>
@@ -9378,10 +9224,10 @@
               <a:tabLst/>
             </a:pPr>
             <a:r>
-              <a:rPr lang="de-CH" sz="1100" dirty="0" smtClean="0"/>
+              <a:rPr lang="de-CH" sz="1100" dirty="0"/>
               <a:t>Templates</a:t>
             </a:r>
-            <a:endParaRPr kumimoji="0" lang="de-CH" sz="1100" b="0" i="0" u="none" strike="noStrike" cap="none" normalizeH="0" baseline="0" dirty="0" smtClean="0">
+            <a:endParaRPr kumimoji="0" lang="de-CH" sz="1100" b="0" i="0" u="none" strike="noStrike" cap="none" normalizeH="0" baseline="0" dirty="0">
               <a:ln>
                 <a:noFill/>
               </a:ln>
@@ -9463,18 +9309,18 @@
           <a:lstStyle/>
           <a:p>
             <a:r>
-              <a:rPr lang="de-CH" dirty="0" smtClean="0"/>
+              <a:rPr lang="de-CH" dirty="0"/>
               <a:t>datasource.xml</a:t>
             </a:r>
           </a:p>
           <a:p>
             <a:r>
-              <a:rPr lang="de-CH" sz="1200" dirty="0" smtClean="0">
+              <a:rPr lang="de-CH" sz="1200" dirty="0">
                 <a:latin typeface="Arial" charset="0"/>
               </a:rPr>
               <a:t>&lt;xml …</a:t>
             </a:r>
-            <a:endParaRPr kumimoji="0" lang="de-CH" sz="1200" b="0" i="0" u="none" strike="noStrike" cap="none" normalizeH="0" baseline="0" dirty="0" smtClean="0">
+            <a:endParaRPr kumimoji="0" lang="de-CH" sz="1200" b="0" i="0" u="none" strike="noStrike" cap="none" normalizeH="0" baseline="0" dirty="0">
               <a:ln>
                 <a:noFill/>
               </a:ln>
@@ -9527,7 +9373,7 @@
           <a:lstStyle/>
           <a:p>
             <a:r>
-              <a:rPr lang="de-CH" sz="1100" dirty="0" smtClean="0"/>
+              <a:rPr lang="de-CH" sz="1100" dirty="0"/>
               <a:t>Grundelemente</a:t>
             </a:r>
           </a:p>
@@ -9611,16 +9457,8 @@
               <a:defRPr/>
             </a:pPr>
             <a:r>
-              <a:rPr lang="de-CH" dirty="0" smtClean="0"/>
-              <a:t>Templates </a:t>
-            </a:r>
-            <a:r>
-              <a:rPr lang="de-CH" dirty="0"/>
-              <a:t>dienen dazu, Konfigurationsfiles zu schreiben</a:t>
-            </a:r>
-            <a:r>
-              <a:rPr lang="de-CH" dirty="0" smtClean="0"/>
-              <a:t>.</a:t>
+              <a:rPr lang="de-CH" dirty="0"/>
+              <a:t>Templates dienen dazu, Konfigurationsfiles zu schreiben.</a:t>
             </a:r>
           </a:p>
           <a:p>
@@ -9645,26 +9483,17 @@
               <a:defRPr/>
             </a:pPr>
             <a:r>
-              <a:rPr lang="de-CH" dirty="0" smtClean="0"/>
+              <a:rPr lang="de-CH" dirty="0"/>
               <a:t>Verwendet </a:t>
             </a:r>
             <a:r>
-              <a:rPr lang="de-CH" dirty="0" err="1" smtClean="0"/>
+              <a:rPr lang="de-CH" dirty="0" err="1"/>
               <a:t>Freemarker</a:t>
             </a:r>
             <a:r>
-              <a:rPr lang="de-CH" dirty="0" smtClean="0"/>
-              <a:t>: </a:t>
-            </a:r>
-            <a:r>
-              <a:rPr lang="de-CH" dirty="0"/>
-              <a:t>http://freemarker.org/docs</a:t>
-            </a:r>
-            <a:r>
-              <a:rPr lang="de-CH" dirty="0" smtClean="0"/>
-              <a:t>/</a:t>
-            </a:r>
-            <a:endParaRPr lang="de-CH" dirty="0"/>
+              <a:rPr lang="de-CH" dirty="0"/>
+              <a:t>: http://freemarker.org/docs/</a:t>
+            </a:r>
           </a:p>
           <a:p>
             <a:pPr marL="216000" indent="-216000">
@@ -9689,15 +9518,7 @@
             </a:pPr>
             <a:r>
               <a:rPr lang="de-CH" dirty="0"/>
-              <a:t>Template Position: </a:t>
-            </a:r>
-            <a:r>
-              <a:rPr lang="de-CH" dirty="0" smtClean="0"/>
-              <a:t>Typen</a:t>
-            </a:r>
-            <a:r>
-              <a:rPr lang="de-CH" dirty="0"/>
-              <a:t>, Relations, Instanzen</a:t>
+              <a:t>Template Position: Typen, Relations, Instanzen</a:t>
             </a:r>
           </a:p>
           <a:p>
@@ -9723,14 +9544,10 @@
             </a:pPr>
             <a:r>
               <a:rPr lang="de-CH" dirty="0"/>
-              <a:t>Template </a:t>
-            </a:r>
-            <a:r>
-              <a:rPr lang="de-CH" dirty="0" smtClean="0"/>
-              <a:t>hängen an </a:t>
-            </a:r>
-            <a:r>
-              <a:rPr lang="de-CH" dirty="0" err="1" smtClean="0"/>
+              <a:t>Template hängen an </a:t>
+            </a:r>
+            <a:r>
+              <a:rPr lang="de-CH" dirty="0" err="1"/>
               <a:t>Runtimes</a:t>
             </a:r>
             <a:endParaRPr lang="de-CH" dirty="0"/>
@@ -9742,13 +9559,6 @@
   <p:clrMapOvr>
     <a:masterClrMapping/>
   </p:clrMapOvr>
-  <p:timing>
-    <p:tnLst>
-      <p:par>
-        <p:cTn id="1" dur="indefinite" restart="never" nodeType="tmRoot"/>
-      </p:par>
-    </p:tnLst>
-  </p:timing>
 </p:sld>
 </file>
 
@@ -9785,10 +9595,9 @@
           <a:lstStyle/>
           <a:p>
             <a:r>
-              <a:rPr lang="de-CH" dirty="0" smtClean="0"/>
+              <a:rPr lang="de-CH" dirty="0"/>
               <a:t>Releasing: Motivation</a:t>
             </a:r>
-            <a:endParaRPr lang="de-CH" dirty="0"/>
           </a:p>
         </p:txBody>
       </p:sp>
@@ -9810,112 +9619,112 @@
           <a:lstStyle/>
           <a:p>
             <a:r>
-              <a:rPr lang="de-CH" dirty="0" smtClean="0"/>
-              <a:t>In AMW ist die Konfiguration immer für alle Umgebungen gültig</a:t>
-            </a:r>
-          </a:p>
-          <a:p>
-            <a:r>
-              <a:rPr lang="de-CH" dirty="0" smtClean="0"/>
+              <a:rPr lang="de-CH" dirty="0"/>
+              <a:t>In Liima ist die Konfiguration immer für alle Umgebungen gültig</a:t>
+            </a:r>
+          </a:p>
+          <a:p>
+            <a:r>
+              <a:rPr lang="de-CH" dirty="0"/>
               <a:t>Auf den Entwicklungsumgebungen ist ein anderer Stand nötig, als auf Produktion</a:t>
             </a:r>
           </a:p>
           <a:p>
-            <a:endParaRPr lang="de-CH" dirty="0" smtClean="0"/>
-          </a:p>
-          <a:p>
-            <a:r>
-              <a:rPr lang="de-CH" dirty="0" smtClean="0"/>
+            <a:endParaRPr lang="de-CH" dirty="0"/>
+          </a:p>
+          <a:p>
+            <a:r>
+              <a:rPr lang="de-CH" dirty="0"/>
               <a:t>Beispiel:</a:t>
             </a:r>
           </a:p>
           <a:p>
             <a:pPr lvl="1"/>
             <a:r>
-              <a:rPr lang="de-CH" dirty="0" smtClean="0"/>
+              <a:rPr lang="de-CH" dirty="0"/>
               <a:t>RL-15.04 wurde gerade produktiv gesetzt, nächster Release ist RL-15.10</a:t>
             </a:r>
           </a:p>
           <a:p>
             <a:pPr lvl="1"/>
             <a:r>
-              <a:rPr lang="de-CH" dirty="0" smtClean="0"/>
+              <a:rPr lang="de-CH" dirty="0"/>
               <a:t>Eine Applikation braucht im RL 15.04 eine andere Datenbank</a:t>
             </a:r>
           </a:p>
           <a:p>
             <a:pPr lvl="1"/>
             <a:r>
-              <a:rPr lang="de-CH" dirty="0" smtClean="0"/>
+              <a:rPr lang="de-CH" dirty="0"/>
               <a:t>Die Änderung kann nicht gemacht werden, da sonst Notfälle für RL-15.10 nicht mehr </a:t>
             </a:r>
             <a:r>
-              <a:rPr lang="de-CH" dirty="0" err="1" smtClean="0"/>
+              <a:rPr lang="de-CH" dirty="0" err="1"/>
               <a:t>deployed</a:t>
             </a:r>
             <a:r>
-              <a:rPr lang="de-CH" dirty="0" smtClean="0"/>
+              <a:rPr lang="de-CH" dirty="0"/>
               <a:t> werden können (DB noch nicht vorhanden)</a:t>
             </a:r>
           </a:p>
           <a:p>
             <a:pPr lvl="1"/>
             <a:r>
-              <a:rPr lang="de-CH" dirty="0" smtClean="0"/>
+              <a:rPr lang="de-CH" dirty="0"/>
               <a:t>Für Entwicklung ist die neue DB aber nötig</a:t>
             </a:r>
           </a:p>
           <a:p>
             <a:pPr lvl="1"/>
-            <a:endParaRPr lang="de-CH" dirty="0" smtClean="0"/>
-          </a:p>
-          <a:p>
-            <a:r>
-              <a:rPr lang="de-CH" dirty="0" smtClean="0"/>
+            <a:endParaRPr lang="de-CH" dirty="0"/>
+          </a:p>
+          <a:p>
+            <a:r>
+              <a:rPr lang="de-CH" dirty="0"/>
               <a:t>Workarounds:</a:t>
             </a:r>
           </a:p>
           <a:p>
             <a:pPr lvl="1"/>
             <a:r>
-              <a:rPr lang="de-CH" dirty="0" smtClean="0"/>
+              <a:rPr lang="de-CH" dirty="0"/>
               <a:t>Ressource hinzufügen vor Deployment, dann wieder entfernen</a:t>
             </a:r>
           </a:p>
           <a:p>
             <a:pPr lvl="1"/>
             <a:r>
-              <a:rPr lang="de-CH" dirty="0" smtClean="0"/>
+              <a:rPr lang="de-CH" dirty="0"/>
               <a:t>Templates mit #</a:t>
             </a:r>
             <a:r>
-              <a:rPr lang="de-CH" dirty="0" err="1" smtClean="0"/>
+              <a:rPr lang="de-CH" dirty="0" err="1"/>
               <a:t>if</a:t>
             </a:r>
             <a:r>
-              <a:rPr lang="de-CH" dirty="0" smtClean="0"/>
+              <a:rPr lang="de-CH" dirty="0"/>
               <a:t> und #</a:t>
             </a:r>
             <a:r>
-              <a:rPr lang="de-CH" dirty="0" err="1" smtClean="0"/>
+              <a:rPr lang="de-CH" dirty="0" err="1"/>
               <a:t>else</a:t>
             </a:r>
-            <a:endParaRPr lang="de-CH" dirty="0" smtClean="0"/>
+            <a:endParaRPr lang="de-CH" dirty="0"/>
           </a:p>
           <a:p>
             <a:pPr lvl="1"/>
             <a:r>
-              <a:rPr lang="de-CH" dirty="0" err="1" smtClean="0"/>
+              <a:rPr lang="de-CH" dirty="0" err="1"/>
               <a:t>Config</a:t>
             </a:r>
             <a:r>
-              <a:rPr lang="de-CH" dirty="0" smtClean="0"/>
-              <a:t> im AMW pro Umgebung umstellen</a:t>
+              <a:rPr lang="de-CH" dirty="0"/>
+              <a:t> im Liima pro Umgebung umstellen</a:t>
             </a:r>
           </a:p>
           <a:p>
             <a:pPr lvl="1"/>
-            <a:endParaRPr lang="de-CH" dirty="0" smtClean="0"/>
+            <a:endParaRPr lang="de-CH" dirty="0"/>
           </a:p>
         </p:txBody>
       </p:sp>
@@ -9953,13 +9762,6 @@
   <p:clrMapOvr>
     <a:masterClrMapping/>
   </p:clrMapOvr>
-  <p:timing>
-    <p:tnLst>
-      <p:par>
-        <p:cTn id="1" dur="indefinite" restart="never" nodeType="tmRoot"/>
-      </p:par>
-    </p:tnLst>
-  </p:timing>
 </p:sld>
 </file>
 
@@ -9996,10 +9798,9 @@
           <a:lstStyle/>
           <a:p>
             <a:r>
-              <a:rPr lang="de-CH" dirty="0" smtClean="0"/>
+              <a:rPr lang="de-CH" dirty="0"/>
               <a:t>Releasing</a:t>
             </a:r>
-            <a:endParaRPr lang="de-CH" dirty="0"/>
           </a:p>
         </p:txBody>
       </p:sp>
@@ -10112,7 +9913,7 @@
               <a:defRPr/>
             </a:pPr>
             <a:r>
-              <a:rPr kumimoji="0" lang="de-CH" sz="1800" b="0" i="0" u="none" strike="noStrike" kern="1200" cap="none" spc="0" normalizeH="0" baseline="0" noProof="0" dirty="0" smtClean="0">
+              <a:rPr kumimoji="0" lang="de-CH" sz="1800" b="0" i="0" u="none" strike="noStrike" kern="1200" cap="none" spc="0" normalizeH="0" baseline="0" noProof="0" dirty="0">
                 <a:ln>
                   <a:noFill/>
                 </a:ln>
@@ -10129,7 +9930,7 @@
               <a:t>Release ist</a:t>
             </a:r>
             <a:r>
-              <a:rPr kumimoji="0" lang="de-CH" sz="1800" b="0" i="0" u="none" strike="noStrike" kern="1200" cap="none" spc="0" normalizeH="0" noProof="0" dirty="0" smtClean="0">
+              <a:rPr kumimoji="0" lang="de-CH" sz="1800" b="0" i="0" u="none" strike="noStrike" kern="1200" cap="none" spc="0" normalizeH="0" noProof="0" dirty="0">
                 <a:ln>
                   <a:noFill/>
                 </a:ln>
@@ -10175,16 +9976,8 @@
               <a:defRPr/>
             </a:pPr>
             <a:r>
-              <a:rPr lang="de-CH" dirty="0" smtClean="0"/>
-              <a:t>Im AMW GUI als </a:t>
-            </a:r>
-            <a:r>
-              <a:rPr lang="de-CH" dirty="0" smtClean="0"/>
-              <a:t>ein </a:t>
-            </a:r>
-            <a:r>
-              <a:rPr lang="de-CH" dirty="0" smtClean="0"/>
-              <a:t>Element sichtbar</a:t>
+              <a:rPr lang="de-CH" dirty="0"/>
+              <a:t>Im Liima GUI als ein Element sichtbar</a:t>
             </a:r>
           </a:p>
           <a:p>
@@ -10216,7 +10009,7 @@
               <a:defRPr/>
             </a:pPr>
             <a:r>
-              <a:rPr lang="de-CH" dirty="0" smtClean="0"/>
+              <a:rPr lang="de-CH" dirty="0"/>
               <a:t>Entspricht den BW und RL der Mobi</a:t>
             </a:r>
           </a:p>
@@ -10249,26 +10042,22 @@
               <a:defRPr/>
             </a:pPr>
             <a:r>
-              <a:rPr lang="de-CH" dirty="0" smtClean="0"/>
-              <a:t>Entspricht in etwa </a:t>
-            </a:r>
-            <a:r>
-              <a:rPr lang="de-CH" dirty="0" smtClean="0"/>
-              <a:t>einem </a:t>
-            </a:r>
-            <a:r>
-              <a:rPr lang="de-CH" dirty="0" err="1" smtClean="0"/>
+              <a:rPr lang="de-CH" dirty="0"/>
+              <a:t>Entspricht in etwa einem </a:t>
+            </a:r>
+            <a:r>
+              <a:rPr lang="de-CH" dirty="0" err="1"/>
               <a:t>Branch</a:t>
             </a:r>
             <a:r>
-              <a:rPr lang="de-CH" dirty="0" smtClean="0"/>
+              <a:rPr lang="de-CH" dirty="0"/>
               <a:t> im </a:t>
             </a:r>
             <a:r>
-              <a:rPr lang="de-CH" dirty="0" err="1" smtClean="0"/>
+              <a:rPr lang="de-CH" dirty="0" err="1"/>
               <a:t>Sourcecode</a:t>
             </a:r>
-            <a:endParaRPr lang="de-CH" dirty="0" smtClean="0"/>
+            <a:endParaRPr lang="de-CH" dirty="0"/>
           </a:p>
           <a:p>
             <a:pPr marL="216000" marR="0" lvl="0" indent="-216000" algn="l" defTabSz="914400" rtl="0" eaLnBrk="1" fontAlgn="auto" latinLnBrk="0" hangingPunct="1">
@@ -10299,7 +10088,7 @@
               <a:defRPr/>
             </a:pPr>
             <a:r>
-              <a:rPr lang="de-CH" dirty="0" smtClean="0"/>
+              <a:rPr lang="de-CH" dirty="0"/>
               <a:t>Alle Konsumenten haben automatisch auch eine Beziehung auf den neuen Release</a:t>
             </a:r>
           </a:p>
@@ -10324,7 +10113,7 @@
               </a:tabLst>
             </a:pPr>
             <a:r>
-              <a:rPr lang="de-CH" dirty="0" smtClean="0"/>
+              <a:rPr lang="de-CH" dirty="0"/>
               <a:t>Bei Deployment wird die gültige Ressource ausgewählt</a:t>
             </a:r>
           </a:p>
@@ -10356,7 +10145,7 @@
               </a:tabLst>
               <a:defRPr/>
             </a:pPr>
-            <a:endParaRPr kumimoji="0" lang="de-CH" sz="1800" b="0" i="0" u="none" strike="noStrike" kern="1200" cap="none" spc="0" normalizeH="0" noProof="0" dirty="0" smtClean="0">
+            <a:endParaRPr kumimoji="0" lang="de-CH" sz="1800" b="0" i="0" u="none" strike="noStrike" kern="1200" cap="none" spc="0" normalizeH="0" noProof="0" dirty="0">
               <a:ln>
                 <a:noFill/>
               </a:ln>
@@ -10399,7 +10188,7 @@
               </a:tabLst>
               <a:defRPr/>
             </a:pPr>
-            <a:endParaRPr kumimoji="0" lang="de-CH" sz="1800" b="0" i="0" u="none" strike="noStrike" kern="1200" cap="none" spc="0" normalizeH="0" baseline="0" noProof="0" dirty="0" smtClean="0">
+            <a:endParaRPr kumimoji="0" lang="de-CH" sz="1800" b="0" i="0" u="none" strike="noStrike" kern="1200" cap="none" spc="0" normalizeH="0" baseline="0" noProof="0" dirty="0">
               <a:ln>
                 <a:noFill/>
               </a:ln>
@@ -10442,7 +10231,7 @@
               </a:tabLst>
               <a:defRPr/>
             </a:pPr>
-            <a:endParaRPr kumimoji="0" lang="de-CH" sz="1800" b="0" i="0" u="none" strike="noStrike" kern="1200" cap="none" spc="0" normalizeH="0" baseline="0" noProof="0" dirty="0" smtClean="0">
+            <a:endParaRPr kumimoji="0" lang="de-CH" sz="1800" b="0" i="0" u="none" strike="noStrike" kern="1200" cap="none" spc="0" normalizeH="0" baseline="0" noProof="0" dirty="0">
               <a:ln>
                 <a:noFill/>
               </a:ln>
@@ -10469,13 +10258,6 @@
   <p:clrMapOvr>
     <a:masterClrMapping/>
   </p:clrMapOvr>
-  <p:timing>
-    <p:tnLst>
-      <p:par>
-        <p:cTn id="1" dur="indefinite" restart="never" nodeType="tmRoot"/>
-      </p:par>
-    </p:tnLst>
-  </p:timing>
 </p:sld>
 </file>
 
@@ -10512,79 +10294,78 @@
           <a:lstStyle/>
           <a:p>
             <a:r>
-              <a:rPr lang="de-CH" dirty="0" smtClean="0"/>
+              <a:rPr lang="de-CH" dirty="0"/>
               <a:t>Releasing: Deployment</a:t>
             </a:r>
+          </a:p>
+        </p:txBody>
+      </p:sp>
+      <p:sp>
+        <p:nvSpPr>
+          <p:cNvPr id="4" name="Inhaltsplatzhalter 3"/>
+          <p:cNvSpPr>
+            <a:spLocks noGrp="1"/>
+          </p:cNvSpPr>
+          <p:nvPr>
+            <p:ph idx="1"/>
+          </p:nvPr>
+        </p:nvSpPr>
+        <p:spPr/>
+        <p:txBody>
+          <a:bodyPr/>
+          <a:lstStyle/>
+          <a:p>
+            <a:r>
+              <a:rPr lang="de-CH" dirty="0"/>
+              <a:t>Mit der Release Dropdown im </a:t>
+            </a:r>
+            <a:r>
+              <a:rPr lang="de-CH" dirty="0" err="1"/>
+              <a:t>Deploy</a:t>
+            </a:r>
+            <a:r>
+              <a:rPr lang="de-CH" dirty="0"/>
+              <a:t> Fenster kann der Pfad bestimmt werden, der gewählt wird.</a:t>
+            </a:r>
+          </a:p>
+          <a:p>
+            <a:r>
+              <a:rPr lang="de-CH" dirty="0"/>
+              <a:t>Verfügbare Einträge im Dropdown hängen vom Release des </a:t>
+            </a:r>
+            <a:r>
+              <a:rPr lang="de-CH" dirty="0" err="1"/>
+              <a:t>AppServers</a:t>
+            </a:r>
+            <a:r>
+              <a:rPr lang="de-CH" dirty="0"/>
+              <a:t> ab</a:t>
+            </a:r>
+          </a:p>
+          <a:p>
+            <a:r>
+              <a:rPr lang="de-CH" dirty="0"/>
+              <a:t>Applikationen können mit dem Release vom </a:t>
+            </a:r>
+            <a:r>
+              <a:rPr lang="de-CH" dirty="0" err="1"/>
+              <a:t>AppServer</a:t>
+            </a:r>
+            <a:r>
+              <a:rPr lang="de-CH" dirty="0"/>
+              <a:t> und höher </a:t>
+            </a:r>
+            <a:r>
+              <a:rPr lang="de-CH" dirty="0" err="1"/>
+              <a:t>deployed</a:t>
+            </a:r>
+            <a:r>
+              <a:rPr lang="de-CH" dirty="0"/>
+              <a:t> werden</a:t>
+            </a:r>
+          </a:p>
+          <a:p>
             <a:endParaRPr lang="de-CH" dirty="0"/>
-          </a:p>
-        </p:txBody>
-      </p:sp>
-      <p:sp>
-        <p:nvSpPr>
-          <p:cNvPr id="4" name="Inhaltsplatzhalter 3"/>
-          <p:cNvSpPr>
-            <a:spLocks noGrp="1"/>
-          </p:cNvSpPr>
-          <p:nvPr>
-            <p:ph idx="1"/>
-          </p:nvPr>
-        </p:nvSpPr>
-        <p:spPr/>
-        <p:txBody>
-          <a:bodyPr/>
-          <a:lstStyle/>
-          <a:p>
-            <a:r>
-              <a:rPr lang="de-CH" dirty="0" smtClean="0"/>
-              <a:t>Mit der Release Dropdown im </a:t>
-            </a:r>
-            <a:r>
-              <a:rPr lang="de-CH" dirty="0" err="1" smtClean="0"/>
-              <a:t>Deploy</a:t>
-            </a:r>
-            <a:r>
-              <a:rPr lang="de-CH" dirty="0" smtClean="0"/>
-              <a:t> Fenster kann der Pfad bestimmt werden, der gewählt wird.</a:t>
-            </a:r>
-          </a:p>
-          <a:p>
-            <a:r>
-              <a:rPr lang="de-CH" dirty="0" smtClean="0"/>
-              <a:t>Verfügbare Einträge im Dropdown hängen vom Release des </a:t>
-            </a:r>
-            <a:r>
-              <a:rPr lang="de-CH" dirty="0" err="1" smtClean="0"/>
-              <a:t>AppServers</a:t>
-            </a:r>
-            <a:r>
-              <a:rPr lang="de-CH" dirty="0" smtClean="0"/>
-              <a:t> ab</a:t>
-            </a:r>
-          </a:p>
-          <a:p>
-            <a:r>
-              <a:rPr lang="de-CH" dirty="0" smtClean="0"/>
-              <a:t>Applikationen können mit dem Release vom </a:t>
-            </a:r>
-            <a:r>
-              <a:rPr lang="de-CH" dirty="0" err="1" smtClean="0"/>
-              <a:t>AppServer</a:t>
-            </a:r>
-            <a:r>
-              <a:rPr lang="de-CH" dirty="0" smtClean="0"/>
-              <a:t> und höher </a:t>
-            </a:r>
-            <a:r>
-              <a:rPr lang="de-CH" dirty="0" err="1" smtClean="0"/>
-              <a:t>deployed</a:t>
-            </a:r>
-            <a:r>
-              <a:rPr lang="de-CH" dirty="0" smtClean="0"/>
-              <a:t> werden</a:t>
-            </a:r>
-          </a:p>
-          <a:p>
-            <a:endParaRPr lang="de-CH" dirty="0" smtClean="0"/>
           </a:p>
         </p:txBody>
       </p:sp>
@@ -10622,13 +10403,6 @@
   <p:clrMapOvr>
     <a:masterClrMapping/>
   </p:clrMapOvr>
-  <p:timing>
-    <p:tnLst>
-      <p:par>
-        <p:cTn id="1" dur="indefinite" restart="never" nodeType="tmRoot"/>
-      </p:par>
-    </p:tnLst>
-  </p:timing>
 </p:sld>
 </file>
 
@@ -10665,10 +10439,9 @@
           <a:lstStyle/>
           <a:p>
             <a:r>
-              <a:rPr lang="de-CH" dirty="0" smtClean="0"/>
+              <a:rPr lang="de-CH" dirty="0"/>
               <a:t>Modell: Releases</a:t>
             </a:r>
-            <a:endParaRPr lang="de-CH" dirty="0"/>
           </a:p>
         </p:txBody>
       </p:sp>
@@ -10799,18 +10572,13 @@
               </a:buClr>
             </a:pPr>
             <a:r>
-              <a:rPr lang="de-CH" b="1" dirty="0" smtClean="0">
+              <a:rPr lang="de-CH" b="1" dirty="0">
                 <a:solidFill>
                   <a:srgbClr val="C00000"/>
                 </a:solidFill>
               </a:rPr>
               <a:t>Deployment RL-14.04</a:t>
             </a:r>
-            <a:endParaRPr lang="de-CH" b="1" dirty="0">
-              <a:solidFill>
-                <a:srgbClr val="C00000"/>
-              </a:solidFill>
-            </a:endParaRPr>
           </a:p>
         </p:txBody>
       </p:sp>
@@ -10819,13 +10587,6 @@
   <p:clrMapOvr>
     <a:masterClrMapping/>
   </p:clrMapOvr>
-  <p:timing>
-    <p:tnLst>
-      <p:par>
-        <p:cTn id="1" dur="indefinite" restart="never" nodeType="tmRoot"/>
-      </p:par>
-    </p:tnLst>
-  </p:timing>
 </p:sld>
 </file>
 
@@ -10862,10 +10623,9 @@
           <a:lstStyle/>
           <a:p>
             <a:r>
-              <a:rPr lang="de-CH" dirty="0" smtClean="0"/>
+              <a:rPr lang="de-CH" dirty="0"/>
               <a:t>Modell: Releases</a:t>
             </a:r>
-            <a:endParaRPr lang="de-CH" dirty="0"/>
           </a:p>
         </p:txBody>
       </p:sp>
@@ -10958,18 +10718,13 @@
               </a:buClr>
             </a:pPr>
             <a:r>
-              <a:rPr lang="de-CH" b="1" dirty="0" smtClean="0">
+              <a:rPr lang="de-CH" b="1" dirty="0">
                 <a:solidFill>
                   <a:srgbClr val="C00000"/>
                 </a:solidFill>
               </a:rPr>
               <a:t>Deployment RL-14.10 und höher</a:t>
             </a:r>
-            <a:endParaRPr lang="de-CH" b="1" dirty="0">
-              <a:solidFill>
-                <a:srgbClr val="C00000"/>
-              </a:solidFill>
-            </a:endParaRPr>
           </a:p>
         </p:txBody>
       </p:sp>
@@ -11021,13 +10776,6 @@
   <p:clrMapOvr>
     <a:masterClrMapping/>
   </p:clrMapOvr>
-  <p:timing>
-    <p:tnLst>
-      <p:par>
-        <p:cTn id="1" dur="indefinite" restart="never" nodeType="tmRoot"/>
-      </p:par>
-    </p:tnLst>
-  </p:timing>
 </p:sld>
 </file>
 
@@ -11064,10 +10812,9 @@
           <a:lstStyle/>
           <a:p>
             <a:r>
-              <a:rPr lang="de-CH" dirty="0" smtClean="0"/>
+              <a:rPr lang="de-CH" dirty="0"/>
               <a:t>Template Editor</a:t>
             </a:r>
-            <a:endParaRPr lang="de-CH" dirty="0"/>
           </a:p>
         </p:txBody>
       </p:sp>
@@ -11089,116 +10836,116 @@
           <a:lstStyle/>
           <a:p>
             <a:r>
-              <a:rPr lang="de-CH" dirty="0" smtClean="0"/>
+              <a:rPr lang="de-CH" dirty="0"/>
               <a:t>JavaScript basierter Editor (</a:t>
             </a:r>
             <a:r>
-              <a:rPr lang="de-CH" dirty="0" err="1" smtClean="0">
+              <a:rPr lang="de-CH" dirty="0" err="1">
                 <a:hlinkClick r:id="rId2"/>
               </a:rPr>
               <a:t>CodeMirror</a:t>
             </a:r>
             <a:r>
-              <a:rPr lang="de-CH" dirty="0" smtClean="0"/>
+              <a:rPr lang="de-CH" dirty="0"/>
               <a:t>)</a:t>
             </a:r>
           </a:p>
           <a:p>
             <a:pPr lvl="1"/>
             <a:r>
-              <a:rPr lang="de-CH" dirty="0" smtClean="0"/>
+              <a:rPr lang="de-CH" dirty="0"/>
               <a:t>Eigene Suchfunktion mit </a:t>
             </a:r>
             <a:r>
-              <a:rPr lang="de-CH" dirty="0" err="1" smtClean="0"/>
+              <a:rPr lang="de-CH" dirty="0" err="1"/>
               <a:t>Highlighting</a:t>
             </a:r>
-            <a:endParaRPr lang="de-CH" dirty="0" smtClean="0"/>
+            <a:endParaRPr lang="de-CH" dirty="0"/>
           </a:p>
           <a:p>
             <a:pPr lvl="1"/>
             <a:r>
-              <a:rPr lang="de-CH" dirty="0" err="1" smtClean="0"/>
+              <a:rPr lang="de-CH" dirty="0" err="1"/>
               <a:t>Freemarker</a:t>
             </a:r>
             <a:r>
-              <a:rPr lang="de-CH" dirty="0" smtClean="0"/>
+              <a:rPr lang="de-CH" dirty="0"/>
               <a:t> Syntax </a:t>
             </a:r>
             <a:r>
-              <a:rPr lang="de-CH" dirty="0" err="1" smtClean="0"/>
+              <a:rPr lang="de-CH" dirty="0" err="1"/>
               <a:t>Highlighting</a:t>
             </a:r>
-            <a:endParaRPr lang="de-CH" dirty="0" smtClean="0"/>
+            <a:endParaRPr lang="de-CH" dirty="0"/>
           </a:p>
           <a:p>
             <a:pPr lvl="1"/>
             <a:r>
-              <a:rPr lang="de-CH" dirty="0" smtClean="0"/>
+              <a:rPr lang="de-CH" dirty="0"/>
               <a:t>Zeilennummern</a:t>
             </a:r>
           </a:p>
           <a:p>
             <a:pPr lvl="1"/>
             <a:r>
-              <a:rPr lang="de-CH" dirty="0" smtClean="0"/>
+              <a:rPr lang="de-CH" dirty="0"/>
               <a:t>Fullscreen Modus</a:t>
             </a:r>
           </a:p>
           <a:p>
             <a:pPr lvl="1"/>
             <a:r>
-              <a:rPr lang="de-CH" dirty="0" smtClean="0"/>
+              <a:rPr lang="de-CH" dirty="0"/>
               <a:t>Wichtigste Tastenkombinationen sind unterhalb des Editors beschrieben</a:t>
             </a:r>
           </a:p>
           <a:p>
             <a:pPr lvl="1"/>
-            <a:endParaRPr lang="de-CH" dirty="0" smtClean="0"/>
-          </a:p>
-          <a:p>
-            <a:r>
-              <a:rPr lang="de-CH" dirty="0" smtClean="0"/>
+            <a:endParaRPr lang="de-CH" dirty="0"/>
+          </a:p>
+          <a:p>
+            <a:r>
+              <a:rPr lang="de-CH" dirty="0"/>
               <a:t>Validierung von </a:t>
             </a:r>
             <a:r>
-              <a:rPr lang="de-CH" dirty="0" err="1" smtClean="0"/>
+              <a:rPr lang="de-CH" dirty="0" err="1"/>
               <a:t>Freemarker</a:t>
             </a:r>
             <a:r>
-              <a:rPr lang="de-CH" dirty="0" smtClean="0"/>
+              <a:rPr lang="de-CH" dirty="0"/>
               <a:t> Syntax beim Speichern</a:t>
             </a:r>
           </a:p>
           <a:p>
             <a:pPr lvl="1"/>
             <a:r>
-              <a:rPr lang="de-CH" dirty="0" smtClean="0"/>
+              <a:rPr lang="de-CH" dirty="0"/>
               <a:t>Erkennt nicht geschlossen Klammern/Tags</a:t>
             </a:r>
           </a:p>
           <a:p>
             <a:pPr lvl="1"/>
             <a:r>
-              <a:rPr lang="de-CH" dirty="0" smtClean="0"/>
+              <a:rPr lang="de-CH" dirty="0"/>
               <a:t>Erkennt nicht, das Variablen fehlen/nicht existieren! Dazu wird das Test </a:t>
             </a:r>
             <a:r>
-              <a:rPr lang="de-CH" dirty="0" err="1" smtClean="0"/>
+              <a:rPr lang="de-CH" dirty="0" err="1"/>
               <a:t>Generate</a:t>
             </a:r>
             <a:r>
-              <a:rPr lang="de-CH" dirty="0" smtClean="0"/>
+              <a:rPr lang="de-CH" dirty="0"/>
               <a:t> verwendet.</a:t>
             </a:r>
           </a:p>
           <a:p>
             <a:pPr lvl="1"/>
-            <a:endParaRPr lang="de-CH" dirty="0" smtClean="0"/>
+            <a:endParaRPr lang="de-CH" dirty="0"/>
           </a:p>
           <a:p>
             <a:pPr lvl="1"/>
-            <a:endParaRPr lang="de-CH" dirty="0" smtClean="0"/>
+            <a:endParaRPr lang="de-CH" dirty="0"/>
           </a:p>
         </p:txBody>
       </p:sp>
@@ -11236,13 +10983,6 @@
   <p:clrMapOvr>
     <a:masterClrMapping/>
   </p:clrMapOvr>
-  <p:timing>
-    <p:tnLst>
-      <p:par>
-        <p:cTn id="1" dur="indefinite" restart="never" nodeType="tmRoot"/>
-      </p:par>
-    </p:tnLst>
-  </p:timing>
 </p:sld>
 </file>
 
@@ -11279,10 +11019,9 @@
           <a:lstStyle/>
           <a:p>
             <a:r>
-              <a:rPr lang="de-CH" dirty="0" smtClean="0"/>
+              <a:rPr lang="de-CH" dirty="0"/>
               <a:t>Template Editor: Vergleiche</a:t>
             </a:r>
-            <a:endParaRPr lang="de-CH" dirty="0"/>
           </a:p>
         </p:txBody>
       </p:sp>
@@ -11307,37 +11046,33 @@
           <a:lstStyle/>
           <a:p>
             <a:r>
-              <a:rPr lang="de-CH" dirty="0" smtClean="0"/>
+              <a:rPr lang="de-CH" dirty="0"/>
               <a:t>Ein Template kann mit alten Versionen verglichen werden</a:t>
             </a:r>
           </a:p>
           <a:p>
             <a:pPr lvl="1"/>
             <a:r>
-              <a:rPr lang="de-CH" dirty="0" smtClean="0"/>
+              <a:rPr lang="de-CH" dirty="0"/>
               <a:t>Editor zeigt die Unterschiede an</a:t>
             </a:r>
           </a:p>
           <a:p>
             <a:pPr lvl="1"/>
             <a:r>
-              <a:rPr lang="de-CH" dirty="0" smtClean="0"/>
+              <a:rPr lang="de-CH" dirty="0"/>
               <a:t>Unterstützt </a:t>
             </a:r>
             <a:r>
               <a:rPr lang="de-CH" dirty="0" err="1"/>
-              <a:t>M</a:t>
-            </a:r>
-            <a:r>
-              <a:rPr lang="de-CH" dirty="0" err="1" smtClean="0"/>
-              <a:t>erging</a:t>
-            </a:r>
-            <a:endParaRPr lang="de-CH" dirty="0" smtClean="0"/>
+              <a:t>Merging</a:t>
+            </a:r>
+            <a:endParaRPr lang="de-CH" dirty="0"/>
           </a:p>
           <a:p>
             <a:pPr lvl="1"/>
             <a:r>
-              <a:rPr lang="de-CH" dirty="0" smtClean="0"/>
+              <a:rPr lang="de-CH" dirty="0"/>
               <a:t>Änderungszeitpunkt und User der die Änderung gemacht hat, wird im Dropdown angezeigt</a:t>
             </a:r>
           </a:p>
@@ -11449,13 +11184,6 @@
   <p:clrMapOvr>
     <a:masterClrMapping/>
   </p:clrMapOvr>
-  <p:timing>
-    <p:tnLst>
-      <p:par>
-        <p:cTn id="1" dur="indefinite" restart="never" nodeType="tmRoot"/>
-      </p:par>
-    </p:tnLst>
-  </p:timing>
 </p:sld>
 </file>
 
@@ -11492,11 +11220,11 @@
           <a:lstStyle/>
           <a:p>
             <a:r>
-              <a:rPr lang="de-CH" dirty="0" smtClean="0"/>
+              <a:rPr lang="de-CH" dirty="0"/>
               <a:t>Test </a:t>
             </a:r>
             <a:r>
-              <a:rPr lang="de-CH" dirty="0" err="1" smtClean="0"/>
+              <a:rPr lang="de-CH" dirty="0" err="1"/>
               <a:t>Generate</a:t>
             </a:r>
             <a:endParaRPr lang="de-CH" dirty="0"/>
@@ -11521,71 +11249,71 @@
           <a:lstStyle/>
           <a:p>
             <a:r>
-              <a:rPr lang="de-CH" dirty="0" smtClean="0"/>
-              <a:t>Über den Button „Test Generation“ auf den AMW </a:t>
-            </a:r>
-            <a:r>
-              <a:rPr lang="de-CH" dirty="0" err="1" smtClean="0"/>
+              <a:rPr lang="de-CH" dirty="0"/>
+              <a:t>Über den Button „Test Generation“ auf den </a:t>
+            </a:r>
+            <a:r>
+              <a:rPr lang="de-CH" dirty="0" err="1"/>
               <a:t>Applicationservern</a:t>
             </a:r>
             <a:r>
-              <a:rPr lang="de-CH" dirty="0" smtClean="0"/>
+              <a:rPr lang="de-CH" dirty="0"/>
               <a:t> erreichbar</a:t>
             </a:r>
           </a:p>
           <a:p>
             <a:r>
-              <a:rPr lang="de-CH" dirty="0" smtClean="0"/>
+              <a:rPr lang="de-CH" dirty="0"/>
               <a:t>Zeigt weiterhin die Generierungsfehler der Templates an</a:t>
             </a:r>
           </a:p>
           <a:p>
             <a:r>
-              <a:rPr lang="de-CH" dirty="0" smtClean="0"/>
+              <a:rPr lang="de-CH" dirty="0"/>
               <a:t>Neu werden auch die erstellten Templates angezeigt</a:t>
             </a:r>
           </a:p>
           <a:p>
             <a:pPr lvl="1"/>
             <a:r>
-              <a:rPr lang="de-CH" dirty="0" smtClean="0"/>
+              <a:rPr lang="de-CH" dirty="0"/>
               <a:t>Wird nur angezeigt, wenn der User Recht hat auf diese Umgebung zu </a:t>
             </a:r>
             <a:r>
-              <a:rPr lang="de-CH" dirty="0" err="1" smtClean="0"/>
+              <a:rPr lang="de-CH" dirty="0" err="1"/>
               <a:t>deployen</a:t>
             </a:r>
-            <a:endParaRPr lang="de-CH" dirty="0" smtClean="0"/>
-          </a:p>
-          <a:p>
-            <a:endParaRPr lang="de-CH" dirty="0" smtClean="0"/>
-          </a:p>
-          <a:p>
-            <a:r>
-              <a:rPr lang="de-CH" dirty="0" smtClean="0"/>
+            <a:endParaRPr lang="de-CH" dirty="0"/>
+          </a:p>
+          <a:p>
+            <a:endParaRPr lang="de-CH" dirty="0"/>
+          </a:p>
+          <a:p>
+            <a:r>
+              <a:rPr lang="de-CH" dirty="0"/>
               <a:t>Releases können miteinander verglichen werden</a:t>
             </a:r>
           </a:p>
           <a:p>
             <a:pPr lvl="1"/>
             <a:r>
-              <a:rPr lang="de-CH" dirty="0" smtClean="0"/>
+              <a:rPr lang="de-CH" dirty="0"/>
               <a:t>Verwendet </a:t>
             </a:r>
             <a:r>
-              <a:rPr lang="de-CH" dirty="0" err="1" smtClean="0"/>
+              <a:rPr lang="de-CH" dirty="0" err="1"/>
               <a:t>diff</a:t>
             </a:r>
             <a:r>
-              <a:rPr lang="de-CH" dirty="0" smtClean="0"/>
+              <a:rPr lang="de-CH" dirty="0"/>
               <a:t> Funktion vom neuen Editor</a:t>
             </a:r>
           </a:p>
           <a:p>
             <a:pPr lvl="1"/>
             <a:r>
-              <a:rPr lang="de-CH" dirty="0" smtClean="0"/>
-              <a:t>Ab AMW 1.8 können Konfigurationsstände von einem bestimmten Datum miteinander verglichen werden</a:t>
+              <a:rPr lang="de-CH" dirty="0"/>
+              <a:t>Ab Liima 1.8 können Konfigurationsstände von einem bestimmten Datum miteinander verglichen werden</a:t>
             </a:r>
           </a:p>
         </p:txBody>
@@ -11624,13 +11352,6 @@
   <p:clrMapOvr>
     <a:masterClrMapping/>
   </p:clrMapOvr>
-  <p:timing>
-    <p:tnLst>
-      <p:par>
-        <p:cTn id="1" dur="indefinite" restart="never" nodeType="tmRoot"/>
-      </p:par>
-    </p:tnLst>
-  </p:timing>
 </p:sld>
 </file>
 
@@ -11668,7 +11389,7 @@
           <a:p>
             <a:r>
               <a:rPr lang="de-CH" dirty="0"/>
-              <a:t>Was ist AMW? Welche Vorteile bietet AMW?</a:t>
+              <a:t>Was ist Liima? Welche Vorteile bietet es?</a:t>
             </a:r>
           </a:p>
         </p:txBody>
@@ -11691,28 +11412,12 @@
           <a:lstStyle/>
           <a:p>
             <a:r>
-              <a:rPr lang="de-CH" b="1" dirty="0" smtClean="0"/>
-              <a:t>A</a:t>
-            </a:r>
-            <a:r>
-              <a:rPr lang="de-CH" dirty="0" smtClean="0"/>
-              <a:t>utomation </a:t>
-            </a:r>
-            <a:r>
               <a:rPr lang="de-CH" b="1" dirty="0"/>
-              <a:t>M</a:t>
-            </a:r>
-            <a:r>
-              <a:rPr lang="de-CH" dirty="0"/>
-              <a:t>iddle</a:t>
-            </a:r>
-            <a:r>
-              <a:rPr lang="de-CH" b="1" dirty="0"/>
-              <a:t>w</a:t>
-            </a:r>
-            <a:r>
-              <a:rPr lang="de-CH" dirty="0"/>
-              <a:t>are (AMW) umfasst die Konfigurationsverwaltung und das Deployment von Applikationen. Die Konfiguration wird unabhängig vom Applikationsserver erfasst, dadurch kann die gleiche Konfiguration für bestehende und zukünftige Applikationsserver verwendet werden.</a:t>
+              <a:t>Liima </a:t>
+            </a:r>
+            <a:r>
+              <a:rPr lang="de-CH" dirty="0"/>
+              <a:t>(finnisch für Klebstoff) umfasst die Konfigurationsverwaltung und das Deployment von Applikationen. Die Konfiguration wird unabhängig vom Applikationsserver erfasst, dadurch kann die gleiche Konfiguration für bestehende und zukünftige Applikationsserver verwendet werden.</a:t>
             </a:r>
           </a:p>
           <a:p>
@@ -11721,7 +11426,7 @@
           <a:p>
             <a:r>
               <a:rPr lang="de-CH" dirty="0"/>
-              <a:t>Vorteile von AMW</a:t>
+              <a:t>Vorteile von Liima</a:t>
             </a:r>
           </a:p>
           <a:p>
@@ -11763,13 +11468,8 @@
             <a:pPr lvl="1"/>
             <a:r>
               <a:rPr lang="de-CH" dirty="0"/>
-              <a:t> Einfach erweiterbar: neue Schnittstellen oder </a:t>
-            </a:r>
-            <a:r>
-              <a:rPr lang="de-CH" dirty="0" smtClean="0"/>
-              <a:t>Features</a:t>
-            </a:r>
-            <a:endParaRPr lang="de-CH" dirty="0"/>
+              <a:t> Einfach erweiterbar: neue Schnittstellen oder Features</a:t>
+            </a:r>
           </a:p>
         </p:txBody>
       </p:sp>
@@ -11807,13 +11507,6 @@
   <p:clrMapOvr>
     <a:masterClrMapping/>
   </p:clrMapOvr>
-  <p:timing>
-    <p:tnLst>
-      <p:par>
-        <p:cTn id="1" dur="indefinite" restart="never" nodeType="tmRoot"/>
-      </p:par>
-    </p:tnLst>
-  </p:timing>
 </p:sld>
 </file>
 
@@ -11850,11 +11543,11 @@
           <a:lstStyle/>
           <a:p>
             <a:r>
-              <a:rPr lang="de-CH" dirty="0" smtClean="0"/>
+              <a:rPr lang="de-CH" dirty="0"/>
               <a:t>Test </a:t>
             </a:r>
             <a:r>
-              <a:rPr lang="de-CH" dirty="0" err="1" smtClean="0"/>
+              <a:rPr lang="de-CH" dirty="0" err="1"/>
               <a:t>Generate</a:t>
             </a:r>
             <a:endParaRPr lang="de-CH" dirty="0"/>
@@ -11986,10 +11679,9 @@
               </a:buClr>
             </a:pPr>
             <a:r>
-              <a:rPr lang="de-CH" dirty="0" smtClean="0"/>
+              <a:rPr lang="de-CH" dirty="0"/>
               <a:t>Gibt es überhaupt unterschiede?</a:t>
             </a:r>
-            <a:endParaRPr lang="de-CH" dirty="0"/>
           </a:p>
         </p:txBody>
       </p:sp>
@@ -12062,7 +11754,7 @@
               </a:buClr>
             </a:pPr>
             <a:r>
-              <a:rPr lang="de-CH" dirty="0" smtClean="0"/>
+              <a:rPr lang="de-CH" dirty="0"/>
               <a:t>Unterschiede der Templates</a:t>
             </a:r>
           </a:p>
@@ -12099,10 +11791,9 @@
               </a:buClr>
             </a:pPr>
             <a:r>
-              <a:rPr lang="de-CH" dirty="0" smtClean="0"/>
+              <a:rPr lang="de-CH" dirty="0"/>
               <a:t>Release Selektion </a:t>
             </a:r>
-            <a:endParaRPr lang="de-CH" dirty="0"/>
           </a:p>
         </p:txBody>
       </p:sp>
@@ -12213,10 +11904,9 @@
               </a:buClr>
             </a:pPr>
             <a:r>
-              <a:rPr lang="de-CH" dirty="0" smtClean="0"/>
+              <a:rPr lang="de-CH" dirty="0"/>
               <a:t>Hat es Template Fehler?</a:t>
             </a:r>
-            <a:endParaRPr lang="de-CH" dirty="0"/>
           </a:p>
         </p:txBody>
       </p:sp>
@@ -12268,13 +11958,6 @@
   <p:clrMapOvr>
     <a:masterClrMapping/>
   </p:clrMapOvr>
-  <p:timing>
-    <p:tnLst>
-      <p:par>
-        <p:cTn id="1" dur="indefinite" restart="never" nodeType="tmRoot"/>
-      </p:par>
-    </p:tnLst>
-  </p:timing>
 </p:sld>
 </file>
 
@@ -12316,10 +11999,9 @@
           <a:lstStyle/>
           <a:p>
             <a:r>
-              <a:rPr lang="de-CH" dirty="0" smtClean="0"/>
+              <a:rPr lang="de-CH" dirty="0"/>
               <a:t>Deployment</a:t>
             </a:r>
-            <a:endParaRPr lang="de-CH" dirty="0"/>
           </a:p>
         </p:txBody>
       </p:sp>
@@ -12347,19 +12029,19 @@
           <a:lstStyle/>
           <a:p>
             <a:r>
-              <a:rPr lang="de-CH" dirty="0" smtClean="0"/>
+              <a:rPr lang="de-CH" dirty="0"/>
               <a:t>Paketieren der Templates und externen Files</a:t>
             </a:r>
           </a:p>
           <a:p>
             <a:r>
-              <a:rPr lang="de-CH" dirty="0" smtClean="0"/>
+              <a:rPr lang="de-CH" dirty="0"/>
               <a:t>Installation auf Zielserver</a:t>
             </a:r>
           </a:p>
           <a:p>
             <a:r>
-              <a:rPr lang="de-CH" dirty="0" smtClean="0"/>
+              <a:rPr lang="de-CH" dirty="0"/>
               <a:t>Einfach erweiterbar</a:t>
             </a:r>
           </a:p>
@@ -12419,13 +12101,13 @@
               <a:tabLst/>
             </a:pPr>
             <a:r>
-              <a:rPr lang="de-CH" dirty="0" smtClean="0"/>
+              <a:rPr lang="de-CH" dirty="0"/>
               <a:t>standalone.xml</a:t>
             </a:r>
             <a:br>
-              <a:rPr lang="de-CH" dirty="0" smtClean="0"/>
+              <a:rPr lang="de-CH" dirty="0"/>
             </a:br>
-            <a:endParaRPr lang="de-CH" dirty="0" smtClean="0"/>
+            <a:endParaRPr lang="de-CH" dirty="0"/>
           </a:p>
           <a:p>
             <a:pPr marL="0" marR="0" indent="0" algn="l" defTabSz="914400" rtl="0" eaLnBrk="1" fontAlgn="base" latinLnBrk="0" hangingPunct="1">
@@ -12444,7 +12126,7 @@
               <a:buNone/>
               <a:tabLst/>
             </a:pPr>
-            <a:endParaRPr lang="de-CH" sz="1600" dirty="0" smtClean="0"/>
+            <a:endParaRPr lang="de-CH" sz="1600" dirty="0"/>
           </a:p>
         </p:txBody>
       </p:sp>
@@ -12486,13 +12168,13 @@
           <a:lstStyle/>
           <a:p>
             <a:r>
-              <a:rPr lang="de-CH" dirty="0" smtClean="0"/>
+              <a:rPr lang="de-CH" dirty="0"/>
               <a:t>AmwRunScript.sh</a:t>
             </a:r>
           </a:p>
           <a:p>
             <a:r>
-              <a:rPr kumimoji="0" lang="de-CH" sz="1200" b="0" i="0" u="none" strike="noStrike" cap="none" normalizeH="0" baseline="0" dirty="0" smtClean="0">
+              <a:rPr kumimoji="0" lang="de-CH" sz="1200" b="0" i="0" u="none" strike="noStrike" cap="none" normalizeH="0" baseline="0" dirty="0">
                 <a:ln>
                   <a:noFill/>
                 </a:ln>
@@ -12506,7 +12188,7 @@
             </a:r>
           </a:p>
           <a:p>
-            <a:endParaRPr kumimoji="0" lang="de-CH" sz="1400" b="0" i="0" u="none" strike="noStrike" cap="none" normalizeH="0" baseline="0" dirty="0" smtClean="0">
+            <a:endParaRPr kumimoji="0" lang="de-CH" sz="1400" b="0" i="0" u="none" strike="noStrike" cap="none" normalizeH="0" baseline="0" dirty="0">
               <a:ln>
                 <a:noFill/>
               </a:ln>
@@ -12557,13 +12239,13 @@
           <a:lstStyle/>
           <a:p>
             <a:r>
-              <a:rPr lang="de-CH" dirty="0" smtClean="0"/>
+              <a:rPr lang="de-CH" dirty="0"/>
               <a:t>system.properties</a:t>
             </a:r>
           </a:p>
           <a:p>
             <a:r>
-              <a:rPr lang="de-CH" sz="1200" dirty="0" smtClean="0">
+              <a:rPr lang="de-CH" sz="1200" dirty="0">
                 <a:latin typeface="Arial" charset="0"/>
               </a:rPr>
               <a:t>Werbservice_url=http://…</a:t>
@@ -12609,18 +12291,18 @@
           <a:lstStyle/>
           <a:p>
             <a:r>
-              <a:rPr lang="de-CH" dirty="0" smtClean="0"/>
+              <a:rPr lang="de-CH" dirty="0"/>
               <a:t>datasource.xml</a:t>
             </a:r>
           </a:p>
           <a:p>
             <a:r>
-              <a:rPr lang="de-CH" sz="1200" dirty="0" smtClean="0">
+              <a:rPr lang="de-CH" sz="1200" dirty="0">
                 <a:latin typeface="Arial" charset="0"/>
               </a:rPr>
               <a:t>&lt;xml …</a:t>
             </a:r>
-            <a:endParaRPr kumimoji="0" lang="de-CH" sz="1200" b="0" i="0" u="none" strike="noStrike" cap="none" normalizeH="0" baseline="0" dirty="0" smtClean="0">
+            <a:endParaRPr kumimoji="0" lang="de-CH" sz="1200" b="0" i="0" u="none" strike="noStrike" cap="none" normalizeH="0" baseline="0" dirty="0">
               <a:ln>
                 <a:noFill/>
               </a:ln>
@@ -12668,10 +12350,9 @@
           <a:p>
             <a:pPr algn="ctr"/>
             <a:r>
-              <a:rPr lang="de-CH" dirty="0" smtClean="0"/>
+              <a:rPr lang="de-CH" dirty="0"/>
               <a:t>EAR</a:t>
             </a:r>
-            <a:endParaRPr lang="de-CH" dirty="0"/>
           </a:p>
         </p:txBody>
       </p:sp>
@@ -12966,10 +12647,9 @@
           <a:p>
             <a:pPr algn="ctr"/>
             <a:r>
-              <a:rPr lang="de-CH" dirty="0" smtClean="0"/>
+              <a:rPr lang="de-CH" dirty="0"/>
               <a:t>Files</a:t>
             </a:r>
-            <a:endParaRPr lang="de-CH" dirty="0"/>
           </a:p>
         </p:txBody>
       </p:sp>
@@ -13091,10 +12771,10 @@
               <a:tabLst/>
             </a:pPr>
             <a:r>
-              <a:rPr lang="de-CH" sz="1100" dirty="0" smtClean="0"/>
-              <a:t>AMW Templates</a:t>
-            </a:r>
-            <a:endParaRPr kumimoji="0" lang="de-CH" sz="1100" b="0" i="0" u="none" strike="noStrike" cap="none" normalizeH="0" baseline="0" dirty="0" smtClean="0">
+              <a:rPr lang="de-CH" sz="1100" dirty="0"/>
+              <a:t>Liima Templates</a:t>
+            </a:r>
+            <a:endParaRPr kumimoji="0" lang="de-CH" sz="1100" b="0" i="0" u="none" strike="noStrike" cap="none" normalizeH="0" baseline="0" dirty="0">
               <a:ln>
                 <a:noFill/>
               </a:ln>
@@ -13112,13 +12792,6 @@
   <p:clrMapOvr>
     <a:masterClrMapping/>
   </p:clrMapOvr>
-  <p:timing>
-    <p:tnLst>
-      <p:par>
-        <p:cTn id="1" dur="indefinite" restart="never" nodeType="tmRoot"/>
-      </p:par>
-    </p:tnLst>
-  </p:timing>
 </p:sld>
 </file>
 
@@ -13155,10 +12828,9 @@
           <a:lstStyle/>
           <a:p>
             <a:r>
-              <a:rPr lang="de-CH" dirty="0" smtClean="0"/>
+              <a:rPr lang="de-CH" dirty="0"/>
               <a:t>Deployment Filter</a:t>
             </a:r>
-            <a:endParaRPr lang="de-CH" dirty="0"/>
           </a:p>
         </p:txBody>
       </p:sp>
@@ -13178,45 +12850,45 @@
           <a:lstStyle/>
           <a:p>
             <a:r>
-              <a:rPr lang="de-CH" dirty="0" smtClean="0"/>
+              <a:rPr lang="de-CH" dirty="0"/>
               <a:t>Einzelne Filter werden automatisch mit AND oder OR verknüpft</a:t>
             </a:r>
           </a:p>
           <a:p>
             <a:r>
-              <a:rPr lang="de-CH" dirty="0" smtClean="0"/>
+              <a:rPr lang="de-CH" dirty="0"/>
               <a:t>Deployment können als CSV exportiert werden.</a:t>
             </a:r>
           </a:p>
           <a:p>
             <a:r>
-              <a:rPr lang="en-US" dirty="0" smtClean="0"/>
+              <a:rPr lang="en-US" dirty="0"/>
               <a:t>Latest deployment job for App Server and </a:t>
             </a:r>
             <a:r>
-              <a:rPr lang="en-US" dirty="0" err="1" smtClean="0"/>
+              <a:rPr lang="en-US" dirty="0" err="1"/>
               <a:t>Env</a:t>
             </a:r>
             <a:r>
-              <a:rPr lang="en-US" dirty="0" smtClean="0"/>
+              <a:rPr lang="en-US" dirty="0"/>
               <a:t>: nur </a:t>
             </a:r>
             <a:r>
-              <a:rPr lang="en-US" dirty="0" err="1" smtClean="0"/>
+              <a:rPr lang="en-US" dirty="0" err="1"/>
               <a:t>letztes</a:t>
             </a:r>
             <a:r>
-              <a:rPr lang="en-US" dirty="0" smtClean="0"/>
+              <a:rPr lang="en-US" dirty="0"/>
               <a:t> Deployment pro </a:t>
             </a:r>
             <a:r>
-              <a:rPr lang="en-US" dirty="0" err="1" smtClean="0"/>
+              <a:rPr lang="en-US" dirty="0" err="1"/>
               <a:t>Umgebung</a:t>
             </a:r>
-            <a:endParaRPr lang="en-US" dirty="0" smtClean="0"/>
-          </a:p>
-          <a:p>
-            <a:endParaRPr lang="en-US" dirty="0" smtClean="0"/>
+            <a:endParaRPr lang="en-US" dirty="0"/>
+          </a:p>
+          <a:p>
+            <a:endParaRPr lang="en-US" dirty="0"/>
           </a:p>
           <a:p>
             <a:pPr lvl="1">
@@ -13255,13 +12927,6 @@
   <p:clrMapOvr>
     <a:masterClrMapping/>
   </p:clrMapOvr>
-  <p:timing>
-    <p:tnLst>
-      <p:par>
-        <p:cTn id="1" dur="indefinite" restart="never" nodeType="tmRoot"/>
-      </p:par>
-    </p:tnLst>
-  </p:timing>
 </p:sld>
 </file>
 
@@ -13298,10 +12963,9 @@
           <a:lstStyle/>
           <a:p>
             <a:r>
-              <a:rPr lang="de-CH" dirty="0" smtClean="0"/>
+              <a:rPr lang="de-CH" dirty="0"/>
               <a:t>Infrastruktur Shakedown Test</a:t>
             </a:r>
-            <a:endParaRPr lang="de-CH" dirty="0"/>
           </a:p>
         </p:txBody>
       </p:sp>
@@ -13323,80 +12987,75 @@
           <a:lstStyle/>
           <a:p>
             <a:r>
-              <a:rPr lang="de-CH" dirty="0" smtClean="0"/>
-              <a:t>Testet die Ressourcen, die der Applikation angehängt </a:t>
-            </a:r>
-            <a:r>
-              <a:rPr lang="de-CH" dirty="0" smtClean="0"/>
-              <a:t>sind</a:t>
-            </a:r>
-          </a:p>
-          <a:p>
-            <a:endParaRPr lang="de-CH" dirty="0" smtClean="0"/>
-          </a:p>
-          <a:p>
-            <a:r>
-              <a:rPr lang="de-CH" dirty="0" smtClean="0"/>
+              <a:rPr lang="de-CH" dirty="0"/>
+              <a:t>Testet die Ressourcen, die der Applikation angehängt sind</a:t>
+            </a:r>
+          </a:p>
+          <a:p>
+            <a:endParaRPr lang="de-CH" dirty="0"/>
+          </a:p>
+          <a:p>
+            <a:r>
+              <a:rPr lang="de-CH" dirty="0"/>
               <a:t>Beispiel: prüfen ob Datenbankverbindung funktioniert</a:t>
             </a:r>
           </a:p>
           <a:p>
             <a:pPr lvl="1"/>
             <a:r>
-              <a:rPr lang="de-CH" dirty="0" smtClean="0"/>
+              <a:rPr lang="de-CH" dirty="0"/>
               <a:t>Firewall offen?</a:t>
             </a:r>
           </a:p>
           <a:p>
             <a:pPr lvl="1"/>
             <a:r>
-              <a:rPr lang="de-CH" dirty="0" smtClean="0"/>
+              <a:rPr lang="de-CH" dirty="0"/>
               <a:t>Treiber vorhanden?</a:t>
             </a:r>
           </a:p>
           <a:p>
             <a:pPr lvl="1"/>
             <a:r>
-              <a:rPr lang="de-CH" dirty="0" smtClean="0"/>
+              <a:rPr lang="de-CH" dirty="0"/>
               <a:t>DB vorhanden?</a:t>
             </a:r>
           </a:p>
           <a:p>
             <a:pPr lvl="1"/>
             <a:r>
-              <a:rPr lang="de-CH" dirty="0" smtClean="0"/>
+              <a:rPr lang="de-CH" dirty="0"/>
               <a:t>User und Password gültig?</a:t>
             </a:r>
           </a:p>
           <a:p>
             <a:r>
-              <a:rPr lang="de-CH" dirty="0" smtClean="0"/>
+              <a:rPr lang="de-CH" dirty="0"/>
               <a:t>Tests werden auf das Zielsystem kopiert und dort ausgeführt</a:t>
             </a:r>
           </a:p>
           <a:p>
-            <a:endParaRPr lang="de-CH" dirty="0" smtClean="0"/>
-          </a:p>
-          <a:p>
-            <a:r>
-              <a:rPr lang="de-CH" dirty="0" smtClean="0"/>
+            <a:endParaRPr lang="de-CH" dirty="0"/>
+          </a:p>
+          <a:p>
+            <a:r>
+              <a:rPr lang="de-CH" dirty="0"/>
               <a:t>Momentan sind zwei Tests für JBoss EAP implementiert:</a:t>
             </a:r>
           </a:p>
           <a:p>
             <a:pPr lvl="1"/>
             <a:r>
-              <a:rPr lang="de-CH" dirty="0" smtClean="0"/>
+              <a:rPr lang="de-CH" dirty="0"/>
               <a:t>Oracle</a:t>
             </a:r>
           </a:p>
           <a:p>
             <a:pPr lvl="1"/>
             <a:r>
-              <a:rPr lang="de-CH" dirty="0" smtClean="0"/>
+              <a:rPr lang="de-CH" dirty="0"/>
               <a:t>DB2</a:t>
             </a:r>
-            <a:endParaRPr lang="de-CH" dirty="0" smtClean="0"/>
           </a:p>
         </p:txBody>
       </p:sp>
@@ -13429,13 +13088,6 @@
   <p:clrMapOvr>
     <a:masterClrMapping/>
   </p:clrMapOvr>
-  <p:timing>
-    <p:tnLst>
-      <p:par>
-        <p:cTn id="1" dur="indefinite" restart="never" nodeType="tmRoot"/>
-      </p:par>
-    </p:tnLst>
-  </p:timing>
 </p:sld>
 </file>
 
@@ -13472,10 +13124,9 @@
           <a:lstStyle/>
           <a:p>
             <a:r>
-              <a:rPr lang="de-CH" dirty="0" smtClean="0"/>
+              <a:rPr lang="de-CH" dirty="0"/>
               <a:t>Best Practices</a:t>
             </a:r>
-            <a:endParaRPr lang="de-CH" dirty="0"/>
           </a:p>
         </p:txBody>
       </p:sp>
@@ -13497,100 +13148,100 @@
           <a:lstStyle/>
           <a:p>
             <a:r>
-              <a:rPr lang="de-CH" dirty="0" smtClean="0"/>
+              <a:rPr lang="de-CH" dirty="0"/>
               <a:t>Möglichst wenig Redundanzen</a:t>
             </a:r>
           </a:p>
           <a:p>
             <a:pPr lvl="1"/>
             <a:r>
-              <a:rPr lang="de-CH" dirty="0" smtClean="0"/>
+              <a:rPr lang="de-CH" dirty="0"/>
               <a:t>Zentrale Änderungen möglich</a:t>
             </a:r>
           </a:p>
           <a:p>
             <a:pPr lvl="1"/>
             <a:r>
-              <a:rPr lang="de-CH" dirty="0" smtClean="0"/>
+              <a:rPr lang="de-CH" dirty="0"/>
               <a:t>Übersicht</a:t>
             </a:r>
           </a:p>
           <a:p>
             <a:pPr lvl="1"/>
             <a:r>
-              <a:rPr lang="de-CH" dirty="0" err="1" smtClean="0"/>
+              <a:rPr lang="de-CH" dirty="0" err="1"/>
               <a:t>Props</a:t>
             </a:r>
             <a:r>
-              <a:rPr lang="de-CH" dirty="0" smtClean="0"/>
+              <a:rPr lang="de-CH" dirty="0"/>
               <a:t> in </a:t>
             </a:r>
             <a:r>
-              <a:rPr lang="de-CH" dirty="0" err="1" smtClean="0"/>
+              <a:rPr lang="de-CH" dirty="0" err="1"/>
               <a:t>Props</a:t>
             </a:r>
             <a:r>
-              <a:rPr lang="de-CH" dirty="0" smtClean="0"/>
+              <a:rPr lang="de-CH" dirty="0"/>
               <a:t>: ${</a:t>
             </a:r>
             <a:r>
-              <a:rPr lang="de-CH" dirty="0" err="1" smtClean="0"/>
+              <a:rPr lang="de-CH" dirty="0" err="1"/>
               <a:t>env.name?lower_case</a:t>
             </a:r>
             <a:r>
-              <a:rPr lang="de-CH" dirty="0" smtClean="0"/>
+              <a:rPr lang="de-CH" dirty="0"/>
               <a:t>}</a:t>
             </a:r>
           </a:p>
           <a:p>
             <a:pPr lvl="1"/>
-            <a:endParaRPr lang="de-CH" dirty="0" smtClean="0"/>
-          </a:p>
-          <a:p>
-            <a:r>
-              <a:rPr lang="de-CH" dirty="0" smtClean="0"/>
+            <a:endParaRPr lang="de-CH" dirty="0"/>
+          </a:p>
+          <a:p>
+            <a:r>
+              <a:rPr lang="de-CH" dirty="0"/>
               <a:t>Ressourcen anstatt Properties</a:t>
             </a:r>
           </a:p>
           <a:p>
             <a:pPr lvl="1"/>
             <a:r>
-              <a:rPr lang="de-CH" dirty="0" smtClean="0"/>
+              <a:rPr lang="de-CH" dirty="0"/>
               <a:t>Wiederverwendung</a:t>
             </a:r>
           </a:p>
           <a:p>
             <a:pPr lvl="1"/>
             <a:r>
-              <a:rPr lang="de-CH" dirty="0" smtClean="0"/>
+              <a:rPr lang="de-CH" dirty="0"/>
               <a:t>Abhängigkeiten ersichtlich</a:t>
             </a:r>
           </a:p>
           <a:p>
             <a:pPr lvl="1"/>
-            <a:endParaRPr lang="de-CH" dirty="0" smtClean="0"/>
-          </a:p>
-          <a:p>
-            <a:r>
-              <a:rPr lang="de-CH" dirty="0" smtClean="0"/>
+            <a:endParaRPr lang="de-CH" dirty="0"/>
+          </a:p>
+          <a:p>
+            <a:r>
+              <a:rPr lang="de-CH" dirty="0"/>
               <a:t>Von Anfang alle Umgebungen definieren</a:t>
             </a:r>
           </a:p>
           <a:p>
             <a:pPr lvl="1"/>
             <a:r>
-              <a:rPr lang="de-CH" dirty="0" err="1" smtClean="0"/>
+              <a:rPr lang="de-CH" dirty="0" err="1"/>
               <a:t>Konfig</a:t>
             </a:r>
             <a:r>
-              <a:rPr lang="de-CH" dirty="0" smtClean="0"/>
+              <a:rPr lang="de-CH" dirty="0"/>
               <a:t> kann abgeschlossen werden</a:t>
             </a:r>
           </a:p>
           <a:p>
             <a:pPr lvl="1"/>
             <a:r>
-              <a:rPr lang="de-CH" dirty="0" smtClean="0"/>
+              <a:rPr lang="de-CH" dirty="0"/>
               <a:t>Weniger Fehler</a:t>
             </a:r>
           </a:p>
@@ -13628,13 +13279,6 @@
   <p:clrMapOvr>
     <a:masterClrMapping/>
   </p:clrMapOvr>
-  <p:timing>
-    <p:tnLst>
-      <p:par>
-        <p:cTn id="1" dur="indefinite" restart="never" nodeType="tmRoot"/>
-      </p:par>
-    </p:tnLst>
-  </p:timing>
 </p:sld>
 </file>
 
@@ -13774,13 +13418,8 @@
           <a:p>
             <a:r>
               <a:rPr lang="de-CH" dirty="0"/>
-              <a:t>Shakedown </a:t>
-            </a:r>
-            <a:r>
-              <a:rPr lang="de-CH" dirty="0" smtClean="0"/>
-              <a:t>Tests</a:t>
-            </a:r>
-            <a:endParaRPr lang="de-CH" dirty="0"/>
+              <a:t>Shakedown Tests</a:t>
+            </a:r>
           </a:p>
         </p:txBody>
       </p:sp>
@@ -13818,13 +13457,6 @@
   <p:clrMapOvr>
     <a:masterClrMapping/>
   </p:clrMapOvr>
-  <p:timing>
-    <p:tnLst>
-      <p:par>
-        <p:cTn id="1" dur="indefinite" restart="never" nodeType="tmRoot"/>
-      </p:par>
-    </p:tnLst>
-  </p:timing>
 </p:sld>
 </file>
 
@@ -13861,10 +13493,9 @@
           <a:lstStyle/>
           <a:p>
             <a:r>
-              <a:rPr lang="de-CH" dirty="0" smtClean="0"/>
-              <a:t>Deployment Prozess mit AMW</a:t>
-            </a:r>
-            <a:endParaRPr lang="de-CH" dirty="0"/>
+              <a:rPr lang="de-CH" dirty="0"/>
+              <a:t>Deployment Prozess mit Liima</a:t>
+            </a:r>
           </a:p>
         </p:txBody>
       </p:sp>
@@ -13898,6 +13529,44 @@
           </a:prstGeom>
         </p:spPr>
       </p:pic>
+      <p:sp>
+        <p:nvSpPr>
+          <p:cNvPr id="3" name="TextBox 2">
+            <a:extLst>
+              <a:ext uri="{FF2B5EF4-FFF2-40B4-BE49-F238E27FC236}">
+                <a16:creationId xmlns:a16="http://schemas.microsoft.com/office/drawing/2014/main" id="{0497E875-8BCD-4B7A-83F5-6191AC2EB72A}"/>
+              </a:ext>
+            </a:extLst>
+          </p:cNvPr>
+          <p:cNvSpPr txBox="1"/>
+          <p:nvPr/>
+        </p:nvSpPr>
+        <p:spPr>
+          <a:xfrm>
+            <a:off x="2680648" y="3697704"/>
+            <a:ext cx="516488" cy="276999"/>
+          </a:xfrm>
+          <a:prstGeom prst="rect">
+            <a:avLst/>
+          </a:prstGeom>
+          <a:solidFill>
+            <a:schemeClr val="bg1"/>
+          </a:solidFill>
+        </p:spPr>
+        <p:txBody>
+          <a:bodyPr wrap="none" rtlCol="0">
+            <a:spAutoFit/>
+          </a:bodyPr>
+          <a:lstStyle/>
+          <a:p>
+            <a:r>
+              <a:rPr lang="de-CH" sz="1200" dirty="0"/>
+              <a:t>Liima</a:t>
+            </a:r>
+            <a:endParaRPr lang="de-CH" sz="1600" dirty="0"/>
+          </a:p>
+        </p:txBody>
+      </p:sp>
     </p:spTree>
     <p:extLst>
       <p:ext uri="{BB962C8B-B14F-4D97-AF65-F5344CB8AC3E}">
@@ -13908,21 +13577,6 @@
   <p:clrMapOvr>
     <a:masterClrMapping/>
   </p:clrMapOvr>
-  <mc:AlternateContent xmlns:mc="http://schemas.openxmlformats.org/markup-compatibility/2006" xmlns:p14="http://schemas.microsoft.com/office/powerpoint/2010/main">
-    <mc:Choice Requires="p14">
-      <p:transition spd="slow" p14:dur="2000"/>
-    </mc:Choice>
-    <mc:Fallback xmlns="">
-      <p:transition spd="slow"/>
-    </mc:Fallback>
-  </mc:AlternateContent>
-  <p:timing>
-    <p:tnLst>
-      <p:par>
-        <p:cTn id="1" dur="indefinite" restart="never" nodeType="tmRoot"/>
-      </p:par>
-    </p:tnLst>
-  </p:timing>
 </p:sld>
 </file>
 
@@ -13999,14 +13653,14 @@
               <a:tabLst/>
             </a:pPr>
             <a:r>
-              <a:rPr lang="de-CH" dirty="0" smtClean="0"/>
+              <a:rPr lang="de-CH" dirty="0"/>
               <a:t>Node</a:t>
             </a:r>
             <a:br>
-              <a:rPr lang="de-CH" dirty="0" smtClean="0"/>
+              <a:rPr lang="de-CH" dirty="0"/>
             </a:br>
             <a:r>
-              <a:rPr lang="de-CH" sz="1600" dirty="0" smtClean="0"/>
+              <a:rPr lang="de-CH" sz="1600" dirty="0"/>
               <a:t>- HostName</a:t>
             </a:r>
           </a:p>
@@ -14068,7 +13722,7 @@
               <a:tabLst/>
             </a:pPr>
             <a:r>
-              <a:rPr kumimoji="0" lang="de-CH" sz="1800" b="0" i="0" u="none" strike="noStrike" cap="none" normalizeH="0" baseline="0" dirty="0" smtClean="0">
+              <a:rPr kumimoji="0" lang="de-CH" sz="1800" b="0" i="0" u="none" strike="noStrike" cap="none" normalizeH="0" baseline="0" dirty="0">
                 <a:ln>
                   <a:noFill/>
                 </a:ln>
@@ -14081,7 +13735,7 @@
               <a:t>AppServer</a:t>
             </a:r>
             <a:br>
-              <a:rPr kumimoji="0" lang="de-CH" sz="1800" b="0" i="0" u="none" strike="noStrike" cap="none" normalizeH="0" baseline="0" dirty="0" smtClean="0">
+              <a:rPr kumimoji="0" lang="de-CH" sz="1800" b="0" i="0" u="none" strike="noStrike" cap="none" normalizeH="0" baseline="0" dirty="0">
                 <a:ln>
                   <a:noFill/>
                 </a:ln>
@@ -14093,7 +13747,7 @@
               </a:rPr>
             </a:br>
             <a:r>
-              <a:rPr kumimoji="0" lang="de-CH" sz="1600" b="0" i="0" u="none" strike="noStrike" cap="none" normalizeH="0" baseline="0" dirty="0" smtClean="0">
+              <a:rPr kumimoji="0" lang="de-CH" sz="1600" b="0" i="0" u="none" strike="noStrike" cap="none" normalizeH="0" baseline="0" dirty="0">
                 <a:ln>
                   <a:noFill/>
                 </a:ln>
@@ -14164,14 +13818,14 @@
               <a:tabLst/>
             </a:pPr>
             <a:r>
-              <a:rPr lang="de-CH" dirty="0" smtClean="0"/>
+              <a:rPr lang="de-CH" dirty="0"/>
               <a:t>App</a:t>
             </a:r>
             <a:br>
-              <a:rPr lang="de-CH" dirty="0" smtClean="0"/>
+              <a:rPr lang="de-CH" dirty="0"/>
             </a:br>
             <a:r>
-              <a:rPr lang="de-CH" sz="1600" dirty="0" smtClean="0"/>
+              <a:rPr lang="de-CH" sz="1600" dirty="0"/>
               <a:t>- Maven Settings</a:t>
             </a:r>
           </a:p>
@@ -14193,10 +13847,9 @@
           <a:lstStyle/>
           <a:p>
             <a:r>
-              <a:rPr lang="de-CH" dirty="0" smtClean="0"/>
+              <a:rPr lang="de-CH" dirty="0"/>
               <a:t>Modell</a:t>
             </a:r>
-            <a:endParaRPr lang="de-CH" dirty="0"/>
           </a:p>
         </p:txBody>
       </p:sp>
@@ -14318,14 +13971,14 @@
               <a:tabLst/>
             </a:pPr>
             <a:r>
-              <a:rPr lang="de-CH" dirty="0" smtClean="0"/>
+              <a:rPr lang="de-CH" dirty="0"/>
               <a:t>standalone.xml</a:t>
             </a:r>
             <a:br>
-              <a:rPr lang="de-CH" dirty="0" smtClean="0"/>
+              <a:rPr lang="de-CH" dirty="0"/>
             </a:br>
             <a:r>
-              <a:rPr lang="de-CH" sz="1600" dirty="0" smtClean="0"/>
+              <a:rPr lang="de-CH" sz="1600" dirty="0"/>
               <a:t>- includes other Templates</a:t>
             </a:r>
           </a:p>
@@ -14417,7 +14070,7 @@
               <a:tabLst/>
             </a:pPr>
             <a:r>
-              <a:rPr kumimoji="0" lang="de-CH" sz="1800" b="0" i="0" u="none" strike="noStrike" cap="none" normalizeH="0" baseline="0" dirty="0" smtClean="0">
+              <a:rPr kumimoji="0" lang="de-CH" sz="1800" b="0" i="0" u="none" strike="noStrike" cap="none" normalizeH="0" baseline="0" dirty="0">
                 <a:ln>
                   <a:noFill/>
                 </a:ln>
@@ -14430,7 +14083,7 @@
               <a:t>OracleDB</a:t>
             </a:r>
             <a:br>
-              <a:rPr kumimoji="0" lang="de-CH" sz="1800" b="0" i="0" u="none" strike="noStrike" cap="none" normalizeH="0" baseline="0" dirty="0" smtClean="0">
+              <a:rPr kumimoji="0" lang="de-CH" sz="1800" b="0" i="0" u="none" strike="noStrike" cap="none" normalizeH="0" baseline="0" dirty="0">
                 <a:ln>
                   <a:noFill/>
                 </a:ln>
@@ -14442,7 +14095,7 @@
               </a:rPr>
             </a:br>
             <a:r>
-              <a:rPr kumimoji="0" lang="de-CH" sz="1600" b="0" i="0" u="none" strike="noStrike" cap="none" normalizeH="0" baseline="0" dirty="0" smtClean="0">
+              <a:rPr kumimoji="0" lang="de-CH" sz="1600" b="0" i="0" u="none" strike="noStrike" cap="none" normalizeH="0" baseline="0" dirty="0">
                 <a:ln>
                   <a:noFill/>
                 </a:ln>
@@ -14455,7 +14108,7 @@
               <a:t>- URL</a:t>
             </a:r>
             <a:br>
-              <a:rPr kumimoji="0" lang="de-CH" sz="1600" b="0" i="0" u="none" strike="noStrike" cap="none" normalizeH="0" baseline="0" dirty="0" smtClean="0">
+              <a:rPr kumimoji="0" lang="de-CH" sz="1600" b="0" i="0" u="none" strike="noStrike" cap="none" normalizeH="0" baseline="0" dirty="0">
                 <a:ln>
                   <a:noFill/>
                 </a:ln>
@@ -14467,7 +14120,7 @@
               </a:rPr>
             </a:br>
             <a:r>
-              <a:rPr kumimoji="0" lang="de-CH" sz="1600" b="0" i="0" u="none" strike="noStrike" cap="none" normalizeH="0" baseline="0" dirty="0" smtClean="0">
+              <a:rPr kumimoji="0" lang="de-CH" sz="1600" b="0" i="0" u="none" strike="noStrike" cap="none" normalizeH="0" baseline="0" dirty="0">
                 <a:ln>
                   <a:noFill/>
                 </a:ln>
@@ -14480,7 +14133,7 @@
               <a:t>-</a:t>
             </a:r>
             <a:r>
-              <a:rPr kumimoji="0" lang="de-CH" sz="1600" b="0" i="0" u="none" strike="noStrike" cap="none" normalizeH="0" dirty="0" smtClean="0">
+              <a:rPr kumimoji="0" lang="de-CH" sz="1600" b="0" i="0" u="none" strike="noStrike" cap="none" normalizeH="0" dirty="0">
                 <a:ln>
                   <a:noFill/>
                 </a:ln>
@@ -14493,7 +14146,7 @@
               <a:t> User</a:t>
             </a:r>
             <a:br>
-              <a:rPr kumimoji="0" lang="de-CH" sz="1600" b="0" i="0" u="none" strike="noStrike" cap="none" normalizeH="0" dirty="0" smtClean="0">
+              <a:rPr kumimoji="0" lang="de-CH" sz="1600" b="0" i="0" u="none" strike="noStrike" cap="none" normalizeH="0" dirty="0">
                 <a:ln>
                   <a:noFill/>
                 </a:ln>
@@ -14505,7 +14158,7 @@
               </a:rPr>
             </a:br>
             <a:r>
-              <a:rPr kumimoji="0" lang="de-CH" sz="1600" b="0" i="0" u="none" strike="noStrike" cap="none" normalizeH="0" dirty="0" smtClean="0">
+              <a:rPr kumimoji="0" lang="de-CH" sz="1600" b="0" i="0" u="none" strike="noStrike" cap="none" normalizeH="0" dirty="0">
                 <a:ln>
                   <a:noFill/>
                 </a:ln>
@@ -14517,7 +14170,7 @@
               </a:rPr>
               <a:t>- Passwort</a:t>
             </a:r>
-            <a:endParaRPr kumimoji="0" lang="de-CH" sz="1600" b="0" i="0" u="none" strike="noStrike" cap="none" normalizeH="0" baseline="0" dirty="0" smtClean="0">
+            <a:endParaRPr kumimoji="0" lang="de-CH" sz="1600" b="0" i="0" u="none" strike="noStrike" cap="none" normalizeH="0" baseline="0" dirty="0">
               <a:ln>
                 <a:noFill/>
               </a:ln>
@@ -14600,13 +14253,13 @@
           <a:lstStyle/>
           <a:p>
             <a:r>
-              <a:rPr lang="de-CH" dirty="0" smtClean="0"/>
+              <a:rPr lang="de-CH" dirty="0"/>
               <a:t>system.properties</a:t>
             </a:r>
           </a:p>
           <a:p>
             <a:r>
-              <a:rPr lang="de-CH" sz="1200" dirty="0" smtClean="0">
+              <a:rPr lang="de-CH" sz="1200" dirty="0">
                 <a:latin typeface="Arial" charset="0"/>
               </a:rPr>
               <a:t>Maven.version=${mavenVersion}</a:t>
@@ -14700,7 +14353,7 @@
               <a:tabLst/>
             </a:pPr>
             <a:r>
-              <a:rPr lang="de-CH" sz="1100" dirty="0" smtClean="0"/>
+              <a:rPr lang="de-CH" sz="1100" dirty="0"/>
               <a:t>Modell</a:t>
             </a:r>
           </a:p>
@@ -14760,10 +14413,10 @@
               <a:tabLst/>
             </a:pPr>
             <a:r>
-              <a:rPr lang="de-CH" sz="1100" dirty="0" smtClean="0"/>
+              <a:rPr lang="de-CH" sz="1100" dirty="0"/>
               <a:t>Templates</a:t>
             </a:r>
-            <a:endParaRPr kumimoji="0" lang="de-CH" sz="1100" b="0" i="0" u="none" strike="noStrike" cap="none" normalizeH="0" baseline="0" dirty="0" smtClean="0">
+            <a:endParaRPr kumimoji="0" lang="de-CH" sz="1100" b="0" i="0" u="none" strike="noStrike" cap="none" normalizeH="0" baseline="0" dirty="0">
               <a:ln>
                 <a:noFill/>
               </a:ln>
@@ -14845,18 +14498,18 @@
           <a:lstStyle/>
           <a:p>
             <a:r>
-              <a:rPr lang="de-CH" dirty="0" smtClean="0"/>
+              <a:rPr lang="de-CH" dirty="0"/>
               <a:t>datasource.xml</a:t>
             </a:r>
           </a:p>
           <a:p>
             <a:r>
-              <a:rPr lang="de-CH" sz="1200" dirty="0" smtClean="0">
+              <a:rPr lang="de-CH" sz="1200" dirty="0">
                 <a:latin typeface="Arial" charset="0"/>
               </a:rPr>
               <a:t>&lt;xml …</a:t>
             </a:r>
-            <a:endParaRPr kumimoji="0" lang="de-CH" sz="1200" b="0" i="0" u="none" strike="noStrike" cap="none" normalizeH="0" baseline="0" dirty="0" smtClean="0">
+            <a:endParaRPr kumimoji="0" lang="de-CH" sz="1200" b="0" i="0" u="none" strike="noStrike" cap="none" normalizeH="0" baseline="0" dirty="0">
               <a:ln>
                 <a:noFill/>
               </a:ln>
@@ -14909,7 +14562,7 @@
           <a:lstStyle/>
           <a:p>
             <a:r>
-              <a:rPr lang="de-CH" sz="1100" dirty="0" smtClean="0"/>
+              <a:rPr lang="de-CH" sz="1100" dirty="0"/>
               <a:t>Grundelemente</a:t>
             </a:r>
           </a:p>
@@ -14971,10 +14624,10 @@
               <a:tabLst/>
             </a:pPr>
             <a:r>
-              <a:rPr lang="de-CH" dirty="0" err="1" smtClean="0"/>
+              <a:rPr lang="de-CH" dirty="0" err="1"/>
               <a:t>Runtime</a:t>
             </a:r>
-            <a:endParaRPr lang="de-CH" sz="1600" dirty="0" smtClean="0"/>
+            <a:endParaRPr lang="de-CH" sz="1600" dirty="0"/>
           </a:p>
         </p:txBody>
       </p:sp>
@@ -15068,13 +14721,6 @@
   <p:clrMapOvr>
     <a:masterClrMapping/>
   </p:clrMapOvr>
-  <p:timing>
-    <p:tnLst>
-      <p:par>
-        <p:cTn id="1" dur="indefinite" restart="never" nodeType="tmRoot"/>
-      </p:par>
-    </p:tnLst>
-  </p:timing>
 </p:sld>
 </file>
 
@@ -15111,10 +14757,9 @@
           <a:lstStyle/>
           <a:p>
             <a:r>
-              <a:rPr lang="de-CH" dirty="0" smtClean="0"/>
+              <a:rPr lang="de-CH" dirty="0"/>
               <a:t>Modell: Default Ressourcen</a:t>
             </a:r>
-            <a:endParaRPr lang="de-CH" dirty="0"/>
           </a:p>
         </p:txBody>
       </p:sp>
@@ -15142,7 +14787,7 @@
           <a:lstStyle/>
           <a:p>
             <a:r>
-              <a:rPr lang="de-CH" dirty="0" smtClean="0"/>
+              <a:rPr lang="de-CH" dirty="0"/>
               <a:t>Default Ressourcen müssen immer vorhanden sein</a:t>
             </a:r>
           </a:p>
@@ -15205,7 +14850,7 @@
               <a:tabLst/>
             </a:pPr>
             <a:r>
-              <a:rPr lang="de-CH" sz="1100" dirty="0" smtClean="0"/>
+              <a:rPr lang="de-CH" sz="1100" dirty="0"/>
               <a:t>Modell</a:t>
             </a:r>
           </a:p>
@@ -15251,7 +14896,7 @@
           <a:lstStyle/>
           <a:p>
             <a:r>
-              <a:rPr lang="de-CH" sz="1100" dirty="0" smtClean="0"/>
+              <a:rPr lang="de-CH" sz="1100" dirty="0"/>
               <a:t>Grundelemente</a:t>
             </a:r>
           </a:p>
@@ -15313,7 +14958,7 @@
               <a:tabLst/>
             </a:pPr>
             <a:r>
-              <a:rPr lang="de-CH" dirty="0" smtClean="0"/>
+              <a:rPr lang="de-CH" dirty="0"/>
               <a:t>Node</a:t>
             </a:r>
           </a:p>
@@ -15375,7 +15020,7 @@
               <a:tabLst/>
             </a:pPr>
             <a:r>
-              <a:rPr kumimoji="0" lang="de-CH" sz="1800" b="0" i="0" u="none" strike="noStrike" cap="none" normalizeH="0" baseline="0" dirty="0" err="1" smtClean="0">
+              <a:rPr kumimoji="0" lang="de-CH" sz="1800" b="0" i="0" u="none" strike="noStrike" cap="none" normalizeH="0" baseline="0" dirty="0" err="1">
                 <a:ln>
                   <a:noFill/>
                 </a:ln>
@@ -15387,7 +15032,7 @@
               </a:rPr>
               <a:t>AppServer</a:t>
             </a:r>
-            <a:endParaRPr lang="de-CH" dirty="0" smtClean="0">
+            <a:endParaRPr lang="de-CH" dirty="0">
               <a:latin typeface="Arial" charset="0"/>
             </a:endParaRPr>
           </a:p>
@@ -15449,10 +15094,10 @@
               <a:tabLst/>
             </a:pPr>
             <a:r>
-              <a:rPr lang="de-CH" dirty="0" err="1" smtClean="0"/>
+              <a:rPr lang="de-CH" dirty="0" err="1"/>
               <a:t>App</a:t>
             </a:r>
-            <a:endParaRPr lang="de-CH" sz="1600" dirty="0" smtClean="0"/>
+            <a:endParaRPr lang="de-CH" sz="1600" dirty="0"/>
           </a:p>
         </p:txBody>
       </p:sp>
@@ -15576,10 +15221,10 @@
               <a:tabLst/>
             </a:pPr>
             <a:r>
-              <a:rPr lang="de-CH" dirty="0" err="1" smtClean="0"/>
+              <a:rPr lang="de-CH" dirty="0" err="1"/>
               <a:t>Runtime</a:t>
             </a:r>
-            <a:endParaRPr lang="de-CH" dirty="0" smtClean="0"/>
+            <a:endParaRPr lang="de-CH" dirty="0"/>
           </a:p>
         </p:txBody>
       </p:sp>
@@ -15646,10 +15291,9 @@
               </a:buClr>
             </a:pPr>
             <a:r>
-              <a:rPr lang="de-CH" dirty="0" smtClean="0"/>
+              <a:rPr lang="de-CH" dirty="0"/>
               <a:t>1..*</a:t>
             </a:r>
-            <a:endParaRPr lang="de-CH" dirty="0"/>
           </a:p>
         </p:txBody>
       </p:sp>
@@ -15684,10 +15328,9 @@
               </a:buClr>
             </a:pPr>
             <a:r>
-              <a:rPr lang="de-CH" dirty="0" smtClean="0"/>
+              <a:rPr lang="de-CH" dirty="0"/>
               <a:t>1</a:t>
             </a:r>
-            <a:endParaRPr lang="de-CH" dirty="0"/>
           </a:p>
         </p:txBody>
       </p:sp>
@@ -15722,10 +15365,9 @@
               </a:buClr>
             </a:pPr>
             <a:r>
-              <a:rPr lang="de-CH" dirty="0" smtClean="0"/>
+              <a:rPr lang="de-CH" dirty="0"/>
               <a:t>1..*</a:t>
             </a:r>
-            <a:endParaRPr lang="de-CH" dirty="0"/>
           </a:p>
         </p:txBody>
       </p:sp>
@@ -15735,13 +15377,6 @@
     <a:masterClrMapping/>
   </p:clrMapOvr>
   <p:transition/>
-  <p:timing>
-    <p:tnLst>
-      <p:par>
-        <p:cTn id="1" dur="indefinite" restart="never" nodeType="tmRoot"/>
-      </p:par>
-    </p:tnLst>
-  </p:timing>
 </p:sld>
 </file>
 
@@ -15778,10 +15413,9 @@
           <a:lstStyle/>
           <a:p>
             <a:r>
-              <a:rPr lang="de-CH" dirty="0" smtClean="0"/>
+              <a:rPr lang="de-CH" dirty="0"/>
               <a:t>Modell: Ressource</a:t>
             </a:r>
-            <a:endParaRPr lang="de-CH" dirty="0"/>
           </a:p>
         </p:txBody>
       </p:sp>
@@ -15807,60 +15441,51 @@
           <a:p>
             <a:r>
               <a:rPr lang="de-CH" dirty="0"/>
-              <a:t>Elemente pro </a:t>
-            </a:r>
-            <a:r>
-              <a:rPr lang="de-CH" dirty="0" smtClean="0"/>
-              <a:t>Ressource:</a:t>
+              <a:t>Elemente pro Ressource:</a:t>
             </a:r>
           </a:p>
           <a:p>
             <a:pPr lvl="1"/>
             <a:r>
-              <a:rPr lang="de-CH" dirty="0" smtClean="0"/>
+              <a:rPr lang="de-CH" dirty="0"/>
               <a:t>Properties </a:t>
             </a:r>
             <a:r>
-              <a:rPr lang="de-CH" dirty="0" err="1" smtClean="0"/>
+              <a:rPr lang="de-CH" dirty="0" err="1"/>
               <a:t>Descriptors</a:t>
             </a:r>
             <a:r>
-              <a:rPr lang="de-CH" dirty="0" smtClean="0"/>
+              <a:rPr lang="de-CH" dirty="0"/>
               <a:t>: Welche Properties gibt es?</a:t>
             </a:r>
           </a:p>
           <a:p>
             <a:pPr lvl="1"/>
             <a:r>
-              <a:rPr lang="de-CH" dirty="0" smtClean="0"/>
+              <a:rPr lang="de-CH" dirty="0"/>
               <a:t>Property Werte: Inhalt der Properties pro Umgebung</a:t>
             </a:r>
           </a:p>
           <a:p>
             <a:pPr lvl="1"/>
             <a:r>
-              <a:rPr lang="de-CH" dirty="0" smtClean="0"/>
+              <a:rPr lang="de-CH" dirty="0"/>
               <a:t>Templates: wandelt Properties in Konfiguration um</a:t>
             </a:r>
           </a:p>
           <a:p>
             <a:pPr lvl="1"/>
             <a:r>
-              <a:rPr lang="de-CH" dirty="0" smtClean="0"/>
+              <a:rPr lang="de-CH" dirty="0"/>
               <a:t>Funktionen: Zusammenstellung von Properties</a:t>
             </a:r>
           </a:p>
           <a:p>
             <a:pPr lvl="1"/>
             <a:r>
-              <a:rPr lang="de-CH" dirty="0" smtClean="0"/>
-              <a:t>Relations: Verknüpfung zu anderen Ressourcen für </a:t>
-            </a:r>
-            <a:r>
-              <a:rPr lang="de-CH" dirty="0" smtClean="0"/>
-              <a:t>Reuse</a:t>
-            </a:r>
-            <a:endParaRPr lang="de-CH" dirty="0"/>
+              <a:rPr lang="de-CH" dirty="0"/>
+              <a:t>Relations: Verknüpfung zu anderen Ressourcen für Reuse</a:t>
+            </a:r>
           </a:p>
           <a:p>
             <a:endParaRPr lang="de-CH" dirty="0"/>
@@ -15931,10 +15556,10 @@
           <a:lstStyle/>
           <a:p>
             <a:r>
-              <a:rPr lang="de-CH" smtClean="0"/>
+              <a:rPr lang="de-CH"/>
               <a:t>Ressource</a:t>
             </a:r>
-            <a:endParaRPr lang="de-CH" dirty="0" smtClean="0"/>
+            <a:endParaRPr lang="de-CH" dirty="0"/>
           </a:p>
         </p:txBody>
       </p:sp>
@@ -15973,14 +15598,14 @@
           <a:lstStyle/>
           <a:p>
             <a:r>
-              <a:rPr lang="de-CH" dirty="0" smtClean="0"/>
+              <a:rPr lang="de-CH" dirty="0"/>
               <a:t>Property </a:t>
             </a:r>
             <a:r>
-              <a:rPr lang="de-CH" dirty="0" err="1" smtClean="0"/>
+              <a:rPr lang="de-CH" dirty="0" err="1"/>
               <a:t>Descriptors</a:t>
             </a:r>
-            <a:endParaRPr lang="de-CH" dirty="0" smtClean="0"/>
+            <a:endParaRPr lang="de-CH" dirty="0"/>
           </a:p>
         </p:txBody>
       </p:sp>
@@ -16019,7 +15644,7 @@
           <a:lstStyle/>
           <a:p>
             <a:r>
-              <a:rPr lang="de-CH" dirty="0" smtClean="0"/>
+              <a:rPr lang="de-CH" dirty="0"/>
               <a:t>Property Werte</a:t>
             </a:r>
           </a:p>
@@ -16060,7 +15685,7 @@
           <a:lstStyle/>
           <a:p>
             <a:r>
-              <a:rPr lang="de-CH" dirty="0" smtClean="0"/>
+              <a:rPr lang="de-CH" dirty="0"/>
               <a:t>Templates</a:t>
             </a:r>
           </a:p>
@@ -16101,10 +15726,10 @@
           <a:lstStyle/>
           <a:p>
             <a:r>
-              <a:rPr lang="de-CH" dirty="0" err="1" smtClean="0"/>
+              <a:rPr lang="de-CH" dirty="0" err="1"/>
               <a:t>Functions</a:t>
             </a:r>
-            <a:endParaRPr lang="de-CH" dirty="0" smtClean="0"/>
+            <a:endParaRPr lang="de-CH" dirty="0"/>
           </a:p>
         </p:txBody>
       </p:sp>
@@ -16143,7 +15768,7 @@
           <a:lstStyle/>
           <a:p>
             <a:r>
-              <a:rPr lang="de-CH" dirty="0" smtClean="0"/>
+              <a:rPr lang="de-CH" dirty="0"/>
               <a:t>Relations</a:t>
             </a:r>
           </a:p>
@@ -16159,13 +15784,6 @@
   <p:clrMapOvr>
     <a:masterClrMapping/>
   </p:clrMapOvr>
-  <p:timing>
-    <p:tnLst>
-      <p:par>
-        <p:cTn id="1" dur="indefinite" restart="never" nodeType="tmRoot"/>
-      </p:par>
-    </p:tnLst>
-  </p:timing>
 </p:sld>
 </file>
 
@@ -16202,10 +15820,9 @@
           <a:lstStyle/>
           <a:p>
             <a:r>
-              <a:rPr lang="de-CH" dirty="0" smtClean="0"/>
+              <a:rPr lang="de-CH" dirty="0"/>
               <a:t>Modell: Vererbung &amp; Properties</a:t>
             </a:r>
-            <a:endParaRPr lang="de-CH" dirty="0"/>
           </a:p>
         </p:txBody>
       </p:sp>
@@ -16247,7 +15864,7 @@
           <a:lstStyle/>
           <a:p>
             <a:r>
-              <a:rPr kumimoji="0" lang="de-CH" sz="1800" b="0" i="0" u="none" strike="noStrike" cap="none" normalizeH="0" baseline="0" dirty="0" smtClean="0">
+              <a:rPr kumimoji="0" lang="de-CH" sz="1800" b="0" i="0" u="none" strike="noStrike" cap="none" normalizeH="0" baseline="0" dirty="0">
                 <a:ln>
                   <a:noFill/>
                 </a:ln>
@@ -16260,7 +15877,7 @@
               <a:t>Parent Resource Typ:</a:t>
             </a:r>
             <a:r>
-              <a:rPr kumimoji="0" lang="de-CH" sz="1800" b="0" i="0" u="none" strike="noStrike" cap="none" normalizeH="0" dirty="0" smtClean="0">
+              <a:rPr kumimoji="0" lang="de-CH" sz="1800" b="0" i="0" u="none" strike="noStrike" cap="none" normalizeH="0" dirty="0">
                 <a:ln>
                   <a:noFill/>
                 </a:ln>
@@ -16273,7 +15890,7 @@
               <a:t> Database</a:t>
             </a:r>
             <a:br>
-              <a:rPr kumimoji="0" lang="de-CH" sz="1800" b="0" i="0" u="none" strike="noStrike" cap="none" normalizeH="0" dirty="0" smtClean="0">
+              <a:rPr kumimoji="0" lang="de-CH" sz="1800" b="0" i="0" u="none" strike="noStrike" cap="none" normalizeH="0" dirty="0">
                 <a:ln>
                   <a:noFill/>
                 </a:ln>
@@ -16285,21 +15902,21 @@
               </a:rPr>
             </a:br>
             <a:r>
-              <a:rPr lang="de-CH" dirty="0" smtClean="0"/>
+              <a:rPr lang="de-CH" dirty="0"/>
               <a:t>- user: </a:t>
             </a:r>
             <a:br>
-              <a:rPr lang="de-CH" dirty="0" smtClean="0"/>
+              <a:rPr lang="de-CH" dirty="0"/>
             </a:br>
             <a:r>
-              <a:rPr lang="de-CH" dirty="0" smtClean="0"/>
+              <a:rPr lang="de-CH" dirty="0"/>
               <a:t>- password:</a:t>
             </a:r>
             <a:br>
-              <a:rPr lang="de-CH" dirty="0" smtClean="0"/>
+              <a:rPr lang="de-CH" dirty="0"/>
             </a:br>
             <a:r>
-              <a:rPr lang="de-CH" dirty="0" smtClean="0"/>
+              <a:rPr lang="de-CH" dirty="0"/>
               <a:t>- datasourceClass:</a:t>
             </a:r>
           </a:p>
@@ -16343,7 +15960,7 @@
           <a:lstStyle/>
           <a:p>
             <a:r>
-              <a:rPr kumimoji="0" lang="de-CH" sz="1800" b="0" i="0" u="none" strike="noStrike" cap="none" normalizeH="0" baseline="0" dirty="0" smtClean="0">
+              <a:rPr kumimoji="0" lang="de-CH" sz="1800" b="0" i="0" u="none" strike="noStrike" cap="none" normalizeH="0" baseline="0" dirty="0">
                 <a:ln>
                   <a:noFill/>
                 </a:ln>
@@ -16356,7 +15973,7 @@
               <a:t>Resource Typ:</a:t>
             </a:r>
             <a:r>
-              <a:rPr kumimoji="0" lang="de-CH" sz="1800" b="0" i="0" u="none" strike="noStrike" cap="none" normalizeH="0" dirty="0" smtClean="0">
+              <a:rPr kumimoji="0" lang="de-CH" sz="1800" b="0" i="0" u="none" strike="noStrike" cap="none" normalizeH="0" dirty="0">
                 <a:ln>
                   <a:noFill/>
                 </a:ln>
@@ -16369,7 +15986,7 @@
               <a:t> Oracle</a:t>
             </a:r>
             <a:br>
-              <a:rPr kumimoji="0" lang="de-CH" sz="1800" b="0" i="0" u="none" strike="noStrike" cap="none" normalizeH="0" dirty="0" smtClean="0">
+              <a:rPr kumimoji="0" lang="de-CH" sz="1800" b="0" i="0" u="none" strike="noStrike" cap="none" normalizeH="0" dirty="0">
                 <a:ln>
                   <a:noFill/>
                 </a:ln>
@@ -16381,32 +15998,32 @@
               </a:rPr>
             </a:br>
             <a:r>
-              <a:rPr lang="de-CH" dirty="0" smtClean="0"/>
+              <a:rPr lang="de-CH" dirty="0"/>
               <a:t>- url: </a:t>
             </a:r>
             <a:br>
-              <a:rPr lang="de-CH" dirty="0" smtClean="0"/>
+              <a:rPr lang="de-CH" dirty="0"/>
             </a:br>
             <a:r>
-              <a:rPr lang="de-CH" dirty="0" smtClean="0"/>
+              <a:rPr lang="de-CH" dirty="0"/>
               <a:t>- user: </a:t>
             </a:r>
             <a:br>
-              <a:rPr lang="de-CH" dirty="0" smtClean="0"/>
+              <a:rPr lang="de-CH" dirty="0"/>
             </a:br>
             <a:r>
-              <a:rPr lang="de-CH" dirty="0" smtClean="0"/>
+              <a:rPr lang="de-CH" dirty="0"/>
               <a:t>- password:</a:t>
             </a:r>
             <a:br>
-              <a:rPr lang="de-CH" dirty="0" smtClean="0"/>
+              <a:rPr lang="de-CH" dirty="0"/>
             </a:br>
             <a:r>
-              <a:rPr lang="de-CH" dirty="0" smtClean="0"/>
+              <a:rPr lang="de-CH" dirty="0"/>
               <a:t>- datasourceClass: </a:t>
             </a:r>
             <a:r>
-              <a:rPr lang="de-CH" dirty="0" smtClean="0">
+              <a:rPr lang="de-CH" dirty="0">
                 <a:solidFill>
                   <a:srgbClr val="00B050"/>
                 </a:solidFill>
@@ -16454,7 +16071,7 @@
           <a:lstStyle/>
           <a:p>
             <a:r>
-              <a:rPr kumimoji="0" lang="de-CH" sz="1800" b="0" i="0" u="none" strike="noStrike" cap="none" normalizeH="0" baseline="0" dirty="0" smtClean="0">
+              <a:rPr kumimoji="0" lang="de-CH" sz="1800" b="0" i="0" u="none" strike="noStrike" cap="none" normalizeH="0" baseline="0" dirty="0">
                 <a:ln>
                   <a:noFill/>
                 </a:ln>
@@ -16467,7 +16084,7 @@
               <a:t>Instance:</a:t>
             </a:r>
             <a:r>
-              <a:rPr kumimoji="0" lang="de-CH" sz="1800" b="0" i="0" u="none" strike="noStrike" cap="none" normalizeH="0" dirty="0" smtClean="0">
+              <a:rPr kumimoji="0" lang="de-CH" sz="1800" b="0" i="0" u="none" strike="noStrike" cap="none" normalizeH="0" dirty="0">
                 <a:ln>
                   <a:noFill/>
                 </a:ln>
@@ -16480,7 +16097,7 @@
               <a:t> sp2</a:t>
             </a:r>
             <a:br>
-              <a:rPr kumimoji="0" lang="de-CH" sz="1800" b="0" i="0" u="none" strike="noStrike" cap="none" normalizeH="0" dirty="0" smtClean="0">
+              <a:rPr kumimoji="0" lang="de-CH" sz="1800" b="0" i="0" u="none" strike="noStrike" cap="none" normalizeH="0" dirty="0">
                 <a:ln>
                   <a:noFill/>
                 </a:ln>
@@ -16492,11 +16109,11 @@
               </a:rPr>
             </a:br>
             <a:r>
-              <a:rPr lang="de-CH" dirty="0" smtClean="0"/>
+              <a:rPr lang="de-CH" dirty="0"/>
               <a:t>- url: </a:t>
             </a:r>
             <a:r>
-              <a:rPr lang="de-CH" dirty="0" smtClean="0">
+              <a:rPr lang="de-CH" dirty="0">
                 <a:solidFill>
                   <a:srgbClr val="00B050"/>
                 </a:solidFill>
@@ -16504,28 +16121,28 @@
               <a:t>sd02211</a:t>
             </a:r>
             <a:r>
-              <a:rPr lang="de-CH" dirty="0" smtClean="0"/>
+              <a:rPr lang="de-CH" dirty="0"/>
               <a:t> </a:t>
             </a:r>
             <a:br>
-              <a:rPr lang="de-CH" dirty="0" smtClean="0"/>
+              <a:rPr lang="de-CH" dirty="0"/>
             </a:br>
             <a:r>
-              <a:rPr lang="de-CH" dirty="0" smtClean="0"/>
+              <a:rPr lang="de-CH" dirty="0"/>
               <a:t>- user: </a:t>
             </a:r>
             <a:br>
-              <a:rPr lang="de-CH" dirty="0" smtClean="0"/>
+              <a:rPr lang="de-CH" dirty="0"/>
             </a:br>
             <a:r>
-              <a:rPr lang="de-CH" dirty="0" smtClean="0"/>
+              <a:rPr lang="de-CH" dirty="0"/>
               <a:t>- password:</a:t>
             </a:r>
             <a:br>
-              <a:rPr lang="de-CH" dirty="0" smtClean="0"/>
+              <a:rPr lang="de-CH" dirty="0"/>
             </a:br>
             <a:r>
-              <a:rPr lang="de-CH" dirty="0" smtClean="0"/>
+              <a:rPr lang="de-CH" dirty="0"/>
               <a:t>- datasourceClass: oracle.jdbc.xa.*</a:t>
             </a:r>
           </a:p>
@@ -16759,13 +16376,6 @@
     <a:masterClrMapping/>
   </p:clrMapOvr>
   <p:transition/>
-  <p:timing>
-    <p:tnLst>
-      <p:par>
-        <p:cTn id="1" dur="indefinite" restart="never" nodeType="tmRoot"/>
-      </p:par>
-    </p:tnLst>
-  </p:timing>
 </p:sld>
 </file>
 
@@ -16802,10 +16412,9 @@
           <a:lstStyle/>
           <a:p>
             <a:r>
-              <a:rPr lang="de-CH" dirty="0" smtClean="0"/>
+              <a:rPr lang="de-CH" dirty="0"/>
               <a:t>Modell: Umgebungs-Hierarchie</a:t>
             </a:r>
-            <a:endParaRPr lang="de-CH" dirty="0"/>
           </a:p>
         </p:txBody>
       </p:sp>
@@ -16835,35 +16444,35 @@
           <a:lstStyle/>
           <a:p>
             <a:r>
-              <a:rPr lang="de-CH" dirty="0" err="1" smtClean="0"/>
+              <a:rPr lang="de-CH" dirty="0" err="1"/>
               <a:t>Porperty</a:t>
             </a:r>
             <a:r>
-              <a:rPr lang="de-CH" dirty="0" smtClean="0"/>
+              <a:rPr lang="de-CH" dirty="0"/>
               <a:t> Werten werden von Global nach Domain (</a:t>
             </a:r>
             <a:r>
-              <a:rPr lang="de-CH" dirty="0" err="1" smtClean="0"/>
+              <a:rPr lang="de-CH" dirty="0" err="1"/>
               <a:t>dev</a:t>
             </a:r>
             <a:r>
-              <a:rPr lang="de-CH" dirty="0" smtClean="0"/>
+              <a:rPr lang="de-CH" dirty="0"/>
               <a:t>, </a:t>
             </a:r>
             <a:r>
-              <a:rPr lang="de-CH" dirty="0" err="1" smtClean="0"/>
+              <a:rPr lang="de-CH" dirty="0" err="1"/>
               <a:t>int</a:t>
             </a:r>
             <a:r>
-              <a:rPr lang="de-CH" dirty="0" smtClean="0"/>
+              <a:rPr lang="de-CH" dirty="0"/>
               <a:t>, </a:t>
             </a:r>
             <a:r>
-              <a:rPr lang="de-CH" dirty="0" err="1" smtClean="0"/>
+              <a:rPr lang="de-CH" dirty="0" err="1"/>
               <a:t>prod</a:t>
             </a:r>
             <a:r>
-              <a:rPr lang="de-CH" dirty="0" smtClean="0"/>
+              <a:rPr lang="de-CH" dirty="0"/>
               <a:t>) nach Umgebung vererbt</a:t>
             </a:r>
           </a:p>
@@ -16883,18 +16492,18 @@
             <a:pPr marL="0" indent="0">
               <a:buNone/>
             </a:pPr>
-            <a:endParaRPr lang="de-CH" dirty="0" smtClean="0"/>
-          </a:p>
-          <a:p>
-            <a:r>
-              <a:rPr lang="de-CH" dirty="0" smtClean="0"/>
+            <a:endParaRPr lang="de-CH" dirty="0"/>
+          </a:p>
+          <a:p>
+            <a:r>
+              <a:rPr lang="de-CH" dirty="0"/>
               <a:t>Auf dem GUI:</a:t>
             </a:r>
           </a:p>
           <a:p>
             <a:pPr lvl="1"/>
             <a:r>
-              <a:rPr lang="de-CH" dirty="0" smtClean="0">
+              <a:rPr lang="de-CH" dirty="0">
                 <a:solidFill>
                   <a:srgbClr val="00B050"/>
                 </a:solidFill>
@@ -16902,21 +16511,21 @@
               <a:t>Grün</a:t>
             </a:r>
             <a:r>
-              <a:rPr lang="de-CH" dirty="0" smtClean="0"/>
+              <a:rPr lang="de-CH" dirty="0"/>
               <a:t>: auf dieser Ebene definiert</a:t>
             </a:r>
           </a:p>
           <a:p>
             <a:pPr lvl="1"/>
             <a:r>
-              <a:rPr lang="de-CH" dirty="0" smtClean="0"/>
+              <a:rPr lang="de-CH" dirty="0"/>
               <a:t>Schwarz: auf höherer Ebene definiert</a:t>
             </a:r>
           </a:p>
           <a:p>
             <a:pPr lvl="1"/>
             <a:r>
-              <a:rPr lang="de-CH" dirty="0" smtClean="0">
+              <a:rPr lang="de-CH" dirty="0">
                 <a:solidFill>
                   <a:srgbClr val="FF0000"/>
                 </a:solidFill>
@@ -16924,22 +16533,22 @@
               <a:t>Rot</a:t>
             </a:r>
             <a:r>
-              <a:rPr lang="de-CH" dirty="0" smtClean="0"/>
+              <a:rPr lang="de-CH" dirty="0"/>
               <a:t>: Validierungsfehler</a:t>
             </a:r>
           </a:p>
           <a:p>
             <a:pPr lvl="1"/>
             <a:r>
-              <a:rPr lang="de-CH" dirty="0" smtClean="0"/>
+              <a:rPr lang="de-CH" dirty="0"/>
               <a:t>Im Tooltip (i) steht zusätzlich wo Property überschrieben wird.</a:t>
             </a:r>
           </a:p>
           <a:p>
-            <a:endParaRPr lang="de-CH" dirty="0" smtClean="0"/>
-          </a:p>
-          <a:p>
-            <a:endParaRPr lang="de-CH" dirty="0" smtClean="0"/>
+            <a:endParaRPr lang="de-CH" dirty="0"/>
+          </a:p>
+          <a:p>
+            <a:endParaRPr lang="de-CH" dirty="0"/>
           </a:p>
         </p:txBody>
       </p:sp>
@@ -16966,10 +16575,9 @@
           <a:lstStyle/>
           <a:p>
             <a:r>
-              <a:rPr lang="de-CH" dirty="0" smtClean="0"/>
+              <a:rPr lang="de-CH" dirty="0"/>
               <a:t>dev3</a:t>
             </a:r>
-            <a:endParaRPr lang="de-CH" dirty="0"/>
           </a:p>
         </p:txBody>
       </p:sp>
@@ -16996,10 +16604,9 @@
           <a:lstStyle/>
           <a:p>
             <a:r>
-              <a:rPr lang="de-CH" dirty="0" smtClean="0"/>
+              <a:rPr lang="de-CH" dirty="0"/>
               <a:t>int2</a:t>
             </a:r>
-            <a:endParaRPr lang="de-CH" dirty="0"/>
           </a:p>
         </p:txBody>
       </p:sp>
@@ -17026,10 +16633,9 @@
           <a:lstStyle/>
           <a:p>
             <a:r>
-              <a:rPr lang="de-CH" dirty="0" smtClean="0"/>
+              <a:rPr lang="de-CH" dirty="0"/>
               <a:t>int1</a:t>
             </a:r>
-            <a:endParaRPr lang="de-CH" dirty="0"/>
           </a:p>
         </p:txBody>
       </p:sp>
@@ -17056,10 +16662,9 @@
           <a:lstStyle/>
           <a:p>
             <a:r>
-              <a:rPr lang="de-CH" dirty="0" smtClean="0"/>
+              <a:rPr lang="de-CH" dirty="0"/>
               <a:t>prod1</a:t>
             </a:r>
-            <a:endParaRPr lang="de-CH" dirty="0"/>
           </a:p>
         </p:txBody>
       </p:sp>
@@ -17144,10 +16749,9 @@
           <a:lstStyle/>
           <a:p>
             <a:r>
-              <a:rPr lang="de-CH" dirty="0" smtClean="0"/>
+              <a:rPr lang="de-CH" dirty="0"/>
               <a:t>dev</a:t>
             </a:r>
-            <a:endParaRPr lang="de-CH" dirty="0"/>
           </a:p>
         </p:txBody>
       </p:sp>
@@ -17174,7 +16778,7 @@
           <a:lstStyle/>
           <a:p>
             <a:r>
-              <a:rPr lang="de-CH" dirty="0" smtClean="0"/>
+              <a:rPr lang="de-CH" dirty="0"/>
               <a:t>int</a:t>
             </a:r>
           </a:p>
@@ -17203,10 +16807,9 @@
           <a:lstStyle/>
           <a:p>
             <a:r>
-              <a:rPr lang="de-CH" dirty="0" smtClean="0"/>
+              <a:rPr lang="de-CH" dirty="0"/>
               <a:t>prod</a:t>
             </a:r>
-            <a:endParaRPr lang="de-CH" dirty="0"/>
           </a:p>
         </p:txBody>
       </p:sp>
@@ -17233,10 +16836,9 @@
           <a:lstStyle/>
           <a:p>
             <a:r>
-              <a:rPr lang="de-CH" dirty="0" smtClean="0"/>
+              <a:rPr lang="de-CH" dirty="0"/>
               <a:t>dev1</a:t>
             </a:r>
-            <a:endParaRPr lang="de-CH" dirty="0"/>
           </a:p>
         </p:txBody>
       </p:sp>
@@ -17263,10 +16865,9 @@
           <a:lstStyle/>
           <a:p>
             <a:r>
-              <a:rPr lang="de-CH" dirty="0" smtClean="0"/>
+              <a:rPr lang="de-CH" dirty="0"/>
               <a:t>dev2</a:t>
             </a:r>
-            <a:endParaRPr lang="de-CH" dirty="0"/>
           </a:p>
         </p:txBody>
       </p:sp>
@@ -17322,10 +16923,9 @@
           <a:lstStyle/>
           <a:p>
             <a:r>
-              <a:rPr lang="de-CH" dirty="0" smtClean="0"/>
+              <a:rPr lang="de-CH" dirty="0"/>
               <a:t>global</a:t>
             </a:r>
-            <a:endParaRPr lang="de-CH" dirty="0"/>
           </a:p>
         </p:txBody>
       </p:sp>
@@ -17381,14 +16981,9 @@
           <a:lstStyle/>
           <a:p>
             <a:r>
-              <a:rPr lang="de-CH" sz="1400" dirty="0" smtClean="0"/>
-              <a:t>amw</a:t>
-            </a:r>
-            <a:r>
-              <a:rPr lang="de-CH" sz="1400" dirty="0" smtClean="0"/>
-              <a:t>01.a-gogo.test</a:t>
-            </a:r>
-            <a:endParaRPr lang="de-CH" sz="1400" dirty="0"/>
+              <a:rPr lang="de-CH" sz="1400" dirty="0"/>
+              <a:t>liima01.a-gogo.test</a:t>
+            </a:r>
           </a:p>
         </p:txBody>
       </p:sp>
@@ -17415,10 +17010,9 @@
           <a:lstStyle/>
           <a:p>
             <a:r>
-              <a:rPr lang="de-CH" sz="1400" dirty="0" smtClean="0"/>
-              <a:t>amw02.a-gogo.ch</a:t>
-            </a:r>
-            <a:endParaRPr lang="de-CH" sz="1400" dirty="0"/>
+              <a:rPr lang="de-CH" sz="1400" dirty="0"/>
+              <a:t>liima02.a-gogo.ch</a:t>
+            </a:r>
           </a:p>
         </p:txBody>
       </p:sp>
@@ -17445,10 +17039,9 @@
           <a:lstStyle/>
           <a:p>
             <a:r>
-              <a:rPr lang="de-CH" sz="1400" dirty="0" smtClean="0"/>
-              <a:t>amw03.a-gogo.ch</a:t>
-            </a:r>
-            <a:endParaRPr lang="de-CH" sz="1400" dirty="0"/>
+              <a:rPr lang="de-CH" sz="1400" dirty="0"/>
+              <a:t>liima03.a-gogo.ch</a:t>
+            </a:r>
           </a:p>
         </p:txBody>
       </p:sp>
@@ -17458,13 +17051,6 @@
     <a:masterClrMapping/>
   </p:clrMapOvr>
   <p:transition/>
-  <p:timing>
-    <p:tnLst>
-      <p:par>
-        <p:cTn id="1" dur="indefinite" restart="never" nodeType="tmRoot"/>
-      </p:par>
-    </p:tnLst>
-  </p:timing>
 </p:sld>
 </file>
 
